--- a/Presentations/Demo.pptx
+++ b/Presentations/Demo.pptx
@@ -5,14 +5,19 @@
     <p:sldMasterId id="2147483660" r:id="rId1"/>
   </p:sldMasterIdLst>
   <p:notesMasterIdLst>
-    <p:notesMasterId r:id="rId7"/>
+    <p:notesMasterId r:id="rId12"/>
   </p:notesMasterIdLst>
   <p:sldIdLst>
     <p:sldId id="269" r:id="rId2"/>
     <p:sldId id="270" r:id="rId3"/>
-    <p:sldId id="271" r:id="rId4"/>
-    <p:sldId id="272" r:id="rId5"/>
-    <p:sldId id="274" r:id="rId6"/>
+    <p:sldId id="278" r:id="rId4"/>
+    <p:sldId id="271" r:id="rId5"/>
+    <p:sldId id="272" r:id="rId6"/>
+    <p:sldId id="279" r:id="rId7"/>
+    <p:sldId id="274" r:id="rId8"/>
+    <p:sldId id="275" r:id="rId9"/>
+    <p:sldId id="277" r:id="rId10"/>
+    <p:sldId id="276" r:id="rId11"/>
   </p:sldIdLst>
   <p:sldSz cx="12192000" cy="6858000"/>
   <p:notesSz cx="6858000" cy="9144000"/>
@@ -111,6 +116,11 @@
       </a:defRPr>
     </a:lvl9pPr>
   </p:defaultTextStyle>
+  <p:extLst>
+    <p:ext uri="{EFAFB233-063F-42B5-8137-9DF3F51BA10A}">
+      <p15:sldGuideLst xmlns:p15="http://schemas.microsoft.com/office/powerpoint/2012/main"/>
+    </p:ext>
+  </p:extLst>
 </p:presentation>
 </file>
 
@@ -196,7 +206,7 @@
           <a:p>
             <a:fld id="{2832E173-CBEE-40C4-8B5C-B152BB46A1A6}" type="datetimeFigureOut">
               <a:rPr lang="de-CH" smtClean="0"/>
-              <a:t>01.04.2022</a:t>
+              <a:t>05.04.2022</a:t>
             </a:fld>
             <a:endParaRPr lang="de-CH"/>
           </a:p>
@@ -608,6 +618,150 @@
 </p:notes>
 </file>
 
+<file path=ppt/notesSlides/notesSlide10.xml><?xml version="1.0" encoding="utf-8"?>
+<p:notes xmlns:a="http://schemas.openxmlformats.org/drawingml/2006/main" xmlns:r="http://schemas.openxmlformats.org/officeDocument/2006/relationships" xmlns:p="http://schemas.openxmlformats.org/presentationml/2006/main">
+  <p:cSld>
+    <p:spTree>
+      <p:nvGrpSpPr>
+        <p:cNvPr id="1" name=""/>
+        <p:cNvGrpSpPr/>
+        <p:nvPr/>
+      </p:nvGrpSpPr>
+      <p:grpSpPr>
+        <a:xfrm>
+          <a:off x="0" y="0"/>
+          <a:ext cx="0" cy="0"/>
+          <a:chOff x="0" y="0"/>
+          <a:chExt cx="0" cy="0"/>
+        </a:xfrm>
+      </p:grpSpPr>
+      <p:sp>
+        <p:nvSpPr>
+          <p:cNvPr id="2" name="Folienbildplatzhalter 1"/>
+          <p:cNvSpPr>
+            <a:spLocks noGrp="1" noRot="1" noChangeAspect="1"/>
+          </p:cNvSpPr>
+          <p:nvPr>
+            <p:ph type="sldImg"/>
+          </p:nvPr>
+        </p:nvSpPr>
+        <p:spPr/>
+      </p:sp>
+      <p:sp>
+        <p:nvSpPr>
+          <p:cNvPr id="3" name="Notizenplatzhalter 2"/>
+          <p:cNvSpPr>
+            <a:spLocks noGrp="1"/>
+          </p:cNvSpPr>
+          <p:nvPr>
+            <p:ph type="body" idx="1"/>
+          </p:nvPr>
+        </p:nvSpPr>
+        <p:spPr/>
+        <p:txBody>
+          <a:bodyPr/>
+          <a:lstStyle/>
+          <a:p>
+            <a:endParaRPr lang="de-CH" dirty="0"/>
+          </a:p>
+        </p:txBody>
+      </p:sp>
+      <p:sp>
+        <p:nvSpPr>
+          <p:cNvPr id="4" name="Foliennummernplatzhalter 3"/>
+          <p:cNvSpPr>
+            <a:spLocks noGrp="1"/>
+          </p:cNvSpPr>
+          <p:nvPr>
+            <p:ph type="sldNum" sz="quarter" idx="5"/>
+          </p:nvPr>
+        </p:nvSpPr>
+        <p:spPr/>
+        <p:txBody>
+          <a:bodyPr/>
+          <a:lstStyle/>
+          <a:p>
+            <a:pPr marL="0" marR="0" lvl="0" indent="0" algn="r" defTabSz="914400" rtl="0" eaLnBrk="1" fontAlgn="auto" latinLnBrk="0" hangingPunct="1">
+              <a:lnSpc>
+                <a:spcPct val="100000"/>
+              </a:lnSpc>
+              <a:spcBef>
+                <a:spcPts val="0"/>
+              </a:spcBef>
+              <a:spcAft>
+                <a:spcPts val="0"/>
+              </a:spcAft>
+              <a:buClrTx/>
+              <a:buSzTx/>
+              <a:buFontTx/>
+              <a:buNone/>
+              <a:tabLst/>
+              <a:defRPr/>
+            </a:pPr>
+            <a:fld id="{DDFFE013-33A7-4716-A75D-58DA9E59A196}" type="slidenum">
+              <a:rPr kumimoji="0" lang="de-CH" sz="1200" b="0" i="0" u="none" strike="noStrike" kern="1200" cap="none" spc="0" normalizeH="0" baseline="0" noProof="0" smtClean="0">
+                <a:ln>
+                  <a:noFill/>
+                </a:ln>
+                <a:solidFill>
+                  <a:prstClr val="black"/>
+                </a:solidFill>
+                <a:effectLst/>
+                <a:uLnTx/>
+                <a:uFillTx/>
+                <a:latin typeface="Calibri" panose="020F0502020204030204"/>
+                <a:ea typeface="+mn-ea"/>
+                <a:cs typeface="+mn-cs"/>
+              </a:rPr>
+              <a:pPr marL="0" marR="0" lvl="0" indent="0" algn="r" defTabSz="914400" rtl="0" eaLnBrk="1" fontAlgn="auto" latinLnBrk="0" hangingPunct="1">
+                <a:lnSpc>
+                  <a:spcPct val="100000"/>
+                </a:lnSpc>
+                <a:spcBef>
+                  <a:spcPts val="0"/>
+                </a:spcBef>
+                <a:spcAft>
+                  <a:spcPts val="0"/>
+                </a:spcAft>
+                <a:buClrTx/>
+                <a:buSzTx/>
+                <a:buFontTx/>
+                <a:buNone/>
+                <a:tabLst/>
+                <a:defRPr/>
+              </a:pPr>
+              <a:t>10</a:t>
+            </a:fld>
+            <a:endParaRPr kumimoji="0" lang="de-CH" sz="1200" b="0" i="0" u="none" strike="noStrike" kern="1200" cap="none" spc="0" normalizeH="0" baseline="0" noProof="0">
+              <a:ln>
+                <a:noFill/>
+              </a:ln>
+              <a:solidFill>
+                <a:prstClr val="black"/>
+              </a:solidFill>
+              <a:effectLst/>
+              <a:uLnTx/>
+              <a:uFillTx/>
+              <a:latin typeface="Calibri" panose="020F0502020204030204"/>
+              <a:ea typeface="+mn-ea"/>
+              <a:cs typeface="+mn-cs"/>
+            </a:endParaRPr>
+          </a:p>
+        </p:txBody>
+      </p:sp>
+    </p:spTree>
+    <p:extLst>
+      <p:ext uri="{BB962C8B-B14F-4D97-AF65-F5344CB8AC3E}">
+        <p14:creationId xmlns:p14="http://schemas.microsoft.com/office/powerpoint/2010/main" val="3574623789"/>
+      </p:ext>
+    </p:extLst>
+  </p:cSld>
+  <p:clrMapOvr>
+    <a:masterClrMapping/>
+  </p:clrMapOvr>
+</p:notes>
+</file>
+
 <file path=ppt/notesSlides/notesSlide2.xml><?xml version="1.0" encoding="utf-8"?>
 <p:notes xmlns:a="http://schemas.openxmlformats.org/drawingml/2006/main" xmlns:r="http://schemas.openxmlformats.org/officeDocument/2006/relationships" xmlns:p="http://schemas.openxmlformats.org/presentationml/2006/main">
   <p:cSld>
@@ -886,7 +1040,7 @@
     </p:spTree>
     <p:extLst>
       <p:ext uri="{BB962C8B-B14F-4D97-AF65-F5344CB8AC3E}">
-        <p14:creationId xmlns:p14="http://schemas.microsoft.com/office/powerpoint/2010/main" val="2196170185"/>
+        <p14:creationId xmlns:p14="http://schemas.microsoft.com/office/powerpoint/2010/main" val="3788074231"/>
       </p:ext>
     </p:extLst>
   </p:cSld>
@@ -940,7 +1094,17 @@
           <a:bodyPr/>
           <a:lstStyle/>
           <a:p>
-            <a:endParaRPr lang="de-CH" dirty="0"/>
+            <a:r>
+              <a:rPr lang="de-CH" dirty="0"/>
+              <a:t>Pros: Sicher, unterschiedliche PW pro  Webseite, </a:t>
+            </a:r>
+            <a:br>
+              <a:rPr lang="de-CH" dirty="0"/>
+            </a:br>
+            <a:r>
+              <a:rPr lang="de-CH" dirty="0"/>
+              <a:t>Contras: Mühsam, man muss den PM dabei haben, oft nicht Cloud basiert</a:t>
+            </a:r>
           </a:p>
         </p:txBody>
       </p:sp>
@@ -1030,7 +1194,7 @@
     </p:spTree>
     <p:extLst>
       <p:ext uri="{BB962C8B-B14F-4D97-AF65-F5344CB8AC3E}">
-        <p14:creationId xmlns:p14="http://schemas.microsoft.com/office/powerpoint/2010/main" val="1677457994"/>
+        <p14:creationId xmlns:p14="http://schemas.microsoft.com/office/powerpoint/2010/main" val="2196170185"/>
       </p:ext>
     </p:extLst>
   </p:cSld>
@@ -1174,7 +1338,583 @@
     </p:spTree>
     <p:extLst>
       <p:ext uri="{BB962C8B-B14F-4D97-AF65-F5344CB8AC3E}">
+        <p14:creationId xmlns:p14="http://schemas.microsoft.com/office/powerpoint/2010/main" val="1677457994"/>
+      </p:ext>
+    </p:extLst>
+  </p:cSld>
+  <p:clrMapOvr>
+    <a:masterClrMapping/>
+  </p:clrMapOvr>
+</p:notes>
+</file>
+
+<file path=ppt/notesSlides/notesSlide6.xml><?xml version="1.0" encoding="utf-8"?>
+<p:notes xmlns:a="http://schemas.openxmlformats.org/drawingml/2006/main" xmlns:r="http://schemas.openxmlformats.org/officeDocument/2006/relationships" xmlns:p="http://schemas.openxmlformats.org/presentationml/2006/main">
+  <p:cSld>
+    <p:spTree>
+      <p:nvGrpSpPr>
+        <p:cNvPr id="1" name=""/>
+        <p:cNvGrpSpPr/>
+        <p:nvPr/>
+      </p:nvGrpSpPr>
+      <p:grpSpPr>
+        <a:xfrm>
+          <a:off x="0" y="0"/>
+          <a:ext cx="0" cy="0"/>
+          <a:chOff x="0" y="0"/>
+          <a:chExt cx="0" cy="0"/>
+        </a:xfrm>
+      </p:grpSpPr>
+      <p:sp>
+        <p:nvSpPr>
+          <p:cNvPr id="2" name="Folienbildplatzhalter 1"/>
+          <p:cNvSpPr>
+            <a:spLocks noGrp="1" noRot="1" noChangeAspect="1"/>
+          </p:cNvSpPr>
+          <p:nvPr>
+            <p:ph type="sldImg"/>
+          </p:nvPr>
+        </p:nvSpPr>
+        <p:spPr/>
+      </p:sp>
+      <p:sp>
+        <p:nvSpPr>
+          <p:cNvPr id="3" name="Notizenplatzhalter 2"/>
+          <p:cNvSpPr>
+            <a:spLocks noGrp="1"/>
+          </p:cNvSpPr>
+          <p:nvPr>
+            <p:ph type="body" idx="1"/>
+          </p:nvPr>
+        </p:nvSpPr>
+        <p:spPr/>
+        <p:txBody>
+          <a:bodyPr/>
+          <a:lstStyle/>
+          <a:p>
+            <a:endParaRPr lang="de-CH" dirty="0"/>
+          </a:p>
+        </p:txBody>
+      </p:sp>
+      <p:sp>
+        <p:nvSpPr>
+          <p:cNvPr id="4" name="Foliennummernplatzhalter 3"/>
+          <p:cNvSpPr>
+            <a:spLocks noGrp="1"/>
+          </p:cNvSpPr>
+          <p:nvPr>
+            <p:ph type="sldNum" sz="quarter" idx="5"/>
+          </p:nvPr>
+        </p:nvSpPr>
+        <p:spPr/>
+        <p:txBody>
+          <a:bodyPr/>
+          <a:lstStyle/>
+          <a:p>
+            <a:pPr marL="0" marR="0" lvl="0" indent="0" algn="r" defTabSz="914400" rtl="0" eaLnBrk="1" fontAlgn="auto" latinLnBrk="0" hangingPunct="1">
+              <a:lnSpc>
+                <a:spcPct val="100000"/>
+              </a:lnSpc>
+              <a:spcBef>
+                <a:spcPts val="0"/>
+              </a:spcBef>
+              <a:spcAft>
+                <a:spcPts val="0"/>
+              </a:spcAft>
+              <a:buClrTx/>
+              <a:buSzTx/>
+              <a:buFontTx/>
+              <a:buNone/>
+              <a:tabLst/>
+              <a:defRPr/>
+            </a:pPr>
+            <a:fld id="{DDFFE013-33A7-4716-A75D-58DA9E59A196}" type="slidenum">
+              <a:rPr kumimoji="0" lang="de-CH" sz="1200" b="0" i="0" u="none" strike="noStrike" kern="1200" cap="none" spc="0" normalizeH="0" baseline="0" noProof="0" smtClean="0">
+                <a:ln>
+                  <a:noFill/>
+                </a:ln>
+                <a:solidFill>
+                  <a:prstClr val="black"/>
+                </a:solidFill>
+                <a:effectLst/>
+                <a:uLnTx/>
+                <a:uFillTx/>
+                <a:latin typeface="Calibri" panose="020F0502020204030204"/>
+                <a:ea typeface="+mn-ea"/>
+                <a:cs typeface="+mn-cs"/>
+              </a:rPr>
+              <a:pPr marL="0" marR="0" lvl="0" indent="0" algn="r" defTabSz="914400" rtl="0" eaLnBrk="1" fontAlgn="auto" latinLnBrk="0" hangingPunct="1">
+                <a:lnSpc>
+                  <a:spcPct val="100000"/>
+                </a:lnSpc>
+                <a:spcBef>
+                  <a:spcPts val="0"/>
+                </a:spcBef>
+                <a:spcAft>
+                  <a:spcPts val="0"/>
+                </a:spcAft>
+                <a:buClrTx/>
+                <a:buSzTx/>
+                <a:buFontTx/>
+                <a:buNone/>
+                <a:tabLst/>
+                <a:defRPr/>
+              </a:pPr>
+              <a:t>6</a:t>
+            </a:fld>
+            <a:endParaRPr kumimoji="0" lang="de-CH" sz="1200" b="0" i="0" u="none" strike="noStrike" kern="1200" cap="none" spc="0" normalizeH="0" baseline="0" noProof="0">
+              <a:ln>
+                <a:noFill/>
+              </a:ln>
+              <a:solidFill>
+                <a:prstClr val="black"/>
+              </a:solidFill>
+              <a:effectLst/>
+              <a:uLnTx/>
+              <a:uFillTx/>
+              <a:latin typeface="Calibri" panose="020F0502020204030204"/>
+              <a:ea typeface="+mn-ea"/>
+              <a:cs typeface="+mn-cs"/>
+            </a:endParaRPr>
+          </a:p>
+        </p:txBody>
+      </p:sp>
+    </p:spTree>
+    <p:extLst>
+      <p:ext uri="{BB962C8B-B14F-4D97-AF65-F5344CB8AC3E}">
+        <p14:creationId xmlns:p14="http://schemas.microsoft.com/office/powerpoint/2010/main" val="3798919340"/>
+      </p:ext>
+    </p:extLst>
+  </p:cSld>
+  <p:clrMapOvr>
+    <a:masterClrMapping/>
+  </p:clrMapOvr>
+</p:notes>
+</file>
+
+<file path=ppt/notesSlides/notesSlide7.xml><?xml version="1.0" encoding="utf-8"?>
+<p:notes xmlns:a="http://schemas.openxmlformats.org/drawingml/2006/main" xmlns:r="http://schemas.openxmlformats.org/officeDocument/2006/relationships" xmlns:p="http://schemas.openxmlformats.org/presentationml/2006/main">
+  <p:cSld>
+    <p:spTree>
+      <p:nvGrpSpPr>
+        <p:cNvPr id="1" name=""/>
+        <p:cNvGrpSpPr/>
+        <p:nvPr/>
+      </p:nvGrpSpPr>
+      <p:grpSpPr>
+        <a:xfrm>
+          <a:off x="0" y="0"/>
+          <a:ext cx="0" cy="0"/>
+          <a:chOff x="0" y="0"/>
+          <a:chExt cx="0" cy="0"/>
+        </a:xfrm>
+      </p:grpSpPr>
+      <p:sp>
+        <p:nvSpPr>
+          <p:cNvPr id="2" name="Folienbildplatzhalter 1"/>
+          <p:cNvSpPr>
+            <a:spLocks noGrp="1" noRot="1" noChangeAspect="1"/>
+          </p:cNvSpPr>
+          <p:nvPr>
+            <p:ph type="sldImg"/>
+          </p:nvPr>
+        </p:nvSpPr>
+        <p:spPr/>
+      </p:sp>
+      <p:sp>
+        <p:nvSpPr>
+          <p:cNvPr id="3" name="Notizenplatzhalter 2"/>
+          <p:cNvSpPr>
+            <a:spLocks noGrp="1"/>
+          </p:cNvSpPr>
+          <p:nvPr>
+            <p:ph type="body" idx="1"/>
+          </p:nvPr>
+        </p:nvSpPr>
+        <p:spPr/>
+        <p:txBody>
+          <a:bodyPr/>
+          <a:lstStyle/>
+          <a:p>
+            <a:endParaRPr lang="de-CH" dirty="0"/>
+          </a:p>
+        </p:txBody>
+      </p:sp>
+      <p:sp>
+        <p:nvSpPr>
+          <p:cNvPr id="4" name="Foliennummernplatzhalter 3"/>
+          <p:cNvSpPr>
+            <a:spLocks noGrp="1"/>
+          </p:cNvSpPr>
+          <p:nvPr>
+            <p:ph type="sldNum" sz="quarter" idx="5"/>
+          </p:nvPr>
+        </p:nvSpPr>
+        <p:spPr/>
+        <p:txBody>
+          <a:bodyPr/>
+          <a:lstStyle/>
+          <a:p>
+            <a:pPr marL="0" marR="0" lvl="0" indent="0" algn="r" defTabSz="914400" rtl="0" eaLnBrk="1" fontAlgn="auto" latinLnBrk="0" hangingPunct="1">
+              <a:lnSpc>
+                <a:spcPct val="100000"/>
+              </a:lnSpc>
+              <a:spcBef>
+                <a:spcPts val="0"/>
+              </a:spcBef>
+              <a:spcAft>
+                <a:spcPts val="0"/>
+              </a:spcAft>
+              <a:buClrTx/>
+              <a:buSzTx/>
+              <a:buFontTx/>
+              <a:buNone/>
+              <a:tabLst/>
+              <a:defRPr/>
+            </a:pPr>
+            <a:fld id="{DDFFE013-33A7-4716-A75D-58DA9E59A196}" type="slidenum">
+              <a:rPr kumimoji="0" lang="de-CH" sz="1200" b="0" i="0" u="none" strike="noStrike" kern="1200" cap="none" spc="0" normalizeH="0" baseline="0" noProof="0" smtClean="0">
+                <a:ln>
+                  <a:noFill/>
+                </a:ln>
+                <a:solidFill>
+                  <a:prstClr val="black"/>
+                </a:solidFill>
+                <a:effectLst/>
+                <a:uLnTx/>
+                <a:uFillTx/>
+                <a:latin typeface="Calibri" panose="020F0502020204030204"/>
+                <a:ea typeface="+mn-ea"/>
+                <a:cs typeface="+mn-cs"/>
+              </a:rPr>
+              <a:pPr marL="0" marR="0" lvl="0" indent="0" algn="r" defTabSz="914400" rtl="0" eaLnBrk="1" fontAlgn="auto" latinLnBrk="0" hangingPunct="1">
+                <a:lnSpc>
+                  <a:spcPct val="100000"/>
+                </a:lnSpc>
+                <a:spcBef>
+                  <a:spcPts val="0"/>
+                </a:spcBef>
+                <a:spcAft>
+                  <a:spcPts val="0"/>
+                </a:spcAft>
+                <a:buClrTx/>
+                <a:buSzTx/>
+                <a:buFontTx/>
+                <a:buNone/>
+                <a:tabLst/>
+                <a:defRPr/>
+              </a:pPr>
+              <a:t>7</a:t>
+            </a:fld>
+            <a:endParaRPr kumimoji="0" lang="de-CH" sz="1200" b="0" i="0" u="none" strike="noStrike" kern="1200" cap="none" spc="0" normalizeH="0" baseline="0" noProof="0">
+              <a:ln>
+                <a:noFill/>
+              </a:ln>
+              <a:solidFill>
+                <a:prstClr val="black"/>
+              </a:solidFill>
+              <a:effectLst/>
+              <a:uLnTx/>
+              <a:uFillTx/>
+              <a:latin typeface="Calibri" panose="020F0502020204030204"/>
+              <a:ea typeface="+mn-ea"/>
+              <a:cs typeface="+mn-cs"/>
+            </a:endParaRPr>
+          </a:p>
+        </p:txBody>
+      </p:sp>
+    </p:spTree>
+    <p:extLst>
+      <p:ext uri="{BB962C8B-B14F-4D97-AF65-F5344CB8AC3E}">
         <p14:creationId xmlns:p14="http://schemas.microsoft.com/office/powerpoint/2010/main" val="3178303318"/>
+      </p:ext>
+    </p:extLst>
+  </p:cSld>
+  <p:clrMapOvr>
+    <a:masterClrMapping/>
+  </p:clrMapOvr>
+</p:notes>
+</file>
+
+<file path=ppt/notesSlides/notesSlide8.xml><?xml version="1.0" encoding="utf-8"?>
+<p:notes xmlns:a="http://schemas.openxmlformats.org/drawingml/2006/main" xmlns:r="http://schemas.openxmlformats.org/officeDocument/2006/relationships" xmlns:p="http://schemas.openxmlformats.org/presentationml/2006/main">
+  <p:cSld>
+    <p:spTree>
+      <p:nvGrpSpPr>
+        <p:cNvPr id="1" name=""/>
+        <p:cNvGrpSpPr/>
+        <p:nvPr/>
+      </p:nvGrpSpPr>
+      <p:grpSpPr>
+        <a:xfrm>
+          <a:off x="0" y="0"/>
+          <a:ext cx="0" cy="0"/>
+          <a:chOff x="0" y="0"/>
+          <a:chExt cx="0" cy="0"/>
+        </a:xfrm>
+      </p:grpSpPr>
+      <p:sp>
+        <p:nvSpPr>
+          <p:cNvPr id="2" name="Folienbildplatzhalter 1"/>
+          <p:cNvSpPr>
+            <a:spLocks noGrp="1" noRot="1" noChangeAspect="1"/>
+          </p:cNvSpPr>
+          <p:nvPr>
+            <p:ph type="sldImg"/>
+          </p:nvPr>
+        </p:nvSpPr>
+        <p:spPr/>
+      </p:sp>
+      <p:sp>
+        <p:nvSpPr>
+          <p:cNvPr id="3" name="Notizenplatzhalter 2"/>
+          <p:cNvSpPr>
+            <a:spLocks noGrp="1"/>
+          </p:cNvSpPr>
+          <p:nvPr>
+            <p:ph type="body" idx="1"/>
+          </p:nvPr>
+        </p:nvSpPr>
+        <p:spPr/>
+        <p:txBody>
+          <a:bodyPr/>
+          <a:lstStyle/>
+          <a:p>
+            <a:endParaRPr lang="de-CH" dirty="0"/>
+          </a:p>
+        </p:txBody>
+      </p:sp>
+      <p:sp>
+        <p:nvSpPr>
+          <p:cNvPr id="4" name="Foliennummernplatzhalter 3"/>
+          <p:cNvSpPr>
+            <a:spLocks noGrp="1"/>
+          </p:cNvSpPr>
+          <p:nvPr>
+            <p:ph type="sldNum" sz="quarter" idx="5"/>
+          </p:nvPr>
+        </p:nvSpPr>
+        <p:spPr/>
+        <p:txBody>
+          <a:bodyPr/>
+          <a:lstStyle/>
+          <a:p>
+            <a:pPr marL="0" marR="0" lvl="0" indent="0" algn="r" defTabSz="914400" rtl="0" eaLnBrk="1" fontAlgn="auto" latinLnBrk="0" hangingPunct="1">
+              <a:lnSpc>
+                <a:spcPct val="100000"/>
+              </a:lnSpc>
+              <a:spcBef>
+                <a:spcPts val="0"/>
+              </a:spcBef>
+              <a:spcAft>
+                <a:spcPts val="0"/>
+              </a:spcAft>
+              <a:buClrTx/>
+              <a:buSzTx/>
+              <a:buFontTx/>
+              <a:buNone/>
+              <a:tabLst/>
+              <a:defRPr/>
+            </a:pPr>
+            <a:fld id="{DDFFE013-33A7-4716-A75D-58DA9E59A196}" type="slidenum">
+              <a:rPr kumimoji="0" lang="de-CH" sz="1200" b="0" i="0" u="none" strike="noStrike" kern="1200" cap="none" spc="0" normalizeH="0" baseline="0" noProof="0" smtClean="0">
+                <a:ln>
+                  <a:noFill/>
+                </a:ln>
+                <a:solidFill>
+                  <a:prstClr val="black"/>
+                </a:solidFill>
+                <a:effectLst/>
+                <a:uLnTx/>
+                <a:uFillTx/>
+                <a:latin typeface="Calibri" panose="020F0502020204030204"/>
+                <a:ea typeface="+mn-ea"/>
+                <a:cs typeface="+mn-cs"/>
+              </a:rPr>
+              <a:pPr marL="0" marR="0" lvl="0" indent="0" algn="r" defTabSz="914400" rtl="0" eaLnBrk="1" fontAlgn="auto" latinLnBrk="0" hangingPunct="1">
+                <a:lnSpc>
+                  <a:spcPct val="100000"/>
+                </a:lnSpc>
+                <a:spcBef>
+                  <a:spcPts val="0"/>
+                </a:spcBef>
+                <a:spcAft>
+                  <a:spcPts val="0"/>
+                </a:spcAft>
+                <a:buClrTx/>
+                <a:buSzTx/>
+                <a:buFontTx/>
+                <a:buNone/>
+                <a:tabLst/>
+                <a:defRPr/>
+              </a:pPr>
+              <a:t>8</a:t>
+            </a:fld>
+            <a:endParaRPr kumimoji="0" lang="de-CH" sz="1200" b="0" i="0" u="none" strike="noStrike" kern="1200" cap="none" spc="0" normalizeH="0" baseline="0" noProof="0">
+              <a:ln>
+                <a:noFill/>
+              </a:ln>
+              <a:solidFill>
+                <a:prstClr val="black"/>
+              </a:solidFill>
+              <a:effectLst/>
+              <a:uLnTx/>
+              <a:uFillTx/>
+              <a:latin typeface="Calibri" panose="020F0502020204030204"/>
+              <a:ea typeface="+mn-ea"/>
+              <a:cs typeface="+mn-cs"/>
+            </a:endParaRPr>
+          </a:p>
+        </p:txBody>
+      </p:sp>
+    </p:spTree>
+    <p:extLst>
+      <p:ext uri="{BB962C8B-B14F-4D97-AF65-F5344CB8AC3E}">
+        <p14:creationId xmlns:p14="http://schemas.microsoft.com/office/powerpoint/2010/main" val="3936236589"/>
+      </p:ext>
+    </p:extLst>
+  </p:cSld>
+  <p:clrMapOvr>
+    <a:masterClrMapping/>
+  </p:clrMapOvr>
+</p:notes>
+</file>
+
+<file path=ppt/notesSlides/notesSlide9.xml><?xml version="1.0" encoding="utf-8"?>
+<p:notes xmlns:a="http://schemas.openxmlformats.org/drawingml/2006/main" xmlns:r="http://schemas.openxmlformats.org/officeDocument/2006/relationships" xmlns:p="http://schemas.openxmlformats.org/presentationml/2006/main">
+  <p:cSld>
+    <p:spTree>
+      <p:nvGrpSpPr>
+        <p:cNvPr id="1" name=""/>
+        <p:cNvGrpSpPr/>
+        <p:nvPr/>
+      </p:nvGrpSpPr>
+      <p:grpSpPr>
+        <a:xfrm>
+          <a:off x="0" y="0"/>
+          <a:ext cx="0" cy="0"/>
+          <a:chOff x="0" y="0"/>
+          <a:chExt cx="0" cy="0"/>
+        </a:xfrm>
+      </p:grpSpPr>
+      <p:sp>
+        <p:nvSpPr>
+          <p:cNvPr id="2" name="Folienbildplatzhalter 1"/>
+          <p:cNvSpPr>
+            <a:spLocks noGrp="1" noRot="1" noChangeAspect="1"/>
+          </p:cNvSpPr>
+          <p:nvPr>
+            <p:ph type="sldImg"/>
+          </p:nvPr>
+        </p:nvSpPr>
+        <p:spPr/>
+      </p:sp>
+      <p:sp>
+        <p:nvSpPr>
+          <p:cNvPr id="3" name="Notizenplatzhalter 2"/>
+          <p:cNvSpPr>
+            <a:spLocks noGrp="1"/>
+          </p:cNvSpPr>
+          <p:nvPr>
+            <p:ph type="body" idx="1"/>
+          </p:nvPr>
+        </p:nvSpPr>
+        <p:spPr/>
+        <p:txBody>
+          <a:bodyPr/>
+          <a:lstStyle/>
+          <a:p>
+            <a:endParaRPr lang="de-CH" dirty="0"/>
+          </a:p>
+        </p:txBody>
+      </p:sp>
+      <p:sp>
+        <p:nvSpPr>
+          <p:cNvPr id="4" name="Foliennummernplatzhalter 3"/>
+          <p:cNvSpPr>
+            <a:spLocks noGrp="1"/>
+          </p:cNvSpPr>
+          <p:nvPr>
+            <p:ph type="sldNum" sz="quarter" idx="5"/>
+          </p:nvPr>
+        </p:nvSpPr>
+        <p:spPr/>
+        <p:txBody>
+          <a:bodyPr/>
+          <a:lstStyle/>
+          <a:p>
+            <a:pPr marL="0" marR="0" lvl="0" indent="0" algn="r" defTabSz="914400" rtl="0" eaLnBrk="1" fontAlgn="auto" latinLnBrk="0" hangingPunct="1">
+              <a:lnSpc>
+                <a:spcPct val="100000"/>
+              </a:lnSpc>
+              <a:spcBef>
+                <a:spcPts val="0"/>
+              </a:spcBef>
+              <a:spcAft>
+                <a:spcPts val="0"/>
+              </a:spcAft>
+              <a:buClrTx/>
+              <a:buSzTx/>
+              <a:buFontTx/>
+              <a:buNone/>
+              <a:tabLst/>
+              <a:defRPr/>
+            </a:pPr>
+            <a:fld id="{DDFFE013-33A7-4716-A75D-58DA9E59A196}" type="slidenum">
+              <a:rPr kumimoji="0" lang="de-CH" sz="1200" b="0" i="0" u="none" strike="noStrike" kern="1200" cap="none" spc="0" normalizeH="0" baseline="0" noProof="0" smtClean="0">
+                <a:ln>
+                  <a:noFill/>
+                </a:ln>
+                <a:solidFill>
+                  <a:prstClr val="black"/>
+                </a:solidFill>
+                <a:effectLst/>
+                <a:uLnTx/>
+                <a:uFillTx/>
+                <a:latin typeface="Calibri" panose="020F0502020204030204"/>
+                <a:ea typeface="+mn-ea"/>
+                <a:cs typeface="+mn-cs"/>
+              </a:rPr>
+              <a:pPr marL="0" marR="0" lvl="0" indent="0" algn="r" defTabSz="914400" rtl="0" eaLnBrk="1" fontAlgn="auto" latinLnBrk="0" hangingPunct="1">
+                <a:lnSpc>
+                  <a:spcPct val="100000"/>
+                </a:lnSpc>
+                <a:spcBef>
+                  <a:spcPts val="0"/>
+                </a:spcBef>
+                <a:spcAft>
+                  <a:spcPts val="0"/>
+                </a:spcAft>
+                <a:buClrTx/>
+                <a:buSzTx/>
+                <a:buFontTx/>
+                <a:buNone/>
+                <a:tabLst/>
+                <a:defRPr/>
+              </a:pPr>
+              <a:t>9</a:t>
+            </a:fld>
+            <a:endParaRPr kumimoji="0" lang="de-CH" sz="1200" b="0" i="0" u="none" strike="noStrike" kern="1200" cap="none" spc="0" normalizeH="0" baseline="0" noProof="0">
+              <a:ln>
+                <a:noFill/>
+              </a:ln>
+              <a:solidFill>
+                <a:prstClr val="black"/>
+              </a:solidFill>
+              <a:effectLst/>
+              <a:uLnTx/>
+              <a:uFillTx/>
+              <a:latin typeface="Calibri" panose="020F0502020204030204"/>
+              <a:ea typeface="+mn-ea"/>
+              <a:cs typeface="+mn-cs"/>
+            </a:endParaRPr>
+          </a:p>
+        </p:txBody>
+      </p:sp>
+    </p:spTree>
+    <p:extLst>
+      <p:ext uri="{BB962C8B-B14F-4D97-AF65-F5344CB8AC3E}">
+        <p14:creationId xmlns:p14="http://schemas.microsoft.com/office/powerpoint/2010/main" val="2942196996"/>
       </p:ext>
     </p:extLst>
   </p:cSld>
@@ -1333,7 +2073,7 @@
           <a:p>
             <a:fld id="{E4275066-DDD4-3E4A-A153-3A537887E211}" type="datetimeFigureOut">
               <a:rPr lang="en-GB" smtClean="0"/>
-              <a:t>01/04/2022</a:t>
+              <a:t>05/04/2022</a:t>
             </a:fld>
             <a:endParaRPr lang="en-GB" dirty="0"/>
           </a:p>
@@ -1533,7 +2273,7 @@
           <a:p>
             <a:fld id="{E4275066-DDD4-3E4A-A153-3A537887E211}" type="datetimeFigureOut">
               <a:rPr lang="en-GB" smtClean="0"/>
-              <a:t>01/04/2022</a:t>
+              <a:t>05/04/2022</a:t>
             </a:fld>
             <a:endParaRPr lang="en-GB" dirty="0"/>
           </a:p>
@@ -1743,7 +2483,7 @@
           <a:p>
             <a:fld id="{E4275066-DDD4-3E4A-A153-3A537887E211}" type="datetimeFigureOut">
               <a:rPr lang="en-GB" smtClean="0"/>
-              <a:t>01/04/2022</a:t>
+              <a:t>05/04/2022</a:t>
             </a:fld>
             <a:endParaRPr lang="en-GB" dirty="0"/>
           </a:p>
@@ -1943,7 +2683,7 @@
           <a:p>
             <a:fld id="{E4275066-DDD4-3E4A-A153-3A537887E211}" type="datetimeFigureOut">
               <a:rPr lang="en-GB" smtClean="0"/>
-              <a:t>01/04/2022</a:t>
+              <a:t>05/04/2022</a:t>
             </a:fld>
             <a:endParaRPr lang="en-GB" dirty="0"/>
           </a:p>
@@ -2219,7 +2959,7 @@
           <a:p>
             <a:fld id="{E4275066-DDD4-3E4A-A153-3A537887E211}" type="datetimeFigureOut">
               <a:rPr lang="en-GB" smtClean="0"/>
-              <a:t>01/04/2022</a:t>
+              <a:t>05/04/2022</a:t>
             </a:fld>
             <a:endParaRPr lang="en-GB" dirty="0"/>
           </a:p>
@@ -2487,7 +3227,7 @@
           <a:p>
             <a:fld id="{E4275066-DDD4-3E4A-A153-3A537887E211}" type="datetimeFigureOut">
               <a:rPr lang="en-GB" smtClean="0"/>
-              <a:t>01/04/2022</a:t>
+              <a:t>05/04/2022</a:t>
             </a:fld>
             <a:endParaRPr lang="en-GB" dirty="0"/>
           </a:p>
@@ -2907,7 +3647,7 @@
           <a:p>
             <a:fld id="{E4275066-DDD4-3E4A-A153-3A537887E211}" type="datetimeFigureOut">
               <a:rPr lang="en-GB" smtClean="0"/>
-              <a:t>01/04/2022</a:t>
+              <a:t>05/04/2022</a:t>
             </a:fld>
             <a:endParaRPr lang="en-GB" dirty="0"/>
           </a:p>
@@ -3054,7 +3794,7 @@
           <a:p>
             <a:fld id="{E4275066-DDD4-3E4A-A153-3A537887E211}" type="datetimeFigureOut">
               <a:rPr lang="en-GB" smtClean="0"/>
-              <a:t>01/04/2022</a:t>
+              <a:t>05/04/2022</a:t>
             </a:fld>
             <a:endParaRPr lang="en-GB" dirty="0"/>
           </a:p>
@@ -3167,7 +3907,7 @@
           <a:p>
             <a:fld id="{E4275066-DDD4-3E4A-A153-3A537887E211}" type="datetimeFigureOut">
               <a:rPr lang="en-GB" smtClean="0"/>
-              <a:t>01/04/2022</a:t>
+              <a:t>05/04/2022</a:t>
             </a:fld>
             <a:endParaRPr lang="en-GB" dirty="0"/>
           </a:p>
@@ -3480,7 +4220,7 @@
           <a:p>
             <a:fld id="{E4275066-DDD4-3E4A-A153-3A537887E211}" type="datetimeFigureOut">
               <a:rPr lang="en-GB" smtClean="0"/>
-              <a:t>01/04/2022</a:t>
+              <a:t>05/04/2022</a:t>
             </a:fld>
             <a:endParaRPr lang="en-GB" dirty="0"/>
           </a:p>
@@ -3774,7 +4514,7 @@
           <a:p>
             <a:fld id="{E4275066-DDD4-3E4A-A153-3A537887E211}" type="datetimeFigureOut">
               <a:rPr lang="en-GB" smtClean="0"/>
-              <a:t>01/04/2022</a:t>
+              <a:t>05/04/2022</a:t>
             </a:fld>
             <a:endParaRPr lang="en-GB" dirty="0"/>
           </a:p>
@@ -4020,7 +4760,7 @@
           <a:p>
             <a:fld id="{E4275066-DDD4-3E4A-A153-3A537887E211}" type="datetimeFigureOut">
               <a:rPr lang="en-GB" smtClean="0"/>
-              <a:t>01/04/2022</a:t>
+              <a:t>05/04/2022</a:t>
             </a:fld>
             <a:endParaRPr lang="en-GB" dirty="0"/>
           </a:p>
@@ -4570,12 +5310,30 @@
             <a:br>
               <a:rPr lang="en-GB" sz="5400" b="1" dirty="0"/>
             </a:br>
+            <a:r>
+              <a:rPr lang="en-GB" sz="1400" b="1" dirty="0"/>
+              <a:t>Puzzle, Software: </a:t>
+            </a:r>
+            <a:r>
+              <a:rPr lang="en-GB" sz="1400" b="1" dirty="0" err="1"/>
+              <a:t>Cryptopus</a:t>
+            </a:r>
+            <a:br>
+              <a:rPr lang="en-GB" sz="5400" b="1" dirty="0"/>
+            </a:br>
             <a:br>
               <a:rPr lang="en-GB" sz="5400" b="1" dirty="0"/>
             </a:br>
             <a:r>
               <a:rPr lang="en-GB" sz="3600" b="1" dirty="0"/>
               <a:t>Raphael Fehr </a:t>
+            </a:r>
+            <a:br>
+              <a:rPr lang="en-GB" sz="3600" b="1" dirty="0"/>
+            </a:br>
+            <a:r>
+              <a:rPr lang="en-GB" sz="1200" b="1" dirty="0"/>
+              <a:t>Key Account Manager</a:t>
             </a:r>
             <a:endParaRPr lang="en-GB" sz="5400" b="1" dirty="0"/>
           </a:p>
@@ -5262,7 +6020,7 @@
 </p:sld>
 </file>
 
-<file path=ppt/slides/slide2.xml><?xml version="1.0" encoding="utf-8"?>
+<file path=ppt/slides/slide10.xml><?xml version="1.0" encoding="utf-8"?>
 <p:sld xmlns:a="http://schemas.openxmlformats.org/drawingml/2006/main" xmlns:r="http://schemas.openxmlformats.org/officeDocument/2006/relationships" xmlns:p="http://schemas.openxmlformats.org/presentationml/2006/main">
   <p:cSld>
     <p:spTree>
@@ -6041,10 +6799,10 @@
       </p:sp>
       <p:sp>
         <p:nvSpPr>
-          <p:cNvPr id="4" name="Titel 3">
-            <a:extLst>
-              <a:ext uri="{FF2B5EF4-FFF2-40B4-BE49-F238E27FC236}">
-                <a16:creationId xmlns:a16="http://schemas.microsoft.com/office/drawing/2014/main" id="{C947AEE6-66BC-4FD1-BF26-857AB65DF3C2}"/>
+          <p:cNvPr id="3" name="Inhaltsplatzhalter 2">
+            <a:extLst>
+              <a:ext uri="{FF2B5EF4-FFF2-40B4-BE49-F238E27FC236}">
+                <a16:creationId xmlns:a16="http://schemas.microsoft.com/office/drawing/2014/main" id="{65E6BCB1-1E14-450D-B35B-E946083BD413}"/>
               </a:ext>
             </a:extLst>
           </p:cNvPr>
@@ -6052,6 +6810,31 @@
             <a:spLocks noGrp="1"/>
           </p:cNvSpPr>
           <p:nvPr>
+            <p:ph idx="1"/>
+          </p:nvPr>
+        </p:nvSpPr>
+        <p:spPr/>
+        <p:txBody>
+          <a:bodyPr/>
+          <a:lstStyle/>
+          <a:p>
+            <a:endParaRPr lang="de-CH"/>
+          </a:p>
+        </p:txBody>
+      </p:sp>
+      <p:sp>
+        <p:nvSpPr>
+          <p:cNvPr id="5" name="Titel 4">
+            <a:extLst>
+              <a:ext uri="{FF2B5EF4-FFF2-40B4-BE49-F238E27FC236}">
+                <a16:creationId xmlns:a16="http://schemas.microsoft.com/office/drawing/2014/main" id="{A14BC192-7767-4E13-8162-B132068E090B}"/>
+              </a:ext>
+            </a:extLst>
+          </p:cNvPr>
+          <p:cNvSpPr>
+            <a:spLocks noGrp="1"/>
+          </p:cNvSpPr>
+          <p:nvPr>
             <p:ph type="title"/>
           </p:nvPr>
         </p:nvSpPr>
@@ -6060,66 +6843,14 @@
           <a:bodyPr/>
           <a:lstStyle/>
           <a:p>
-            <a:pPr algn="ctr"/>
-            <a:r>
-              <a:rPr lang="de-CH" dirty="0"/>
-              <a:t>Wer sind wir?</a:t>
-            </a:r>
-          </a:p>
-        </p:txBody>
-      </p:sp>
-      <p:sp>
-        <p:nvSpPr>
-          <p:cNvPr id="13" name="Inhaltsplatzhalter 2">
-            <a:extLst>
-              <a:ext uri="{FF2B5EF4-FFF2-40B4-BE49-F238E27FC236}">
-                <a16:creationId xmlns:a16="http://schemas.microsoft.com/office/drawing/2014/main" id="{D4ABAD41-35DD-4E80-992A-96613192FEC8}"/>
-              </a:ext>
-            </a:extLst>
-          </p:cNvPr>
-          <p:cNvSpPr>
-            <a:spLocks noGrp="1"/>
-          </p:cNvSpPr>
-          <p:nvPr>
-            <p:ph idx="1"/>
-          </p:nvPr>
-        </p:nvSpPr>
-        <p:spPr>
-          <a:xfrm>
-            <a:off x="843288" y="1825625"/>
-            <a:ext cx="10515600" cy="4351338"/>
-          </a:xfrm>
-        </p:spPr>
-        <p:txBody>
-          <a:bodyPr/>
-          <a:lstStyle/>
-          <a:p>
-            <a:r>
-              <a:rPr lang="de-CH" dirty="0"/>
-              <a:t>Puzzle PSE Team </a:t>
-            </a:r>
-          </a:p>
-          <a:p>
-            <a:r>
-              <a:rPr lang="de-CH" dirty="0"/>
-              <a:t>Dario, Renato, Julien, Ramona, Raphael</a:t>
-            </a:r>
-          </a:p>
-          <a:p>
-            <a:r>
-              <a:rPr lang="de-CH" dirty="0"/>
-              <a:t>Betreuender Assistent Dominik Fischli</a:t>
-            </a:r>
-          </a:p>
-          <a:p>
-            <a:endParaRPr lang="de-CH" dirty="0"/>
+            <a:endParaRPr lang="de-CH"/>
           </a:p>
         </p:txBody>
       </p:sp>
     </p:spTree>
     <p:extLst>
       <p:ext uri="{BB962C8B-B14F-4D97-AF65-F5344CB8AC3E}">
-        <p14:creationId xmlns:p14="http://schemas.microsoft.com/office/powerpoint/2010/main" val="3564326016"/>
+        <p14:creationId xmlns:p14="http://schemas.microsoft.com/office/powerpoint/2010/main" val="727640142"/>
       </p:ext>
     </p:extLst>
   </p:cSld>
@@ -6129,7 +6860,7 @@
 </p:sld>
 </file>
 
-<file path=ppt/slides/slide3.xml><?xml version="1.0" encoding="utf-8"?>
+<file path=ppt/slides/slide2.xml><?xml version="1.0" encoding="utf-8"?>
 <p:sld xmlns:a="http://schemas.openxmlformats.org/drawingml/2006/main" xmlns:r="http://schemas.openxmlformats.org/officeDocument/2006/relationships" xmlns:p="http://schemas.openxmlformats.org/presentationml/2006/main">
   <p:cSld>
     <p:spTree>
@@ -6908,10 +7639,39 @@
       </p:sp>
       <p:sp>
         <p:nvSpPr>
+          <p:cNvPr id="4" name="Titel 3">
+            <a:extLst>
+              <a:ext uri="{FF2B5EF4-FFF2-40B4-BE49-F238E27FC236}">
+                <a16:creationId xmlns:a16="http://schemas.microsoft.com/office/drawing/2014/main" id="{C947AEE6-66BC-4FD1-BF26-857AB65DF3C2}"/>
+              </a:ext>
+            </a:extLst>
+          </p:cNvPr>
+          <p:cNvSpPr>
+            <a:spLocks noGrp="1"/>
+          </p:cNvSpPr>
+          <p:nvPr>
+            <p:ph type="title"/>
+          </p:nvPr>
+        </p:nvSpPr>
+        <p:spPr/>
+        <p:txBody>
+          <a:bodyPr/>
+          <a:lstStyle/>
+          <a:p>
+            <a:pPr algn="ctr"/>
+            <a:r>
+              <a:rPr lang="de-CH" dirty="0"/>
+              <a:t>Wer sind wir?</a:t>
+            </a:r>
+          </a:p>
+        </p:txBody>
+      </p:sp>
+      <p:sp>
+        <p:nvSpPr>
           <p:cNvPr id="13" name="Inhaltsplatzhalter 2">
             <a:extLst>
               <a:ext uri="{FF2B5EF4-FFF2-40B4-BE49-F238E27FC236}">
-                <a16:creationId xmlns:a16="http://schemas.microsoft.com/office/drawing/2014/main" id="{9C0892CD-A726-4CA4-9FCB-722BBE5EA423}"/>
+                <a16:creationId xmlns:a16="http://schemas.microsoft.com/office/drawing/2014/main" id="{D4ABAD41-35DD-4E80-992A-96613192FEC8}"/>
               </a:ext>
             </a:extLst>
           </p:cNvPr>
@@ -6924,7 +7684,7 @@
         </p:nvSpPr>
         <p:spPr>
           <a:xfrm>
-            <a:off x="838200" y="1825625"/>
+            <a:off x="843288" y="1825625"/>
             <a:ext cx="10515600" cy="4351338"/>
           </a:xfrm>
         </p:spPr>
@@ -6934,68 +7694,30 @@
           <a:p>
             <a:r>
               <a:rPr lang="de-CH" dirty="0"/>
-              <a:t>Pro </a:t>
+              <a:t>Puzzle PSE Team </a:t>
             </a:r>
-          </a:p>
-          <a:p>
-            <a:endParaRPr lang="de-CH" dirty="0"/>
-          </a:p>
-          <a:p>
-            <a:endParaRPr lang="de-CH" dirty="0"/>
-          </a:p>
-          <a:p>
-            <a:endParaRPr lang="de-CH" dirty="0"/>
           </a:p>
           <a:p>
             <a:r>
               <a:rPr lang="de-CH" dirty="0"/>
-              <a:t>Contras</a:t>
+              <a:t>Dario, Renato, Julien, Ramona, Raphael</a:t>
             </a:r>
           </a:p>
-        </p:txBody>
-      </p:sp>
-      <p:sp>
-        <p:nvSpPr>
-          <p:cNvPr id="15" name="Titel 1">
-            <a:extLst>
-              <a:ext uri="{FF2B5EF4-FFF2-40B4-BE49-F238E27FC236}">
-                <a16:creationId xmlns:a16="http://schemas.microsoft.com/office/drawing/2014/main" id="{002BCB14-B335-421B-9F5E-0457937D6ED6}"/>
-              </a:ext>
-            </a:extLst>
-          </p:cNvPr>
-          <p:cNvSpPr>
-            <a:spLocks noGrp="1"/>
-          </p:cNvSpPr>
-          <p:nvPr>
-            <p:ph type="title"/>
-          </p:nvPr>
-        </p:nvSpPr>
-        <p:spPr>
-          <a:xfrm>
-            <a:off x="838200" y="365125"/>
-            <a:ext cx="10515600" cy="1325563"/>
-          </a:xfrm>
-        </p:spPr>
-        <p:txBody>
-          <a:bodyPr/>
-          <a:lstStyle/>
-          <a:p>
-            <a:pPr algn="ctr"/>
-            <a:r>
-              <a:rPr lang="de-CH" dirty="0" err="1"/>
-              <a:t>Cryptopus</a:t>
-            </a:r>
+          <a:p>
             <a:r>
               <a:rPr lang="de-CH" dirty="0"/>
-              <a:t> === Passwort Manager </a:t>
+              <a:t>Betreuender Assistent Dominik Fischli</a:t>
             </a:r>
+          </a:p>
+          <a:p>
+            <a:endParaRPr lang="de-CH" dirty="0"/>
           </a:p>
         </p:txBody>
       </p:sp>
     </p:spTree>
     <p:extLst>
       <p:ext uri="{BB962C8B-B14F-4D97-AF65-F5344CB8AC3E}">
-        <p14:creationId xmlns:p14="http://schemas.microsoft.com/office/powerpoint/2010/main" val="2049871794"/>
+        <p14:creationId xmlns:p14="http://schemas.microsoft.com/office/powerpoint/2010/main" val="3564326016"/>
       </p:ext>
     </p:extLst>
   </p:cSld>
@@ -7005,7 +7727,7 @@
 </p:sld>
 </file>
 
-<file path=ppt/slides/slide4.xml><?xml version="1.0" encoding="utf-8"?>
+<file path=ppt/slides/slide3.xml><?xml version="1.0" encoding="utf-8"?>
 <p:sld xmlns:a="http://schemas.openxmlformats.org/drawingml/2006/main" xmlns:r="http://schemas.openxmlformats.org/officeDocument/2006/relationships" xmlns:p="http://schemas.openxmlformats.org/presentationml/2006/main">
   <p:cSld>
     <p:spTree>
@@ -7784,10 +8506,49 @@
       </p:sp>
       <p:sp>
         <p:nvSpPr>
+          <p:cNvPr id="13" name="Inhaltsplatzhalter 2">
+            <a:extLst>
+              <a:ext uri="{FF2B5EF4-FFF2-40B4-BE49-F238E27FC236}">
+                <a16:creationId xmlns:a16="http://schemas.microsoft.com/office/drawing/2014/main" id="{D4ABAD41-35DD-4E80-992A-96613192FEC8}"/>
+              </a:ext>
+            </a:extLst>
+          </p:cNvPr>
+          <p:cNvSpPr>
+            <a:spLocks noGrp="1"/>
+          </p:cNvSpPr>
+          <p:nvPr>
+            <p:ph idx="1"/>
+          </p:nvPr>
+        </p:nvSpPr>
+        <p:spPr>
+          <a:xfrm>
+            <a:off x="843288" y="1825625"/>
+            <a:ext cx="10515600" cy="4351338"/>
+          </a:xfrm>
+        </p:spPr>
+        <p:txBody>
+          <a:bodyPr/>
+          <a:lstStyle/>
+          <a:p>
+            <a:r>
+              <a:rPr lang="de-CH" dirty="0"/>
+              <a:t>Wer weiss was ein PM ist?</a:t>
+            </a:r>
+          </a:p>
+          <a:p>
+            <a:r>
+              <a:rPr lang="de-CH" dirty="0"/>
+              <a:t>Wer braucht es? </a:t>
+            </a:r>
+          </a:p>
+        </p:txBody>
+      </p:sp>
+      <p:sp>
+        <p:nvSpPr>
           <p:cNvPr id="11" name="Titel 1">
             <a:extLst>
               <a:ext uri="{FF2B5EF4-FFF2-40B4-BE49-F238E27FC236}">
-                <a16:creationId xmlns:a16="http://schemas.microsoft.com/office/drawing/2014/main" id="{BE866236-1B82-4FC9-A13D-37764F16A6AD}"/>
+                <a16:creationId xmlns:a16="http://schemas.microsoft.com/office/drawing/2014/main" id="{1AF7E51D-3991-4CD0-B2B5-1DB17573C560}"/>
               </a:ext>
             </a:extLst>
           </p:cNvPr>
@@ -7808,68 +8569,14 @@
           <a:bodyPr/>
           <a:lstStyle/>
           <a:p>
-            <a:r>
-              <a:rPr lang="de-CH" dirty="0"/>
-              <a:t>Wieso brauch Puzzle einen eigenen? </a:t>
-            </a:r>
-          </a:p>
-        </p:txBody>
-      </p:sp>
-      <p:sp>
-        <p:nvSpPr>
-          <p:cNvPr id="13" name="Inhaltsplatzhalter 2">
-            <a:extLst>
-              <a:ext uri="{FF2B5EF4-FFF2-40B4-BE49-F238E27FC236}">
-                <a16:creationId xmlns:a16="http://schemas.microsoft.com/office/drawing/2014/main" id="{1ED00258-D929-4C7B-B333-8DA79611417B}"/>
-              </a:ext>
-            </a:extLst>
-          </p:cNvPr>
-          <p:cNvSpPr>
-            <a:spLocks noGrp="1"/>
-          </p:cNvSpPr>
-          <p:nvPr>
-            <p:ph idx="1"/>
-          </p:nvPr>
-        </p:nvSpPr>
-        <p:spPr>
-          <a:xfrm>
-            <a:off x="838200" y="1825625"/>
-            <a:ext cx="10515600" cy="4351338"/>
-          </a:xfrm>
-        </p:spPr>
-        <p:txBody>
-          <a:bodyPr/>
-          <a:lstStyle/>
-          <a:p>
-            <a:r>
-              <a:rPr lang="de-CH" dirty="0"/>
-              <a:t>Vorteile von </a:t>
-            </a:r>
+            <a:pPr algn="ctr"/>
             <a:r>
               <a:rPr lang="de-CH" dirty="0" err="1"/>
               <a:t>Cryptopus</a:t>
             </a:r>
             <a:r>
               <a:rPr lang="de-CH" dirty="0"/>
-              <a:t>:</a:t>
-            </a:r>
-          </a:p>
-          <a:p>
-            <a:pPr lvl="1"/>
-            <a:r>
-              <a:rPr lang="de-CH" dirty="0" err="1"/>
-              <a:t>Opensource</a:t>
-            </a:r>
-            <a:r>
-              <a:rPr lang="de-CH" dirty="0"/>
-              <a:t> </a:t>
-            </a:r>
-          </a:p>
-          <a:p>
-            <a:pPr lvl="1"/>
-            <a:r>
-              <a:rPr lang="de-CH" dirty="0"/>
-              <a:t>Möglich Teams zu erstellen und mit anderen zu Teilen</a:t>
+              <a:t> == Passwort Manager </a:t>
             </a:r>
           </a:p>
         </p:txBody>
@@ -7877,17 +8584,148 @@
     </p:spTree>
     <p:extLst>
       <p:ext uri="{BB962C8B-B14F-4D97-AF65-F5344CB8AC3E}">
-        <p14:creationId xmlns:p14="http://schemas.microsoft.com/office/powerpoint/2010/main" val="2459029829"/>
+        <p14:creationId xmlns:p14="http://schemas.microsoft.com/office/powerpoint/2010/main" val="2333948906"/>
       </p:ext>
     </p:extLst>
   </p:cSld>
   <p:clrMapOvr>
     <a:masterClrMapping/>
   </p:clrMapOvr>
+  <p:timing>
+    <p:tnLst>
+      <p:par>
+        <p:cTn id="1" dur="indefinite" restart="never" nodeType="tmRoot">
+          <p:childTnLst>
+            <p:seq concurrent="1" nextAc="seek">
+              <p:cTn id="2" dur="indefinite" nodeType="mainSeq">
+                <p:childTnLst>
+                  <p:par>
+                    <p:cTn id="3" fill="hold">
+                      <p:stCondLst>
+                        <p:cond delay="indefinite"/>
+                      </p:stCondLst>
+                      <p:childTnLst>
+                        <p:par>
+                          <p:cTn id="4" fill="hold">
+                            <p:stCondLst>
+                              <p:cond delay="0"/>
+                            </p:stCondLst>
+                            <p:childTnLst>
+                              <p:par>
+                                <p:cTn id="5" presetID="1" presetClass="entr" presetSubtype="0" fill="hold" grpId="0" nodeType="clickEffect">
+                                  <p:stCondLst>
+                                    <p:cond delay="0"/>
+                                  </p:stCondLst>
+                                  <p:childTnLst>
+                                    <p:set>
+                                      <p:cBhvr>
+                                        <p:cTn id="6" dur="1" fill="hold">
+                                          <p:stCondLst>
+                                            <p:cond delay="0"/>
+                                          </p:stCondLst>
+                                        </p:cTn>
+                                        <p:tgtEl>
+                                          <p:spTgt spid="13">
+                                            <p:txEl>
+                                              <p:pRg st="0" end="0"/>
+                                            </p:txEl>
+                                          </p:spTgt>
+                                        </p:tgtEl>
+                                        <p:attrNameLst>
+                                          <p:attrName>style.visibility</p:attrName>
+                                        </p:attrNameLst>
+                                      </p:cBhvr>
+                                      <p:to>
+                                        <p:strVal val="visible"/>
+                                      </p:to>
+                                    </p:set>
+                                  </p:childTnLst>
+                                </p:cTn>
+                              </p:par>
+                            </p:childTnLst>
+                          </p:cTn>
+                        </p:par>
+                      </p:childTnLst>
+                    </p:cTn>
+                  </p:par>
+                  <p:par>
+                    <p:cTn id="7" fill="hold">
+                      <p:stCondLst>
+                        <p:cond delay="indefinite"/>
+                      </p:stCondLst>
+                      <p:childTnLst>
+                        <p:par>
+                          <p:cTn id="8" fill="hold">
+                            <p:stCondLst>
+                              <p:cond delay="0"/>
+                            </p:stCondLst>
+                            <p:childTnLst>
+                              <p:par>
+                                <p:cTn id="9" presetID="1" presetClass="entr" presetSubtype="0" fill="hold" grpId="0" nodeType="clickEffect">
+                                  <p:stCondLst>
+                                    <p:cond delay="0"/>
+                                  </p:stCondLst>
+                                  <p:childTnLst>
+                                    <p:set>
+                                      <p:cBhvr>
+                                        <p:cTn id="10" dur="1" fill="hold">
+                                          <p:stCondLst>
+                                            <p:cond delay="0"/>
+                                          </p:stCondLst>
+                                        </p:cTn>
+                                        <p:tgtEl>
+                                          <p:spTgt spid="13">
+                                            <p:txEl>
+                                              <p:pRg st="1" end="1"/>
+                                            </p:txEl>
+                                          </p:spTgt>
+                                        </p:tgtEl>
+                                        <p:attrNameLst>
+                                          <p:attrName>style.visibility</p:attrName>
+                                        </p:attrNameLst>
+                                      </p:cBhvr>
+                                      <p:to>
+                                        <p:strVal val="visible"/>
+                                      </p:to>
+                                    </p:set>
+                                  </p:childTnLst>
+                                </p:cTn>
+                              </p:par>
+                            </p:childTnLst>
+                          </p:cTn>
+                        </p:par>
+                      </p:childTnLst>
+                    </p:cTn>
+                  </p:par>
+                </p:childTnLst>
+              </p:cTn>
+              <p:prevCondLst>
+                <p:cond evt="onPrev" delay="0">
+                  <p:tgtEl>
+                    <p:sldTgt/>
+                  </p:tgtEl>
+                </p:cond>
+              </p:prevCondLst>
+              <p:nextCondLst>
+                <p:cond evt="onNext" delay="0">
+                  <p:tgtEl>
+                    <p:sldTgt/>
+                  </p:tgtEl>
+                </p:cond>
+              </p:nextCondLst>
+            </p:seq>
+          </p:childTnLst>
+        </p:cTn>
+      </p:par>
+    </p:tnLst>
+    <p:bldLst>
+      <p:bldP spid="13" grpId="0" build="p"/>
+    </p:bldLst>
+  </p:timing>
 </p:sld>
 </file>
 
-<file path=ppt/slides/slide5.xml><?xml version="1.0" encoding="utf-8"?>
+<file path=ppt/slides/slide4.xml><?xml version="1.0" encoding="utf-8"?>
 <p:sld xmlns:a="http://schemas.openxmlformats.org/drawingml/2006/main" xmlns:r="http://schemas.openxmlformats.org/officeDocument/2006/relationships" xmlns:p="http://schemas.openxmlformats.org/presentationml/2006/main">
   <p:cSld>
     <p:spTree>
@@ -8666,10 +9504,10 @@
       </p:sp>
       <p:sp>
         <p:nvSpPr>
-          <p:cNvPr id="11" name="Inhaltsplatzhalter 2">
-            <a:extLst>
-              <a:ext uri="{FF2B5EF4-FFF2-40B4-BE49-F238E27FC236}">
-                <a16:creationId xmlns:a16="http://schemas.microsoft.com/office/drawing/2014/main" id="{70FC9368-72F9-438F-A51C-C909C056EF8D}"/>
+          <p:cNvPr id="13" name="Inhaltsplatzhalter 2">
+            <a:extLst>
+              <a:ext uri="{FF2B5EF4-FFF2-40B4-BE49-F238E27FC236}">
+                <a16:creationId xmlns:a16="http://schemas.microsoft.com/office/drawing/2014/main" id="{9C0892CD-A726-4CA4-9FCB-722BBE5EA423}"/>
               </a:ext>
             </a:extLst>
           </p:cNvPr>
@@ -8692,27 +9530,24 @@
           <a:p>
             <a:r>
               <a:rPr lang="de-CH" dirty="0"/>
-              <a:t>Login</a:t>
+              <a:t>Pro </a:t>
             </a:r>
+          </a:p>
+          <a:p>
+            <a:endParaRPr lang="de-CH" dirty="0"/>
+          </a:p>
+          <a:p>
+            <a:endParaRPr lang="de-CH" dirty="0"/>
+          </a:p>
+          <a:p>
+            <a:endParaRPr lang="de-CH" dirty="0"/>
           </a:p>
           <a:p>
             <a:r>
               <a:rPr lang="de-CH" dirty="0"/>
-              <a:t>Teams </a:t>
+              <a:t>Contras</a:t>
             </a:r>
           </a:p>
-          <a:p>
-            <a:r>
-              <a:rPr lang="de-CH" dirty="0"/>
-              <a:t>Passwort Stärke</a:t>
-            </a:r>
-          </a:p>
-          <a:p>
-            <a:r>
-              <a:rPr lang="de-CH" dirty="0"/>
-              <a:t>Sortieren von den Usern </a:t>
-            </a:r>
-          </a:p>
         </p:txBody>
       </p:sp>
       <p:sp>
@@ -8720,7 +9555,7 @@
           <p:cNvPr id="15" name="Titel 1">
             <a:extLst>
               <a:ext uri="{FF2B5EF4-FFF2-40B4-BE49-F238E27FC236}">
-                <a16:creationId xmlns:a16="http://schemas.microsoft.com/office/drawing/2014/main" id="{FF89AD9F-E6B1-4182-8E88-8C7600983687}"/>
+                <a16:creationId xmlns:a16="http://schemas.microsoft.com/office/drawing/2014/main" id="{002BCB14-B335-421B-9F5E-0457937D6ED6}"/>
               </a:ext>
             </a:extLst>
           </p:cNvPr>
@@ -8743,6 +9578,2662 @@
           <a:p>
             <a:pPr algn="ctr"/>
             <a:r>
+              <a:rPr lang="de-CH" dirty="0" err="1"/>
+              <a:t>Cryptopus</a:t>
+            </a:r>
+            <a:r>
+              <a:rPr lang="de-CH" dirty="0"/>
+              <a:t> == Passwort Manager </a:t>
+            </a:r>
+          </a:p>
+        </p:txBody>
+      </p:sp>
+    </p:spTree>
+    <p:extLst>
+      <p:ext uri="{BB962C8B-B14F-4D97-AF65-F5344CB8AC3E}">
+        <p14:creationId xmlns:p14="http://schemas.microsoft.com/office/powerpoint/2010/main" val="2049871794"/>
+      </p:ext>
+    </p:extLst>
+  </p:cSld>
+  <p:clrMapOvr>
+    <a:masterClrMapping/>
+  </p:clrMapOvr>
+</p:sld>
+</file>
+
+<file path=ppt/slides/slide5.xml><?xml version="1.0" encoding="utf-8"?>
+<p:sld xmlns:a="http://schemas.openxmlformats.org/drawingml/2006/main" xmlns:r="http://schemas.openxmlformats.org/officeDocument/2006/relationships" xmlns:p="http://schemas.openxmlformats.org/presentationml/2006/main">
+  <p:cSld>
+    <p:spTree>
+      <p:nvGrpSpPr>
+        <p:cNvPr id="1" name=""/>
+        <p:cNvGrpSpPr/>
+        <p:nvPr/>
+      </p:nvGrpSpPr>
+      <p:grpSpPr>
+        <a:xfrm>
+          <a:off x="0" y="0"/>
+          <a:ext cx="0" cy="0"/>
+          <a:chOff x="0" y="0"/>
+          <a:chExt cx="0" cy="0"/>
+        </a:xfrm>
+      </p:grpSpPr>
+      <p:sp>
+        <p:nvSpPr>
+          <p:cNvPr id="8" name="Rectangle 7">
+            <a:extLst>
+              <a:ext uri="{FF2B5EF4-FFF2-40B4-BE49-F238E27FC236}">
+                <a16:creationId xmlns:a16="http://schemas.microsoft.com/office/drawing/2014/main" id="{46D6306C-ED4F-4AAE-B4A5-EEA6AFAD726E}"/>
+              </a:ext>
+              <a:ext uri="{C183D7F6-B498-43B3-948B-1728B52AA6E4}">
+                <adec:decorative xmlns:adec="http://schemas.microsoft.com/office/drawing/2017/decorative" val="1"/>
+              </a:ext>
+            </a:extLst>
+          </p:cNvPr>
+          <p:cNvSpPr>
+            <a:spLocks noGrp="1" noRot="1" noChangeAspect="1" noMove="1" noResize="1" noEditPoints="1" noAdjustHandles="1" noChangeArrowheads="1" noChangeShapeType="1" noTextEdit="1"/>
+          </p:cNvSpPr>
+          <p:nvPr>
+            <p:extLst>
+              <p:ext uri="{386F3935-93C4-4BCD-93E2-E3B085C9AB24}">
+                <p16:designElem xmlns:p16="http://schemas.microsoft.com/office/powerpoint/2015/main" val="1"/>
+              </p:ext>
+            </p:extLst>
+          </p:nvPr>
+        </p:nvSpPr>
+        <p:spPr>
+          <a:xfrm>
+            <a:off x="0" y="0"/>
+            <a:ext cx="12192000" cy="6858000"/>
+          </a:xfrm>
+          <a:prstGeom prst="rect">
+            <a:avLst/>
+          </a:prstGeom>
+          <a:solidFill>
+            <a:schemeClr val="bg1"/>
+          </a:solidFill>
+          <a:ln>
+            <a:noFill/>
+          </a:ln>
+        </p:spPr>
+        <p:style>
+          <a:lnRef idx="2">
+            <a:schemeClr val="accent1">
+              <a:shade val="50000"/>
+            </a:schemeClr>
+          </a:lnRef>
+          <a:fillRef idx="1">
+            <a:schemeClr val="accent1"/>
+          </a:fillRef>
+          <a:effectRef idx="0">
+            <a:schemeClr val="accent1"/>
+          </a:effectRef>
+          <a:fontRef idx="minor">
+            <a:schemeClr val="lt1"/>
+          </a:fontRef>
+        </p:style>
+        <p:txBody>
+          <a:bodyPr rtlCol="0" anchor="ctr"/>
+          <a:lstStyle/>
+          <a:p>
+            <a:pPr marL="0" marR="0" lvl="0" indent="0" algn="ctr" defTabSz="914400" rtl="0" eaLnBrk="1" fontAlgn="auto" latinLnBrk="0" hangingPunct="1">
+              <a:lnSpc>
+                <a:spcPct val="100000"/>
+              </a:lnSpc>
+              <a:spcBef>
+                <a:spcPts val="0"/>
+              </a:spcBef>
+              <a:spcAft>
+                <a:spcPts val="0"/>
+              </a:spcAft>
+              <a:buClrTx/>
+              <a:buSzTx/>
+              <a:buFontTx/>
+              <a:buNone/>
+              <a:tabLst/>
+              <a:defRPr/>
+            </a:pPr>
+            <a:endParaRPr kumimoji="0" lang="en-US" sz="1800" b="0" i="0" u="none" strike="noStrike" kern="1200" cap="none" spc="0" normalizeH="0" baseline="0" noProof="0" dirty="0">
+              <a:ln>
+                <a:noFill/>
+              </a:ln>
+              <a:solidFill>
+                <a:prstClr val="white"/>
+              </a:solidFill>
+              <a:effectLst/>
+              <a:uLnTx/>
+              <a:uFillTx/>
+              <a:latin typeface="Calibri" panose="020F0502020204030204"/>
+              <a:ea typeface="+mn-ea"/>
+              <a:cs typeface="+mn-cs"/>
+            </a:endParaRPr>
+          </a:p>
+        </p:txBody>
+      </p:sp>
+      <p:sp>
+        <p:nvSpPr>
+          <p:cNvPr id="10" name="Rectangle 9">
+            <a:extLst>
+              <a:ext uri="{FF2B5EF4-FFF2-40B4-BE49-F238E27FC236}">
+                <a16:creationId xmlns:a16="http://schemas.microsoft.com/office/drawing/2014/main" id="{0EC5361D-F897-4856-B945-0455A365EB24}"/>
+              </a:ext>
+              <a:ext uri="{C183D7F6-B498-43B3-948B-1728B52AA6E4}">
+                <adec:decorative xmlns:adec="http://schemas.microsoft.com/office/drawing/2017/decorative" val="1"/>
+              </a:ext>
+            </a:extLst>
+          </p:cNvPr>
+          <p:cNvSpPr>
+            <a:spLocks noGrp="1" noRot="1" noChangeAspect="1" noMove="1" noResize="1" noEditPoints="1" noAdjustHandles="1" noChangeArrowheads="1" noChangeShapeType="1" noTextEdit="1"/>
+          </p:cNvSpPr>
+          <p:nvPr>
+            <p:extLst>
+              <p:ext uri="{386F3935-93C4-4BCD-93E2-E3B085C9AB24}">
+                <p16:designElem xmlns:p16="http://schemas.microsoft.com/office/powerpoint/2015/main" val="1"/>
+              </p:ext>
+            </p:extLst>
+          </p:nvPr>
+        </p:nvSpPr>
+        <p:spPr>
+          <a:xfrm rot="2700000">
+            <a:off x="415435" y="655140"/>
+            <a:ext cx="687472" cy="687472"/>
+          </a:xfrm>
+          <a:prstGeom prst="rect">
+            <a:avLst/>
+          </a:prstGeom>
+          <a:solidFill>
+            <a:schemeClr val="accent4">
+              <a:alpha val="30000"/>
+            </a:schemeClr>
+          </a:solidFill>
+          <a:ln>
+            <a:noFill/>
+          </a:ln>
+        </p:spPr>
+        <p:style>
+          <a:lnRef idx="2">
+            <a:schemeClr val="accent1">
+              <a:shade val="50000"/>
+            </a:schemeClr>
+          </a:lnRef>
+          <a:fillRef idx="1">
+            <a:schemeClr val="accent1"/>
+          </a:fillRef>
+          <a:effectRef idx="0">
+            <a:schemeClr val="accent1"/>
+          </a:effectRef>
+          <a:fontRef idx="minor">
+            <a:schemeClr val="lt1"/>
+          </a:fontRef>
+        </p:style>
+        <p:txBody>
+          <a:bodyPr rtlCol="0" anchor="ctr"/>
+          <a:lstStyle/>
+          <a:p>
+            <a:pPr marL="0" marR="0" lvl="0" indent="0" algn="ctr" defTabSz="914400" rtl="0" eaLnBrk="1" fontAlgn="auto" latinLnBrk="0" hangingPunct="1">
+              <a:lnSpc>
+                <a:spcPct val="100000"/>
+              </a:lnSpc>
+              <a:spcBef>
+                <a:spcPts val="0"/>
+              </a:spcBef>
+              <a:spcAft>
+                <a:spcPts val="0"/>
+              </a:spcAft>
+              <a:buClrTx/>
+              <a:buSzTx/>
+              <a:buFontTx/>
+              <a:buNone/>
+              <a:tabLst/>
+              <a:defRPr/>
+            </a:pPr>
+            <a:endParaRPr kumimoji="0" lang="en-US" sz="1800" b="0" i="0" u="none" strike="noStrike" kern="1200" cap="none" spc="0" normalizeH="0" baseline="0" noProof="0" dirty="0">
+              <a:ln>
+                <a:noFill/>
+              </a:ln>
+              <a:solidFill>
+                <a:prstClr val="white"/>
+              </a:solidFill>
+              <a:effectLst/>
+              <a:uLnTx/>
+              <a:uFillTx/>
+              <a:latin typeface="Calibri" panose="020F0502020204030204"/>
+              <a:ea typeface="+mn-ea"/>
+              <a:cs typeface="+mn-cs"/>
+            </a:endParaRPr>
+          </a:p>
+        </p:txBody>
+      </p:sp>
+      <p:sp>
+        <p:nvSpPr>
+          <p:cNvPr id="12" name="Freeform: Shape 11">
+            <a:extLst>
+              <a:ext uri="{FF2B5EF4-FFF2-40B4-BE49-F238E27FC236}">
+                <a16:creationId xmlns:a16="http://schemas.microsoft.com/office/drawing/2014/main" id="{4508C0C5-2268-42B5-B3C8-4D0899E05F8C}"/>
+              </a:ext>
+              <a:ext uri="{C183D7F6-B498-43B3-948B-1728B52AA6E4}">
+                <adec:decorative xmlns:adec="http://schemas.microsoft.com/office/drawing/2017/decorative" val="1"/>
+              </a:ext>
+            </a:extLst>
+          </p:cNvPr>
+          <p:cNvSpPr>
+            <a:spLocks noGrp="1" noRot="1" noChangeAspect="1" noMove="1" noResize="1" noEditPoints="1" noAdjustHandles="1" noChangeArrowheads="1" noChangeShapeType="1" noTextEdit="1"/>
+          </p:cNvSpPr>
+          <p:nvPr>
+            <p:extLst>
+              <p:ext uri="{386F3935-93C4-4BCD-93E2-E3B085C9AB24}">
+                <p16:designElem xmlns:p16="http://schemas.microsoft.com/office/powerpoint/2015/main" val="1"/>
+              </p:ext>
+            </p:extLst>
+          </p:nvPr>
+        </p:nvSpPr>
+        <p:spPr>
+          <a:xfrm rot="10800000">
+            <a:off x="0" y="0"/>
+            <a:ext cx="2835357" cy="1480837"/>
+          </a:xfrm>
+          <a:custGeom>
+            <a:avLst/>
+            <a:gdLst>
+              <a:gd name="connsiteX0" fmla="*/ 2835357 w 2835357"/>
+              <a:gd name="connsiteY0" fmla="*/ 1480837 h 1480837"/>
+              <a:gd name="connsiteX1" fmla="*/ 0 w 2835357"/>
+              <a:gd name="connsiteY1" fmla="*/ 1480837 h 1480837"/>
+              <a:gd name="connsiteX2" fmla="*/ 1552727 w 2835357"/>
+              <a:gd name="connsiteY2" fmla="*/ 0 h 1480837"/>
+              <a:gd name="connsiteX3" fmla="*/ 2835357 w 2835357"/>
+              <a:gd name="connsiteY3" fmla="*/ 1223245 h 1480837"/>
+            </a:gdLst>
+            <a:ahLst/>
+            <a:cxnLst>
+              <a:cxn ang="0">
+                <a:pos x="connsiteX0" y="connsiteY0"/>
+              </a:cxn>
+              <a:cxn ang="0">
+                <a:pos x="connsiteX1" y="connsiteY1"/>
+              </a:cxn>
+              <a:cxn ang="0">
+                <a:pos x="connsiteX2" y="connsiteY2"/>
+              </a:cxn>
+              <a:cxn ang="0">
+                <a:pos x="connsiteX3" y="connsiteY3"/>
+              </a:cxn>
+            </a:cxnLst>
+            <a:rect l="l" t="t" r="r" b="b"/>
+            <a:pathLst>
+              <a:path w="2835357" h="1480837">
+                <a:moveTo>
+                  <a:pt x="2835357" y="1480837"/>
+                </a:moveTo>
+                <a:lnTo>
+                  <a:pt x="0" y="1480837"/>
+                </a:lnTo>
+                <a:lnTo>
+                  <a:pt x="1552727" y="0"/>
+                </a:lnTo>
+                <a:lnTo>
+                  <a:pt x="2835357" y="1223245"/>
+                </a:lnTo>
+                <a:close/>
+              </a:path>
+            </a:pathLst>
+          </a:custGeom>
+          <a:solidFill>
+            <a:schemeClr val="accent4">
+              <a:alpha val="30000"/>
+            </a:schemeClr>
+          </a:solidFill>
+          <a:ln>
+            <a:noFill/>
+          </a:ln>
+        </p:spPr>
+        <p:style>
+          <a:lnRef idx="2">
+            <a:schemeClr val="accent1">
+              <a:shade val="50000"/>
+            </a:schemeClr>
+          </a:lnRef>
+          <a:fillRef idx="1">
+            <a:schemeClr val="accent1"/>
+          </a:fillRef>
+          <a:effectRef idx="0">
+            <a:schemeClr val="accent1"/>
+          </a:effectRef>
+          <a:fontRef idx="minor">
+            <a:schemeClr val="lt1"/>
+          </a:fontRef>
+        </p:style>
+        <p:txBody>
+          <a:bodyPr wrap="square" rtlCol="0" anchor="ctr">
+            <a:noAutofit/>
+          </a:bodyPr>
+          <a:lstStyle/>
+          <a:p>
+            <a:pPr marL="0" marR="0" lvl="0" indent="0" algn="ctr" defTabSz="914400" rtl="0" eaLnBrk="1" fontAlgn="auto" latinLnBrk="0" hangingPunct="1">
+              <a:lnSpc>
+                <a:spcPct val="100000"/>
+              </a:lnSpc>
+              <a:spcBef>
+                <a:spcPts val="0"/>
+              </a:spcBef>
+              <a:spcAft>
+                <a:spcPts val="0"/>
+              </a:spcAft>
+              <a:buClrTx/>
+              <a:buSzTx/>
+              <a:buFontTx/>
+              <a:buNone/>
+              <a:tabLst/>
+              <a:defRPr/>
+            </a:pPr>
+            <a:endParaRPr kumimoji="0" lang="en-US" sz="1800" b="0" i="0" u="none" strike="noStrike" kern="1200" cap="none" spc="0" normalizeH="0" baseline="0" noProof="0" dirty="0">
+              <a:ln>
+                <a:noFill/>
+              </a:ln>
+              <a:solidFill>
+                <a:prstClr val="white"/>
+              </a:solidFill>
+              <a:effectLst/>
+              <a:uLnTx/>
+              <a:uFillTx/>
+              <a:latin typeface="Calibri" panose="020F0502020204030204"/>
+              <a:ea typeface="+mn-ea"/>
+              <a:cs typeface="+mn-cs"/>
+            </a:endParaRPr>
+          </a:p>
+        </p:txBody>
+      </p:sp>
+      <p:sp>
+        <p:nvSpPr>
+          <p:cNvPr id="14" name="Freeform: Shape 13">
+            <a:extLst>
+              <a:ext uri="{FF2B5EF4-FFF2-40B4-BE49-F238E27FC236}">
+                <a16:creationId xmlns:a16="http://schemas.microsoft.com/office/drawing/2014/main" id="{141ACBDB-38F8-4B34-8183-BD95B4E55A62}"/>
+              </a:ext>
+              <a:ext uri="{C183D7F6-B498-43B3-948B-1728B52AA6E4}">
+                <adec:decorative xmlns:adec="http://schemas.microsoft.com/office/drawing/2017/decorative" val="1"/>
+              </a:ext>
+            </a:extLst>
+          </p:cNvPr>
+          <p:cNvSpPr>
+            <a:spLocks noGrp="1" noRot="1" noChangeAspect="1" noMove="1" noResize="1" noEditPoints="1" noAdjustHandles="1" noChangeArrowheads="1" noChangeShapeType="1" noTextEdit="1"/>
+          </p:cNvSpPr>
+          <p:nvPr>
+            <p:extLst>
+              <p:ext uri="{386F3935-93C4-4BCD-93E2-E3B085C9AB24}">
+                <p16:designElem xmlns:p16="http://schemas.microsoft.com/office/powerpoint/2015/main" val="1"/>
+              </p:ext>
+            </p:extLst>
+          </p:nvPr>
+        </p:nvSpPr>
+        <p:spPr>
+          <a:xfrm rot="2700000">
+            <a:off x="10739327" y="-253670"/>
+            <a:ext cx="1827638" cy="1376989"/>
+          </a:xfrm>
+          <a:custGeom>
+            <a:avLst/>
+            <a:gdLst>
+              <a:gd name="connsiteX0" fmla="*/ 0 w 1827638"/>
+              <a:gd name="connsiteY0" fmla="*/ 987379 h 1376989"/>
+              <a:gd name="connsiteX1" fmla="*/ 987379 w 1827638"/>
+              <a:gd name="connsiteY1" fmla="*/ 0 h 1376989"/>
+              <a:gd name="connsiteX2" fmla="*/ 1827638 w 1827638"/>
+              <a:gd name="connsiteY2" fmla="*/ 840260 h 1376989"/>
+              <a:gd name="connsiteX3" fmla="*/ 1827638 w 1827638"/>
+              <a:gd name="connsiteY3" fmla="*/ 1376989 h 1376989"/>
+              <a:gd name="connsiteX4" fmla="*/ 0 w 1827638"/>
+              <a:gd name="connsiteY4" fmla="*/ 1376989 h 1376989"/>
+            </a:gdLst>
+            <a:ahLst/>
+            <a:cxnLst>
+              <a:cxn ang="0">
+                <a:pos x="connsiteX0" y="connsiteY0"/>
+              </a:cxn>
+              <a:cxn ang="0">
+                <a:pos x="connsiteX1" y="connsiteY1"/>
+              </a:cxn>
+              <a:cxn ang="0">
+                <a:pos x="connsiteX2" y="connsiteY2"/>
+              </a:cxn>
+              <a:cxn ang="0">
+                <a:pos x="connsiteX3" y="connsiteY3"/>
+              </a:cxn>
+              <a:cxn ang="0">
+                <a:pos x="connsiteX4" y="connsiteY4"/>
+              </a:cxn>
+            </a:cxnLst>
+            <a:rect l="l" t="t" r="r" b="b"/>
+            <a:pathLst>
+              <a:path w="1827638" h="1376989">
+                <a:moveTo>
+                  <a:pt x="0" y="987379"/>
+                </a:moveTo>
+                <a:lnTo>
+                  <a:pt x="987379" y="0"/>
+                </a:lnTo>
+                <a:lnTo>
+                  <a:pt x="1827638" y="840260"/>
+                </a:lnTo>
+                <a:lnTo>
+                  <a:pt x="1827638" y="1376989"/>
+                </a:lnTo>
+                <a:lnTo>
+                  <a:pt x="0" y="1376989"/>
+                </a:lnTo>
+                <a:close/>
+              </a:path>
+            </a:pathLst>
+          </a:custGeom>
+          <a:solidFill>
+            <a:schemeClr val="accent1">
+              <a:alpha val="30000"/>
+            </a:schemeClr>
+          </a:solidFill>
+          <a:ln>
+            <a:noFill/>
+          </a:ln>
+        </p:spPr>
+        <p:style>
+          <a:lnRef idx="2">
+            <a:schemeClr val="accent1">
+              <a:shade val="50000"/>
+            </a:schemeClr>
+          </a:lnRef>
+          <a:fillRef idx="1">
+            <a:schemeClr val="accent1"/>
+          </a:fillRef>
+          <a:effectRef idx="0">
+            <a:schemeClr val="accent1"/>
+          </a:effectRef>
+          <a:fontRef idx="minor">
+            <a:schemeClr val="lt1"/>
+          </a:fontRef>
+        </p:style>
+        <p:txBody>
+          <a:bodyPr wrap="square" rtlCol="0" anchor="ctr">
+            <a:noAutofit/>
+          </a:bodyPr>
+          <a:lstStyle/>
+          <a:p>
+            <a:pPr marL="0" marR="0" lvl="0" indent="0" algn="ctr" defTabSz="914400" rtl="0" eaLnBrk="1" fontAlgn="auto" latinLnBrk="0" hangingPunct="1">
+              <a:lnSpc>
+                <a:spcPct val="100000"/>
+              </a:lnSpc>
+              <a:spcBef>
+                <a:spcPts val="0"/>
+              </a:spcBef>
+              <a:spcAft>
+                <a:spcPts val="0"/>
+              </a:spcAft>
+              <a:buClrTx/>
+              <a:buSzTx/>
+              <a:buFontTx/>
+              <a:buNone/>
+              <a:tabLst/>
+              <a:defRPr/>
+            </a:pPr>
+            <a:endParaRPr kumimoji="0" lang="en-US" sz="1800" b="0" i="0" u="none" strike="noStrike" kern="1200" cap="none" spc="0" normalizeH="0" baseline="0" noProof="0" dirty="0">
+              <a:ln>
+                <a:noFill/>
+              </a:ln>
+              <a:solidFill>
+                <a:prstClr val="white"/>
+              </a:solidFill>
+              <a:effectLst/>
+              <a:uLnTx/>
+              <a:uFillTx/>
+              <a:latin typeface="Calibri" panose="020F0502020204030204"/>
+              <a:ea typeface="+mn-ea"/>
+              <a:cs typeface="+mn-cs"/>
+            </a:endParaRPr>
+          </a:p>
+        </p:txBody>
+      </p:sp>
+      <p:sp>
+        <p:nvSpPr>
+          <p:cNvPr id="16" name="Rectangle 15">
+            <a:extLst>
+              <a:ext uri="{FF2B5EF4-FFF2-40B4-BE49-F238E27FC236}">
+                <a16:creationId xmlns:a16="http://schemas.microsoft.com/office/drawing/2014/main" id="{DE00DB52-3455-4E2F-867B-A6D0516E175B}"/>
+              </a:ext>
+              <a:ext uri="{C183D7F6-B498-43B3-948B-1728B52AA6E4}">
+                <adec:decorative xmlns:adec="http://schemas.microsoft.com/office/drawing/2017/decorative" val="1"/>
+              </a:ext>
+            </a:extLst>
+          </p:cNvPr>
+          <p:cNvSpPr>
+            <a:spLocks noGrp="1" noRot="1" noChangeAspect="1" noMove="1" noResize="1" noEditPoints="1" noAdjustHandles="1" noChangeArrowheads="1" noChangeShapeType="1" noTextEdit="1"/>
+          </p:cNvSpPr>
+          <p:nvPr>
+            <p:extLst>
+              <p:ext uri="{386F3935-93C4-4BCD-93E2-E3B085C9AB24}">
+                <p16:designElem xmlns:p16="http://schemas.microsoft.com/office/powerpoint/2015/main" val="1"/>
+              </p:ext>
+            </p:extLst>
+          </p:nvPr>
+        </p:nvSpPr>
+        <p:spPr>
+          <a:xfrm rot="2700000">
+            <a:off x="10653800" y="422146"/>
+            <a:ext cx="645368" cy="645368"/>
+          </a:xfrm>
+          <a:prstGeom prst="rect">
+            <a:avLst/>
+          </a:prstGeom>
+          <a:solidFill>
+            <a:schemeClr val="accent1">
+              <a:alpha val="30000"/>
+            </a:schemeClr>
+          </a:solidFill>
+          <a:ln>
+            <a:noFill/>
+          </a:ln>
+        </p:spPr>
+        <p:style>
+          <a:lnRef idx="2">
+            <a:schemeClr val="accent1">
+              <a:shade val="50000"/>
+            </a:schemeClr>
+          </a:lnRef>
+          <a:fillRef idx="1">
+            <a:schemeClr val="accent1"/>
+          </a:fillRef>
+          <a:effectRef idx="0">
+            <a:schemeClr val="accent1"/>
+          </a:effectRef>
+          <a:fontRef idx="minor">
+            <a:schemeClr val="lt1"/>
+          </a:fontRef>
+        </p:style>
+        <p:txBody>
+          <a:bodyPr wrap="square" rtlCol="0" anchor="ctr">
+            <a:noAutofit/>
+          </a:bodyPr>
+          <a:lstStyle/>
+          <a:p>
+            <a:pPr marL="0" marR="0" lvl="0" indent="0" algn="ctr" defTabSz="914400" rtl="0" eaLnBrk="1" fontAlgn="auto" latinLnBrk="0" hangingPunct="1">
+              <a:lnSpc>
+                <a:spcPct val="100000"/>
+              </a:lnSpc>
+              <a:spcBef>
+                <a:spcPts val="0"/>
+              </a:spcBef>
+              <a:spcAft>
+                <a:spcPts val="0"/>
+              </a:spcAft>
+              <a:buClrTx/>
+              <a:buSzTx/>
+              <a:buFontTx/>
+              <a:buNone/>
+              <a:tabLst/>
+              <a:defRPr/>
+            </a:pPr>
+            <a:endParaRPr kumimoji="0" lang="en-US" sz="1800" b="0" i="0" u="none" strike="noStrike" kern="1200" cap="none" spc="0" normalizeH="0" baseline="0" noProof="0" dirty="0">
+              <a:ln>
+                <a:noFill/>
+              </a:ln>
+              <a:solidFill>
+                <a:prstClr val="white"/>
+              </a:solidFill>
+              <a:effectLst/>
+              <a:uLnTx/>
+              <a:uFillTx/>
+              <a:latin typeface="Calibri" panose="020F0502020204030204"/>
+              <a:ea typeface="+mn-ea"/>
+              <a:cs typeface="+mn-cs"/>
+            </a:endParaRPr>
+          </a:p>
+        </p:txBody>
+      </p:sp>
+      <p:sp>
+        <p:nvSpPr>
+          <p:cNvPr id="18" name="Isosceles Triangle 17">
+            <a:extLst>
+              <a:ext uri="{FF2B5EF4-FFF2-40B4-BE49-F238E27FC236}">
+                <a16:creationId xmlns:a16="http://schemas.microsoft.com/office/drawing/2014/main" id="{9E914C83-E0D8-4953-92D5-169D28CB43AE}"/>
+              </a:ext>
+              <a:ext uri="{C183D7F6-B498-43B3-948B-1728B52AA6E4}">
+                <adec:decorative xmlns:adec="http://schemas.microsoft.com/office/drawing/2017/decorative" val="1"/>
+              </a:ext>
+            </a:extLst>
+          </p:cNvPr>
+          <p:cNvSpPr>
+            <a:spLocks noGrp="1" noRot="1" noChangeAspect="1" noMove="1" noResize="1" noEditPoints="1" noAdjustHandles="1" noChangeArrowheads="1" noChangeShapeType="1" noTextEdit="1"/>
+          </p:cNvSpPr>
+          <p:nvPr>
+            <p:extLst>
+              <p:ext uri="{386F3935-93C4-4BCD-93E2-E3B085C9AB24}">
+                <p16:designElem xmlns:p16="http://schemas.microsoft.com/office/powerpoint/2015/main" val="1"/>
+              </p:ext>
+            </p:extLst>
+          </p:nvPr>
+        </p:nvSpPr>
+        <p:spPr>
+          <a:xfrm>
+            <a:off x="8115423" y="6115501"/>
+            <a:ext cx="1494513" cy="742499"/>
+          </a:xfrm>
+          <a:prstGeom prst="triangle">
+            <a:avLst/>
+          </a:prstGeom>
+          <a:solidFill>
+            <a:schemeClr val="accent1">
+              <a:alpha val="30000"/>
+            </a:schemeClr>
+          </a:solidFill>
+          <a:ln>
+            <a:noFill/>
+          </a:ln>
+        </p:spPr>
+        <p:style>
+          <a:lnRef idx="2">
+            <a:schemeClr val="accent1">
+              <a:shade val="50000"/>
+            </a:schemeClr>
+          </a:lnRef>
+          <a:fillRef idx="1">
+            <a:schemeClr val="accent1"/>
+          </a:fillRef>
+          <a:effectRef idx="0">
+            <a:schemeClr val="accent1"/>
+          </a:effectRef>
+          <a:fontRef idx="minor">
+            <a:schemeClr val="lt1"/>
+          </a:fontRef>
+        </p:style>
+        <p:txBody>
+          <a:bodyPr wrap="square" rtlCol="0" anchor="ctr">
+            <a:noAutofit/>
+          </a:bodyPr>
+          <a:lstStyle/>
+          <a:p>
+            <a:pPr marL="0" marR="0" lvl="0" indent="0" algn="ctr" defTabSz="914400" rtl="0" eaLnBrk="1" fontAlgn="auto" latinLnBrk="0" hangingPunct="1">
+              <a:lnSpc>
+                <a:spcPct val="100000"/>
+              </a:lnSpc>
+              <a:spcBef>
+                <a:spcPts val="0"/>
+              </a:spcBef>
+              <a:spcAft>
+                <a:spcPts val="0"/>
+              </a:spcAft>
+              <a:buClrTx/>
+              <a:buSzTx/>
+              <a:buFontTx/>
+              <a:buNone/>
+              <a:tabLst/>
+              <a:defRPr/>
+            </a:pPr>
+            <a:endParaRPr kumimoji="0" lang="en-US" sz="1800" b="0" i="0" u="none" strike="noStrike" kern="1200" cap="none" spc="0" normalizeH="0" baseline="0" noProof="0" dirty="0">
+              <a:ln>
+                <a:noFill/>
+              </a:ln>
+              <a:solidFill>
+                <a:prstClr val="white"/>
+              </a:solidFill>
+              <a:effectLst/>
+              <a:uLnTx/>
+              <a:uFillTx/>
+              <a:latin typeface="Calibri" panose="020F0502020204030204"/>
+              <a:ea typeface="+mn-ea"/>
+              <a:cs typeface="+mn-cs"/>
+            </a:endParaRPr>
+          </a:p>
+        </p:txBody>
+      </p:sp>
+      <p:sp>
+        <p:nvSpPr>
+          <p:cNvPr id="20" name="Isosceles Triangle 19">
+            <a:extLst>
+              <a:ext uri="{FF2B5EF4-FFF2-40B4-BE49-F238E27FC236}">
+                <a16:creationId xmlns:a16="http://schemas.microsoft.com/office/drawing/2014/main" id="{3512E083-F550-46AF-8490-767ECFD00CB7}"/>
+              </a:ext>
+              <a:ext uri="{C183D7F6-B498-43B3-948B-1728B52AA6E4}">
+                <adec:decorative xmlns:adec="http://schemas.microsoft.com/office/drawing/2017/decorative" val="1"/>
+              </a:ext>
+            </a:extLst>
+          </p:cNvPr>
+          <p:cNvSpPr>
+            <a:spLocks noGrp="1" noRot="1" noChangeAspect="1" noMove="1" noResize="1" noEditPoints="1" noAdjustHandles="1" noChangeArrowheads="1" noChangeShapeType="1" noTextEdit="1"/>
+          </p:cNvSpPr>
+          <p:nvPr>
+            <p:extLst>
+              <p:ext uri="{386F3935-93C4-4BCD-93E2-E3B085C9AB24}">
+                <p16:designElem xmlns:p16="http://schemas.microsoft.com/office/powerpoint/2015/main" val="1"/>
+              </p:ext>
+            </p:extLst>
+          </p:nvPr>
+        </p:nvSpPr>
+        <p:spPr>
+          <a:xfrm>
+            <a:off x="9167297" y="6453143"/>
+            <a:ext cx="814903" cy="404857"/>
+          </a:xfrm>
+          <a:prstGeom prst="triangle">
+            <a:avLst/>
+          </a:prstGeom>
+          <a:solidFill>
+            <a:schemeClr val="accent1">
+              <a:alpha val="30000"/>
+            </a:schemeClr>
+          </a:solidFill>
+          <a:ln>
+            <a:noFill/>
+          </a:ln>
+        </p:spPr>
+        <p:style>
+          <a:lnRef idx="2">
+            <a:schemeClr val="accent1">
+              <a:shade val="50000"/>
+            </a:schemeClr>
+          </a:lnRef>
+          <a:fillRef idx="1">
+            <a:schemeClr val="accent1"/>
+          </a:fillRef>
+          <a:effectRef idx="0">
+            <a:schemeClr val="accent1"/>
+          </a:effectRef>
+          <a:fontRef idx="minor">
+            <a:schemeClr val="lt1"/>
+          </a:fontRef>
+        </p:style>
+        <p:txBody>
+          <a:bodyPr wrap="square" rtlCol="0" anchor="ctr">
+            <a:noAutofit/>
+          </a:bodyPr>
+          <a:lstStyle/>
+          <a:p>
+            <a:pPr marL="0" marR="0" lvl="0" indent="0" algn="ctr" defTabSz="914400" rtl="0" eaLnBrk="1" fontAlgn="auto" latinLnBrk="0" hangingPunct="1">
+              <a:lnSpc>
+                <a:spcPct val="100000"/>
+              </a:lnSpc>
+              <a:spcBef>
+                <a:spcPts val="0"/>
+              </a:spcBef>
+              <a:spcAft>
+                <a:spcPts val="0"/>
+              </a:spcAft>
+              <a:buClrTx/>
+              <a:buSzTx/>
+              <a:buFontTx/>
+              <a:buNone/>
+              <a:tabLst/>
+              <a:defRPr/>
+            </a:pPr>
+            <a:endParaRPr kumimoji="0" lang="en-US" sz="1800" b="0" i="0" u="none" strike="noStrike" kern="1200" cap="none" spc="0" normalizeH="0" baseline="0" noProof="0" dirty="0">
+              <a:ln>
+                <a:noFill/>
+              </a:ln>
+              <a:solidFill>
+                <a:prstClr val="white"/>
+              </a:solidFill>
+              <a:effectLst/>
+              <a:uLnTx/>
+              <a:uFillTx/>
+              <a:latin typeface="Calibri" panose="020F0502020204030204"/>
+              <a:ea typeface="+mn-ea"/>
+              <a:cs typeface="+mn-cs"/>
+            </a:endParaRPr>
+          </a:p>
+        </p:txBody>
+      </p:sp>
+      <p:sp>
+        <p:nvSpPr>
+          <p:cNvPr id="11" name="Titel 1">
+            <a:extLst>
+              <a:ext uri="{FF2B5EF4-FFF2-40B4-BE49-F238E27FC236}">
+                <a16:creationId xmlns:a16="http://schemas.microsoft.com/office/drawing/2014/main" id="{BE866236-1B82-4FC9-A13D-37764F16A6AD}"/>
+              </a:ext>
+            </a:extLst>
+          </p:cNvPr>
+          <p:cNvSpPr>
+            <a:spLocks noGrp="1"/>
+          </p:cNvSpPr>
+          <p:nvPr>
+            <p:ph type="title"/>
+          </p:nvPr>
+        </p:nvSpPr>
+        <p:spPr>
+          <a:xfrm>
+            <a:off x="838200" y="365125"/>
+            <a:ext cx="10515600" cy="1325563"/>
+          </a:xfrm>
+        </p:spPr>
+        <p:txBody>
+          <a:bodyPr/>
+          <a:lstStyle/>
+          <a:p>
+            <a:r>
+              <a:rPr lang="de-CH" dirty="0"/>
+              <a:t>Wieso brauch Puzzle einen eigenen? </a:t>
+            </a:r>
+          </a:p>
+        </p:txBody>
+      </p:sp>
+      <p:sp>
+        <p:nvSpPr>
+          <p:cNvPr id="13" name="Inhaltsplatzhalter 2">
+            <a:extLst>
+              <a:ext uri="{FF2B5EF4-FFF2-40B4-BE49-F238E27FC236}">
+                <a16:creationId xmlns:a16="http://schemas.microsoft.com/office/drawing/2014/main" id="{1ED00258-D929-4C7B-B333-8DA79611417B}"/>
+              </a:ext>
+            </a:extLst>
+          </p:cNvPr>
+          <p:cNvSpPr>
+            <a:spLocks noGrp="1"/>
+          </p:cNvSpPr>
+          <p:nvPr>
+            <p:ph idx="1"/>
+          </p:nvPr>
+        </p:nvSpPr>
+        <p:spPr>
+          <a:xfrm>
+            <a:off x="838200" y="1825625"/>
+            <a:ext cx="10515600" cy="4351338"/>
+          </a:xfrm>
+        </p:spPr>
+        <p:txBody>
+          <a:bodyPr/>
+          <a:lstStyle/>
+          <a:p>
+            <a:r>
+              <a:rPr lang="de-CH" dirty="0"/>
+              <a:t>Vorteile von </a:t>
+            </a:r>
+            <a:r>
+              <a:rPr lang="de-CH" dirty="0" err="1"/>
+              <a:t>Cryptopus</a:t>
+            </a:r>
+            <a:r>
+              <a:rPr lang="de-CH" dirty="0"/>
+              <a:t>:</a:t>
+            </a:r>
+          </a:p>
+          <a:p>
+            <a:pPr lvl="1"/>
+            <a:r>
+              <a:rPr lang="de-CH" dirty="0" err="1"/>
+              <a:t>Opensource</a:t>
+            </a:r>
+            <a:r>
+              <a:rPr lang="de-CH" dirty="0"/>
+              <a:t> </a:t>
+            </a:r>
+          </a:p>
+          <a:p>
+            <a:pPr lvl="1"/>
+            <a:r>
+              <a:rPr lang="de-CH" dirty="0"/>
+              <a:t>Online</a:t>
+            </a:r>
+          </a:p>
+          <a:p>
+            <a:pPr lvl="1"/>
+            <a:r>
+              <a:rPr lang="de-CH" dirty="0"/>
+              <a:t>Möglich Teams zu erstellen und mit anderen zu Teilen</a:t>
+            </a:r>
+          </a:p>
+          <a:p>
+            <a:pPr lvl="1"/>
+            <a:endParaRPr lang="de-CH" dirty="0"/>
+          </a:p>
+        </p:txBody>
+      </p:sp>
+    </p:spTree>
+    <p:extLst>
+      <p:ext uri="{BB962C8B-B14F-4D97-AF65-F5344CB8AC3E}">
+        <p14:creationId xmlns:p14="http://schemas.microsoft.com/office/powerpoint/2010/main" val="2459029829"/>
+      </p:ext>
+    </p:extLst>
+  </p:cSld>
+  <p:clrMapOvr>
+    <a:masterClrMapping/>
+  </p:clrMapOvr>
+</p:sld>
+</file>
+
+<file path=ppt/slides/slide6.xml><?xml version="1.0" encoding="utf-8"?>
+<p:sld xmlns:a="http://schemas.openxmlformats.org/drawingml/2006/main" xmlns:r="http://schemas.openxmlformats.org/officeDocument/2006/relationships" xmlns:p="http://schemas.openxmlformats.org/presentationml/2006/main">
+  <p:cSld>
+    <p:spTree>
+      <p:nvGrpSpPr>
+        <p:cNvPr id="1" name=""/>
+        <p:cNvGrpSpPr/>
+        <p:nvPr/>
+      </p:nvGrpSpPr>
+      <p:grpSpPr>
+        <a:xfrm>
+          <a:off x="0" y="0"/>
+          <a:ext cx="0" cy="0"/>
+          <a:chOff x="0" y="0"/>
+          <a:chExt cx="0" cy="0"/>
+        </a:xfrm>
+      </p:grpSpPr>
+      <p:sp>
+        <p:nvSpPr>
+          <p:cNvPr id="8" name="Rectangle 7">
+            <a:extLst>
+              <a:ext uri="{FF2B5EF4-FFF2-40B4-BE49-F238E27FC236}">
+                <a16:creationId xmlns:a16="http://schemas.microsoft.com/office/drawing/2014/main" id="{46D6306C-ED4F-4AAE-B4A5-EEA6AFAD726E}"/>
+              </a:ext>
+              <a:ext uri="{C183D7F6-B498-43B3-948B-1728B52AA6E4}">
+                <adec:decorative xmlns:adec="http://schemas.microsoft.com/office/drawing/2017/decorative" val="1"/>
+              </a:ext>
+            </a:extLst>
+          </p:cNvPr>
+          <p:cNvSpPr>
+            <a:spLocks noGrp="1" noRot="1" noChangeAspect="1" noMove="1" noResize="1" noEditPoints="1" noAdjustHandles="1" noChangeArrowheads="1" noChangeShapeType="1" noTextEdit="1"/>
+          </p:cNvSpPr>
+          <p:nvPr>
+            <p:extLst>
+              <p:ext uri="{386F3935-93C4-4BCD-93E2-E3B085C9AB24}">
+                <p16:designElem xmlns:p16="http://schemas.microsoft.com/office/powerpoint/2015/main" val="1"/>
+              </p:ext>
+            </p:extLst>
+          </p:nvPr>
+        </p:nvSpPr>
+        <p:spPr>
+          <a:xfrm>
+            <a:off x="0" y="0"/>
+            <a:ext cx="12192000" cy="6858000"/>
+          </a:xfrm>
+          <a:prstGeom prst="rect">
+            <a:avLst/>
+          </a:prstGeom>
+          <a:solidFill>
+            <a:schemeClr val="bg1"/>
+          </a:solidFill>
+          <a:ln>
+            <a:noFill/>
+          </a:ln>
+        </p:spPr>
+        <p:style>
+          <a:lnRef idx="2">
+            <a:schemeClr val="accent1">
+              <a:shade val="50000"/>
+            </a:schemeClr>
+          </a:lnRef>
+          <a:fillRef idx="1">
+            <a:schemeClr val="accent1"/>
+          </a:fillRef>
+          <a:effectRef idx="0">
+            <a:schemeClr val="accent1"/>
+          </a:effectRef>
+          <a:fontRef idx="minor">
+            <a:schemeClr val="lt1"/>
+          </a:fontRef>
+        </p:style>
+        <p:txBody>
+          <a:bodyPr rtlCol="0" anchor="ctr"/>
+          <a:lstStyle/>
+          <a:p>
+            <a:pPr marL="0" marR="0" lvl="0" indent="0" algn="ctr" defTabSz="914400" rtl="0" eaLnBrk="1" fontAlgn="auto" latinLnBrk="0" hangingPunct="1">
+              <a:lnSpc>
+                <a:spcPct val="100000"/>
+              </a:lnSpc>
+              <a:spcBef>
+                <a:spcPts val="0"/>
+              </a:spcBef>
+              <a:spcAft>
+                <a:spcPts val="0"/>
+              </a:spcAft>
+              <a:buClrTx/>
+              <a:buSzTx/>
+              <a:buFontTx/>
+              <a:buNone/>
+              <a:tabLst/>
+              <a:defRPr/>
+            </a:pPr>
+            <a:endParaRPr kumimoji="0" lang="en-US" sz="1800" b="0" i="0" u="none" strike="noStrike" kern="1200" cap="none" spc="0" normalizeH="0" baseline="0" noProof="0" dirty="0">
+              <a:ln>
+                <a:noFill/>
+              </a:ln>
+              <a:solidFill>
+                <a:prstClr val="white"/>
+              </a:solidFill>
+              <a:effectLst/>
+              <a:uLnTx/>
+              <a:uFillTx/>
+              <a:latin typeface="Calibri" panose="020F0502020204030204"/>
+              <a:ea typeface="+mn-ea"/>
+              <a:cs typeface="+mn-cs"/>
+            </a:endParaRPr>
+          </a:p>
+        </p:txBody>
+      </p:sp>
+      <p:sp>
+        <p:nvSpPr>
+          <p:cNvPr id="10" name="Rectangle 9">
+            <a:extLst>
+              <a:ext uri="{FF2B5EF4-FFF2-40B4-BE49-F238E27FC236}">
+                <a16:creationId xmlns:a16="http://schemas.microsoft.com/office/drawing/2014/main" id="{0EC5361D-F897-4856-B945-0455A365EB24}"/>
+              </a:ext>
+              <a:ext uri="{C183D7F6-B498-43B3-948B-1728B52AA6E4}">
+                <adec:decorative xmlns:adec="http://schemas.microsoft.com/office/drawing/2017/decorative" val="1"/>
+              </a:ext>
+            </a:extLst>
+          </p:cNvPr>
+          <p:cNvSpPr>
+            <a:spLocks noGrp="1" noRot="1" noChangeAspect="1" noMove="1" noResize="1" noEditPoints="1" noAdjustHandles="1" noChangeArrowheads="1" noChangeShapeType="1" noTextEdit="1"/>
+          </p:cNvSpPr>
+          <p:nvPr>
+            <p:extLst>
+              <p:ext uri="{386F3935-93C4-4BCD-93E2-E3B085C9AB24}">
+                <p16:designElem xmlns:p16="http://schemas.microsoft.com/office/powerpoint/2015/main" val="1"/>
+              </p:ext>
+            </p:extLst>
+          </p:nvPr>
+        </p:nvSpPr>
+        <p:spPr>
+          <a:xfrm rot="2700000">
+            <a:off x="415435" y="655140"/>
+            <a:ext cx="687472" cy="687472"/>
+          </a:xfrm>
+          <a:prstGeom prst="rect">
+            <a:avLst/>
+          </a:prstGeom>
+          <a:solidFill>
+            <a:schemeClr val="accent4">
+              <a:alpha val="30000"/>
+            </a:schemeClr>
+          </a:solidFill>
+          <a:ln>
+            <a:noFill/>
+          </a:ln>
+        </p:spPr>
+        <p:style>
+          <a:lnRef idx="2">
+            <a:schemeClr val="accent1">
+              <a:shade val="50000"/>
+            </a:schemeClr>
+          </a:lnRef>
+          <a:fillRef idx="1">
+            <a:schemeClr val="accent1"/>
+          </a:fillRef>
+          <a:effectRef idx="0">
+            <a:schemeClr val="accent1"/>
+          </a:effectRef>
+          <a:fontRef idx="minor">
+            <a:schemeClr val="lt1"/>
+          </a:fontRef>
+        </p:style>
+        <p:txBody>
+          <a:bodyPr rtlCol="0" anchor="ctr"/>
+          <a:lstStyle/>
+          <a:p>
+            <a:pPr marL="0" marR="0" lvl="0" indent="0" algn="ctr" defTabSz="914400" rtl="0" eaLnBrk="1" fontAlgn="auto" latinLnBrk="0" hangingPunct="1">
+              <a:lnSpc>
+                <a:spcPct val="100000"/>
+              </a:lnSpc>
+              <a:spcBef>
+                <a:spcPts val="0"/>
+              </a:spcBef>
+              <a:spcAft>
+                <a:spcPts val="0"/>
+              </a:spcAft>
+              <a:buClrTx/>
+              <a:buSzTx/>
+              <a:buFontTx/>
+              <a:buNone/>
+              <a:tabLst/>
+              <a:defRPr/>
+            </a:pPr>
+            <a:endParaRPr kumimoji="0" lang="en-US" sz="1800" b="0" i="0" u="none" strike="noStrike" kern="1200" cap="none" spc="0" normalizeH="0" baseline="0" noProof="0" dirty="0">
+              <a:ln>
+                <a:noFill/>
+              </a:ln>
+              <a:solidFill>
+                <a:prstClr val="white"/>
+              </a:solidFill>
+              <a:effectLst/>
+              <a:uLnTx/>
+              <a:uFillTx/>
+              <a:latin typeface="Calibri" panose="020F0502020204030204"/>
+              <a:ea typeface="+mn-ea"/>
+              <a:cs typeface="+mn-cs"/>
+            </a:endParaRPr>
+          </a:p>
+        </p:txBody>
+      </p:sp>
+      <p:sp>
+        <p:nvSpPr>
+          <p:cNvPr id="12" name="Freeform: Shape 11">
+            <a:extLst>
+              <a:ext uri="{FF2B5EF4-FFF2-40B4-BE49-F238E27FC236}">
+                <a16:creationId xmlns:a16="http://schemas.microsoft.com/office/drawing/2014/main" id="{4508C0C5-2268-42B5-B3C8-4D0899E05F8C}"/>
+              </a:ext>
+              <a:ext uri="{C183D7F6-B498-43B3-948B-1728B52AA6E4}">
+                <adec:decorative xmlns:adec="http://schemas.microsoft.com/office/drawing/2017/decorative" val="1"/>
+              </a:ext>
+            </a:extLst>
+          </p:cNvPr>
+          <p:cNvSpPr>
+            <a:spLocks noGrp="1" noRot="1" noChangeAspect="1" noMove="1" noResize="1" noEditPoints="1" noAdjustHandles="1" noChangeArrowheads="1" noChangeShapeType="1" noTextEdit="1"/>
+          </p:cNvSpPr>
+          <p:nvPr>
+            <p:extLst>
+              <p:ext uri="{386F3935-93C4-4BCD-93E2-E3B085C9AB24}">
+                <p16:designElem xmlns:p16="http://schemas.microsoft.com/office/powerpoint/2015/main" val="1"/>
+              </p:ext>
+            </p:extLst>
+          </p:nvPr>
+        </p:nvSpPr>
+        <p:spPr>
+          <a:xfrm rot="10800000">
+            <a:off x="0" y="0"/>
+            <a:ext cx="2835357" cy="1480837"/>
+          </a:xfrm>
+          <a:custGeom>
+            <a:avLst/>
+            <a:gdLst>
+              <a:gd name="connsiteX0" fmla="*/ 2835357 w 2835357"/>
+              <a:gd name="connsiteY0" fmla="*/ 1480837 h 1480837"/>
+              <a:gd name="connsiteX1" fmla="*/ 0 w 2835357"/>
+              <a:gd name="connsiteY1" fmla="*/ 1480837 h 1480837"/>
+              <a:gd name="connsiteX2" fmla="*/ 1552727 w 2835357"/>
+              <a:gd name="connsiteY2" fmla="*/ 0 h 1480837"/>
+              <a:gd name="connsiteX3" fmla="*/ 2835357 w 2835357"/>
+              <a:gd name="connsiteY3" fmla="*/ 1223245 h 1480837"/>
+            </a:gdLst>
+            <a:ahLst/>
+            <a:cxnLst>
+              <a:cxn ang="0">
+                <a:pos x="connsiteX0" y="connsiteY0"/>
+              </a:cxn>
+              <a:cxn ang="0">
+                <a:pos x="connsiteX1" y="connsiteY1"/>
+              </a:cxn>
+              <a:cxn ang="0">
+                <a:pos x="connsiteX2" y="connsiteY2"/>
+              </a:cxn>
+              <a:cxn ang="0">
+                <a:pos x="connsiteX3" y="connsiteY3"/>
+              </a:cxn>
+            </a:cxnLst>
+            <a:rect l="l" t="t" r="r" b="b"/>
+            <a:pathLst>
+              <a:path w="2835357" h="1480837">
+                <a:moveTo>
+                  <a:pt x="2835357" y="1480837"/>
+                </a:moveTo>
+                <a:lnTo>
+                  <a:pt x="0" y="1480837"/>
+                </a:lnTo>
+                <a:lnTo>
+                  <a:pt x="1552727" y="0"/>
+                </a:lnTo>
+                <a:lnTo>
+                  <a:pt x="2835357" y="1223245"/>
+                </a:lnTo>
+                <a:close/>
+              </a:path>
+            </a:pathLst>
+          </a:custGeom>
+          <a:solidFill>
+            <a:schemeClr val="accent4">
+              <a:alpha val="30000"/>
+            </a:schemeClr>
+          </a:solidFill>
+          <a:ln>
+            <a:noFill/>
+          </a:ln>
+        </p:spPr>
+        <p:style>
+          <a:lnRef idx="2">
+            <a:schemeClr val="accent1">
+              <a:shade val="50000"/>
+            </a:schemeClr>
+          </a:lnRef>
+          <a:fillRef idx="1">
+            <a:schemeClr val="accent1"/>
+          </a:fillRef>
+          <a:effectRef idx="0">
+            <a:schemeClr val="accent1"/>
+          </a:effectRef>
+          <a:fontRef idx="minor">
+            <a:schemeClr val="lt1"/>
+          </a:fontRef>
+        </p:style>
+        <p:txBody>
+          <a:bodyPr wrap="square" rtlCol="0" anchor="ctr">
+            <a:noAutofit/>
+          </a:bodyPr>
+          <a:lstStyle/>
+          <a:p>
+            <a:pPr marL="0" marR="0" lvl="0" indent="0" algn="ctr" defTabSz="914400" rtl="0" eaLnBrk="1" fontAlgn="auto" latinLnBrk="0" hangingPunct="1">
+              <a:lnSpc>
+                <a:spcPct val="100000"/>
+              </a:lnSpc>
+              <a:spcBef>
+                <a:spcPts val="0"/>
+              </a:spcBef>
+              <a:spcAft>
+                <a:spcPts val="0"/>
+              </a:spcAft>
+              <a:buClrTx/>
+              <a:buSzTx/>
+              <a:buFontTx/>
+              <a:buNone/>
+              <a:tabLst/>
+              <a:defRPr/>
+            </a:pPr>
+            <a:endParaRPr kumimoji="0" lang="en-US" sz="1800" b="0" i="0" u="none" strike="noStrike" kern="1200" cap="none" spc="0" normalizeH="0" baseline="0" noProof="0" dirty="0">
+              <a:ln>
+                <a:noFill/>
+              </a:ln>
+              <a:solidFill>
+                <a:prstClr val="white"/>
+              </a:solidFill>
+              <a:effectLst/>
+              <a:uLnTx/>
+              <a:uFillTx/>
+              <a:latin typeface="Calibri" panose="020F0502020204030204"/>
+              <a:ea typeface="+mn-ea"/>
+              <a:cs typeface="+mn-cs"/>
+            </a:endParaRPr>
+          </a:p>
+        </p:txBody>
+      </p:sp>
+      <p:sp>
+        <p:nvSpPr>
+          <p:cNvPr id="14" name="Freeform: Shape 13">
+            <a:extLst>
+              <a:ext uri="{FF2B5EF4-FFF2-40B4-BE49-F238E27FC236}">
+                <a16:creationId xmlns:a16="http://schemas.microsoft.com/office/drawing/2014/main" id="{141ACBDB-38F8-4B34-8183-BD95B4E55A62}"/>
+              </a:ext>
+              <a:ext uri="{C183D7F6-B498-43B3-948B-1728B52AA6E4}">
+                <adec:decorative xmlns:adec="http://schemas.microsoft.com/office/drawing/2017/decorative" val="1"/>
+              </a:ext>
+            </a:extLst>
+          </p:cNvPr>
+          <p:cNvSpPr>
+            <a:spLocks noGrp="1" noRot="1" noChangeAspect="1" noMove="1" noResize="1" noEditPoints="1" noAdjustHandles="1" noChangeArrowheads="1" noChangeShapeType="1" noTextEdit="1"/>
+          </p:cNvSpPr>
+          <p:nvPr>
+            <p:extLst>
+              <p:ext uri="{386F3935-93C4-4BCD-93E2-E3B085C9AB24}">
+                <p16:designElem xmlns:p16="http://schemas.microsoft.com/office/powerpoint/2015/main" val="1"/>
+              </p:ext>
+            </p:extLst>
+          </p:nvPr>
+        </p:nvSpPr>
+        <p:spPr>
+          <a:xfrm rot="2700000">
+            <a:off x="10739327" y="-253670"/>
+            <a:ext cx="1827638" cy="1376989"/>
+          </a:xfrm>
+          <a:custGeom>
+            <a:avLst/>
+            <a:gdLst>
+              <a:gd name="connsiteX0" fmla="*/ 0 w 1827638"/>
+              <a:gd name="connsiteY0" fmla="*/ 987379 h 1376989"/>
+              <a:gd name="connsiteX1" fmla="*/ 987379 w 1827638"/>
+              <a:gd name="connsiteY1" fmla="*/ 0 h 1376989"/>
+              <a:gd name="connsiteX2" fmla="*/ 1827638 w 1827638"/>
+              <a:gd name="connsiteY2" fmla="*/ 840260 h 1376989"/>
+              <a:gd name="connsiteX3" fmla="*/ 1827638 w 1827638"/>
+              <a:gd name="connsiteY3" fmla="*/ 1376989 h 1376989"/>
+              <a:gd name="connsiteX4" fmla="*/ 0 w 1827638"/>
+              <a:gd name="connsiteY4" fmla="*/ 1376989 h 1376989"/>
+            </a:gdLst>
+            <a:ahLst/>
+            <a:cxnLst>
+              <a:cxn ang="0">
+                <a:pos x="connsiteX0" y="connsiteY0"/>
+              </a:cxn>
+              <a:cxn ang="0">
+                <a:pos x="connsiteX1" y="connsiteY1"/>
+              </a:cxn>
+              <a:cxn ang="0">
+                <a:pos x="connsiteX2" y="connsiteY2"/>
+              </a:cxn>
+              <a:cxn ang="0">
+                <a:pos x="connsiteX3" y="connsiteY3"/>
+              </a:cxn>
+              <a:cxn ang="0">
+                <a:pos x="connsiteX4" y="connsiteY4"/>
+              </a:cxn>
+            </a:cxnLst>
+            <a:rect l="l" t="t" r="r" b="b"/>
+            <a:pathLst>
+              <a:path w="1827638" h="1376989">
+                <a:moveTo>
+                  <a:pt x="0" y="987379"/>
+                </a:moveTo>
+                <a:lnTo>
+                  <a:pt x="987379" y="0"/>
+                </a:lnTo>
+                <a:lnTo>
+                  <a:pt x="1827638" y="840260"/>
+                </a:lnTo>
+                <a:lnTo>
+                  <a:pt x="1827638" y="1376989"/>
+                </a:lnTo>
+                <a:lnTo>
+                  <a:pt x="0" y="1376989"/>
+                </a:lnTo>
+                <a:close/>
+              </a:path>
+            </a:pathLst>
+          </a:custGeom>
+          <a:solidFill>
+            <a:schemeClr val="accent1">
+              <a:alpha val="30000"/>
+            </a:schemeClr>
+          </a:solidFill>
+          <a:ln>
+            <a:noFill/>
+          </a:ln>
+        </p:spPr>
+        <p:style>
+          <a:lnRef idx="2">
+            <a:schemeClr val="accent1">
+              <a:shade val="50000"/>
+            </a:schemeClr>
+          </a:lnRef>
+          <a:fillRef idx="1">
+            <a:schemeClr val="accent1"/>
+          </a:fillRef>
+          <a:effectRef idx="0">
+            <a:schemeClr val="accent1"/>
+          </a:effectRef>
+          <a:fontRef idx="minor">
+            <a:schemeClr val="lt1"/>
+          </a:fontRef>
+        </p:style>
+        <p:txBody>
+          <a:bodyPr wrap="square" rtlCol="0" anchor="ctr">
+            <a:noAutofit/>
+          </a:bodyPr>
+          <a:lstStyle/>
+          <a:p>
+            <a:pPr marL="0" marR="0" lvl="0" indent="0" algn="ctr" defTabSz="914400" rtl="0" eaLnBrk="1" fontAlgn="auto" latinLnBrk="0" hangingPunct="1">
+              <a:lnSpc>
+                <a:spcPct val="100000"/>
+              </a:lnSpc>
+              <a:spcBef>
+                <a:spcPts val="0"/>
+              </a:spcBef>
+              <a:spcAft>
+                <a:spcPts val="0"/>
+              </a:spcAft>
+              <a:buClrTx/>
+              <a:buSzTx/>
+              <a:buFontTx/>
+              <a:buNone/>
+              <a:tabLst/>
+              <a:defRPr/>
+            </a:pPr>
+            <a:endParaRPr kumimoji="0" lang="en-US" sz="1800" b="0" i="0" u="none" strike="noStrike" kern="1200" cap="none" spc="0" normalizeH="0" baseline="0" noProof="0" dirty="0">
+              <a:ln>
+                <a:noFill/>
+              </a:ln>
+              <a:solidFill>
+                <a:prstClr val="white"/>
+              </a:solidFill>
+              <a:effectLst/>
+              <a:uLnTx/>
+              <a:uFillTx/>
+              <a:latin typeface="Calibri" panose="020F0502020204030204"/>
+              <a:ea typeface="+mn-ea"/>
+              <a:cs typeface="+mn-cs"/>
+            </a:endParaRPr>
+          </a:p>
+        </p:txBody>
+      </p:sp>
+      <p:sp>
+        <p:nvSpPr>
+          <p:cNvPr id="16" name="Rectangle 15">
+            <a:extLst>
+              <a:ext uri="{FF2B5EF4-FFF2-40B4-BE49-F238E27FC236}">
+                <a16:creationId xmlns:a16="http://schemas.microsoft.com/office/drawing/2014/main" id="{DE00DB52-3455-4E2F-867B-A6D0516E175B}"/>
+              </a:ext>
+              <a:ext uri="{C183D7F6-B498-43B3-948B-1728B52AA6E4}">
+                <adec:decorative xmlns:adec="http://schemas.microsoft.com/office/drawing/2017/decorative" val="1"/>
+              </a:ext>
+            </a:extLst>
+          </p:cNvPr>
+          <p:cNvSpPr>
+            <a:spLocks noGrp="1" noRot="1" noChangeAspect="1" noMove="1" noResize="1" noEditPoints="1" noAdjustHandles="1" noChangeArrowheads="1" noChangeShapeType="1" noTextEdit="1"/>
+          </p:cNvSpPr>
+          <p:nvPr>
+            <p:extLst>
+              <p:ext uri="{386F3935-93C4-4BCD-93E2-E3B085C9AB24}">
+                <p16:designElem xmlns:p16="http://schemas.microsoft.com/office/powerpoint/2015/main" val="1"/>
+              </p:ext>
+            </p:extLst>
+          </p:nvPr>
+        </p:nvSpPr>
+        <p:spPr>
+          <a:xfrm rot="2700000">
+            <a:off x="10653800" y="422146"/>
+            <a:ext cx="645368" cy="645368"/>
+          </a:xfrm>
+          <a:prstGeom prst="rect">
+            <a:avLst/>
+          </a:prstGeom>
+          <a:solidFill>
+            <a:schemeClr val="accent1">
+              <a:alpha val="30000"/>
+            </a:schemeClr>
+          </a:solidFill>
+          <a:ln>
+            <a:noFill/>
+          </a:ln>
+        </p:spPr>
+        <p:style>
+          <a:lnRef idx="2">
+            <a:schemeClr val="accent1">
+              <a:shade val="50000"/>
+            </a:schemeClr>
+          </a:lnRef>
+          <a:fillRef idx="1">
+            <a:schemeClr val="accent1"/>
+          </a:fillRef>
+          <a:effectRef idx="0">
+            <a:schemeClr val="accent1"/>
+          </a:effectRef>
+          <a:fontRef idx="minor">
+            <a:schemeClr val="lt1"/>
+          </a:fontRef>
+        </p:style>
+        <p:txBody>
+          <a:bodyPr wrap="square" rtlCol="0" anchor="ctr">
+            <a:noAutofit/>
+          </a:bodyPr>
+          <a:lstStyle/>
+          <a:p>
+            <a:pPr marL="0" marR="0" lvl="0" indent="0" algn="ctr" defTabSz="914400" rtl="0" eaLnBrk="1" fontAlgn="auto" latinLnBrk="0" hangingPunct="1">
+              <a:lnSpc>
+                <a:spcPct val="100000"/>
+              </a:lnSpc>
+              <a:spcBef>
+                <a:spcPts val="0"/>
+              </a:spcBef>
+              <a:spcAft>
+                <a:spcPts val="0"/>
+              </a:spcAft>
+              <a:buClrTx/>
+              <a:buSzTx/>
+              <a:buFontTx/>
+              <a:buNone/>
+              <a:tabLst/>
+              <a:defRPr/>
+            </a:pPr>
+            <a:endParaRPr kumimoji="0" lang="en-US" sz="1800" b="0" i="0" u="none" strike="noStrike" kern="1200" cap="none" spc="0" normalizeH="0" baseline="0" noProof="0" dirty="0">
+              <a:ln>
+                <a:noFill/>
+              </a:ln>
+              <a:solidFill>
+                <a:prstClr val="white"/>
+              </a:solidFill>
+              <a:effectLst/>
+              <a:uLnTx/>
+              <a:uFillTx/>
+              <a:latin typeface="Calibri" panose="020F0502020204030204"/>
+              <a:ea typeface="+mn-ea"/>
+              <a:cs typeface="+mn-cs"/>
+            </a:endParaRPr>
+          </a:p>
+        </p:txBody>
+      </p:sp>
+      <p:sp>
+        <p:nvSpPr>
+          <p:cNvPr id="18" name="Isosceles Triangle 17">
+            <a:extLst>
+              <a:ext uri="{FF2B5EF4-FFF2-40B4-BE49-F238E27FC236}">
+                <a16:creationId xmlns:a16="http://schemas.microsoft.com/office/drawing/2014/main" id="{9E914C83-E0D8-4953-92D5-169D28CB43AE}"/>
+              </a:ext>
+              <a:ext uri="{C183D7F6-B498-43B3-948B-1728B52AA6E4}">
+                <adec:decorative xmlns:adec="http://schemas.microsoft.com/office/drawing/2017/decorative" val="1"/>
+              </a:ext>
+            </a:extLst>
+          </p:cNvPr>
+          <p:cNvSpPr>
+            <a:spLocks noGrp="1" noRot="1" noChangeAspect="1" noMove="1" noResize="1" noEditPoints="1" noAdjustHandles="1" noChangeArrowheads="1" noChangeShapeType="1" noTextEdit="1"/>
+          </p:cNvSpPr>
+          <p:nvPr>
+            <p:extLst>
+              <p:ext uri="{386F3935-93C4-4BCD-93E2-E3B085C9AB24}">
+                <p16:designElem xmlns:p16="http://schemas.microsoft.com/office/powerpoint/2015/main" val="1"/>
+              </p:ext>
+            </p:extLst>
+          </p:nvPr>
+        </p:nvSpPr>
+        <p:spPr>
+          <a:xfrm>
+            <a:off x="8115423" y="6115501"/>
+            <a:ext cx="1494513" cy="742499"/>
+          </a:xfrm>
+          <a:prstGeom prst="triangle">
+            <a:avLst/>
+          </a:prstGeom>
+          <a:solidFill>
+            <a:schemeClr val="accent1">
+              <a:alpha val="30000"/>
+            </a:schemeClr>
+          </a:solidFill>
+          <a:ln>
+            <a:noFill/>
+          </a:ln>
+        </p:spPr>
+        <p:style>
+          <a:lnRef idx="2">
+            <a:schemeClr val="accent1">
+              <a:shade val="50000"/>
+            </a:schemeClr>
+          </a:lnRef>
+          <a:fillRef idx="1">
+            <a:schemeClr val="accent1"/>
+          </a:fillRef>
+          <a:effectRef idx="0">
+            <a:schemeClr val="accent1"/>
+          </a:effectRef>
+          <a:fontRef idx="minor">
+            <a:schemeClr val="lt1"/>
+          </a:fontRef>
+        </p:style>
+        <p:txBody>
+          <a:bodyPr wrap="square" rtlCol="0" anchor="ctr">
+            <a:noAutofit/>
+          </a:bodyPr>
+          <a:lstStyle/>
+          <a:p>
+            <a:pPr marL="0" marR="0" lvl="0" indent="0" algn="ctr" defTabSz="914400" rtl="0" eaLnBrk="1" fontAlgn="auto" latinLnBrk="0" hangingPunct="1">
+              <a:lnSpc>
+                <a:spcPct val="100000"/>
+              </a:lnSpc>
+              <a:spcBef>
+                <a:spcPts val="0"/>
+              </a:spcBef>
+              <a:spcAft>
+                <a:spcPts val="0"/>
+              </a:spcAft>
+              <a:buClrTx/>
+              <a:buSzTx/>
+              <a:buFontTx/>
+              <a:buNone/>
+              <a:tabLst/>
+              <a:defRPr/>
+            </a:pPr>
+            <a:endParaRPr kumimoji="0" lang="en-US" sz="1800" b="0" i="0" u="none" strike="noStrike" kern="1200" cap="none" spc="0" normalizeH="0" baseline="0" noProof="0" dirty="0">
+              <a:ln>
+                <a:noFill/>
+              </a:ln>
+              <a:solidFill>
+                <a:prstClr val="white"/>
+              </a:solidFill>
+              <a:effectLst/>
+              <a:uLnTx/>
+              <a:uFillTx/>
+              <a:latin typeface="Calibri" panose="020F0502020204030204"/>
+              <a:ea typeface="+mn-ea"/>
+              <a:cs typeface="+mn-cs"/>
+            </a:endParaRPr>
+          </a:p>
+        </p:txBody>
+      </p:sp>
+      <p:sp>
+        <p:nvSpPr>
+          <p:cNvPr id="20" name="Isosceles Triangle 19">
+            <a:extLst>
+              <a:ext uri="{FF2B5EF4-FFF2-40B4-BE49-F238E27FC236}">
+                <a16:creationId xmlns:a16="http://schemas.microsoft.com/office/drawing/2014/main" id="{3512E083-F550-46AF-8490-767ECFD00CB7}"/>
+              </a:ext>
+              <a:ext uri="{C183D7F6-B498-43B3-948B-1728B52AA6E4}">
+                <adec:decorative xmlns:adec="http://schemas.microsoft.com/office/drawing/2017/decorative" val="1"/>
+              </a:ext>
+            </a:extLst>
+          </p:cNvPr>
+          <p:cNvSpPr>
+            <a:spLocks noGrp="1" noRot="1" noChangeAspect="1" noMove="1" noResize="1" noEditPoints="1" noAdjustHandles="1" noChangeArrowheads="1" noChangeShapeType="1" noTextEdit="1"/>
+          </p:cNvSpPr>
+          <p:nvPr>
+            <p:extLst>
+              <p:ext uri="{386F3935-93C4-4BCD-93E2-E3B085C9AB24}">
+                <p16:designElem xmlns:p16="http://schemas.microsoft.com/office/powerpoint/2015/main" val="1"/>
+              </p:ext>
+            </p:extLst>
+          </p:nvPr>
+        </p:nvSpPr>
+        <p:spPr>
+          <a:xfrm>
+            <a:off x="9167297" y="6453143"/>
+            <a:ext cx="814903" cy="404857"/>
+          </a:xfrm>
+          <a:prstGeom prst="triangle">
+            <a:avLst/>
+          </a:prstGeom>
+          <a:solidFill>
+            <a:schemeClr val="accent1">
+              <a:alpha val="30000"/>
+            </a:schemeClr>
+          </a:solidFill>
+          <a:ln>
+            <a:noFill/>
+          </a:ln>
+        </p:spPr>
+        <p:style>
+          <a:lnRef idx="2">
+            <a:schemeClr val="accent1">
+              <a:shade val="50000"/>
+            </a:schemeClr>
+          </a:lnRef>
+          <a:fillRef idx="1">
+            <a:schemeClr val="accent1"/>
+          </a:fillRef>
+          <a:effectRef idx="0">
+            <a:schemeClr val="accent1"/>
+          </a:effectRef>
+          <a:fontRef idx="minor">
+            <a:schemeClr val="lt1"/>
+          </a:fontRef>
+        </p:style>
+        <p:txBody>
+          <a:bodyPr wrap="square" rtlCol="0" anchor="ctr">
+            <a:noAutofit/>
+          </a:bodyPr>
+          <a:lstStyle/>
+          <a:p>
+            <a:pPr marL="0" marR="0" lvl="0" indent="0" algn="ctr" defTabSz="914400" rtl="0" eaLnBrk="1" fontAlgn="auto" latinLnBrk="0" hangingPunct="1">
+              <a:lnSpc>
+                <a:spcPct val="100000"/>
+              </a:lnSpc>
+              <a:spcBef>
+                <a:spcPts val="0"/>
+              </a:spcBef>
+              <a:spcAft>
+                <a:spcPts val="0"/>
+              </a:spcAft>
+              <a:buClrTx/>
+              <a:buSzTx/>
+              <a:buFontTx/>
+              <a:buNone/>
+              <a:tabLst/>
+              <a:defRPr/>
+            </a:pPr>
+            <a:endParaRPr kumimoji="0" lang="en-US" sz="1800" b="0" i="0" u="none" strike="noStrike" kern="1200" cap="none" spc="0" normalizeH="0" baseline="0" noProof="0" dirty="0">
+              <a:ln>
+                <a:noFill/>
+              </a:ln>
+              <a:solidFill>
+                <a:prstClr val="white"/>
+              </a:solidFill>
+              <a:effectLst/>
+              <a:uLnTx/>
+              <a:uFillTx/>
+              <a:latin typeface="Calibri" panose="020F0502020204030204"/>
+              <a:ea typeface="+mn-ea"/>
+              <a:cs typeface="+mn-cs"/>
+            </a:endParaRPr>
+          </a:p>
+        </p:txBody>
+      </p:sp>
+      <p:sp>
+        <p:nvSpPr>
+          <p:cNvPr id="11" name="Titel 1">
+            <a:extLst>
+              <a:ext uri="{FF2B5EF4-FFF2-40B4-BE49-F238E27FC236}">
+                <a16:creationId xmlns:a16="http://schemas.microsoft.com/office/drawing/2014/main" id="{BE866236-1B82-4FC9-A13D-37764F16A6AD}"/>
+              </a:ext>
+            </a:extLst>
+          </p:cNvPr>
+          <p:cNvSpPr>
+            <a:spLocks noGrp="1"/>
+          </p:cNvSpPr>
+          <p:nvPr>
+            <p:ph type="title"/>
+          </p:nvPr>
+        </p:nvSpPr>
+        <p:spPr>
+          <a:xfrm>
+            <a:off x="838200" y="365125"/>
+            <a:ext cx="10515600" cy="1325563"/>
+          </a:xfrm>
+        </p:spPr>
+        <p:txBody>
+          <a:bodyPr/>
+          <a:lstStyle/>
+          <a:p>
+            <a:r>
+              <a:rPr lang="de-CH" dirty="0"/>
+              <a:t>Was braucht man?</a:t>
+            </a:r>
+          </a:p>
+        </p:txBody>
+      </p:sp>
+      <p:sp>
+        <p:nvSpPr>
+          <p:cNvPr id="13" name="Inhaltsplatzhalter 2">
+            <a:extLst>
+              <a:ext uri="{FF2B5EF4-FFF2-40B4-BE49-F238E27FC236}">
+                <a16:creationId xmlns:a16="http://schemas.microsoft.com/office/drawing/2014/main" id="{1ED00258-D929-4C7B-B333-8DA79611417B}"/>
+              </a:ext>
+            </a:extLst>
+          </p:cNvPr>
+          <p:cNvSpPr>
+            <a:spLocks noGrp="1"/>
+          </p:cNvSpPr>
+          <p:nvPr>
+            <p:ph idx="1"/>
+          </p:nvPr>
+        </p:nvSpPr>
+        <p:spPr>
+          <a:xfrm>
+            <a:off x="838200" y="1825625"/>
+            <a:ext cx="10515600" cy="4351338"/>
+          </a:xfrm>
+        </p:spPr>
+        <p:txBody>
+          <a:bodyPr/>
+          <a:lstStyle/>
+          <a:p>
+            <a:r>
+              <a:rPr lang="de-CH" dirty="0"/>
+              <a:t>Anforderungen:</a:t>
+            </a:r>
+          </a:p>
+          <a:p>
+            <a:pPr lvl="1"/>
+            <a:r>
+              <a:rPr lang="de-CH" dirty="0"/>
+              <a:t>Computer</a:t>
+            </a:r>
+          </a:p>
+          <a:p>
+            <a:pPr lvl="2"/>
+            <a:r>
+              <a:rPr lang="de-CH" dirty="0"/>
+              <a:t>Docker</a:t>
+            </a:r>
+          </a:p>
+          <a:p>
+            <a:pPr lvl="2"/>
+            <a:r>
+              <a:rPr lang="de-CH" dirty="0"/>
+              <a:t>Ruby</a:t>
+            </a:r>
+          </a:p>
+          <a:p>
+            <a:pPr lvl="2"/>
+            <a:r>
+              <a:rPr lang="de-CH" dirty="0"/>
+              <a:t>Angular </a:t>
+            </a:r>
+          </a:p>
+        </p:txBody>
+      </p:sp>
+    </p:spTree>
+    <p:extLst>
+      <p:ext uri="{BB962C8B-B14F-4D97-AF65-F5344CB8AC3E}">
+        <p14:creationId xmlns:p14="http://schemas.microsoft.com/office/powerpoint/2010/main" val="3096262022"/>
+      </p:ext>
+    </p:extLst>
+  </p:cSld>
+  <p:clrMapOvr>
+    <a:masterClrMapping/>
+  </p:clrMapOvr>
+</p:sld>
+</file>
+
+<file path=ppt/slides/slide7.xml><?xml version="1.0" encoding="utf-8"?>
+<p:sld xmlns:a="http://schemas.openxmlformats.org/drawingml/2006/main" xmlns:r="http://schemas.openxmlformats.org/officeDocument/2006/relationships" xmlns:p="http://schemas.openxmlformats.org/presentationml/2006/main">
+  <p:cSld>
+    <p:spTree>
+      <p:nvGrpSpPr>
+        <p:cNvPr id="1" name=""/>
+        <p:cNvGrpSpPr/>
+        <p:nvPr/>
+      </p:nvGrpSpPr>
+      <p:grpSpPr>
+        <a:xfrm>
+          <a:off x="0" y="0"/>
+          <a:ext cx="0" cy="0"/>
+          <a:chOff x="0" y="0"/>
+          <a:chExt cx="0" cy="0"/>
+        </a:xfrm>
+      </p:grpSpPr>
+      <p:sp>
+        <p:nvSpPr>
+          <p:cNvPr id="8" name="Rectangle 7">
+            <a:extLst>
+              <a:ext uri="{FF2B5EF4-FFF2-40B4-BE49-F238E27FC236}">
+                <a16:creationId xmlns:a16="http://schemas.microsoft.com/office/drawing/2014/main" id="{46D6306C-ED4F-4AAE-B4A5-EEA6AFAD726E}"/>
+              </a:ext>
+              <a:ext uri="{C183D7F6-B498-43B3-948B-1728B52AA6E4}">
+                <adec:decorative xmlns:adec="http://schemas.microsoft.com/office/drawing/2017/decorative" val="1"/>
+              </a:ext>
+            </a:extLst>
+          </p:cNvPr>
+          <p:cNvSpPr>
+            <a:spLocks noGrp="1" noRot="1" noChangeAspect="1" noMove="1" noResize="1" noEditPoints="1" noAdjustHandles="1" noChangeArrowheads="1" noChangeShapeType="1" noTextEdit="1"/>
+          </p:cNvSpPr>
+          <p:nvPr>
+            <p:extLst>
+              <p:ext uri="{386F3935-93C4-4BCD-93E2-E3B085C9AB24}">
+                <p16:designElem xmlns:p16="http://schemas.microsoft.com/office/powerpoint/2015/main" val="1"/>
+              </p:ext>
+            </p:extLst>
+          </p:nvPr>
+        </p:nvSpPr>
+        <p:spPr>
+          <a:xfrm>
+            <a:off x="0" y="0"/>
+            <a:ext cx="12192000" cy="6858000"/>
+          </a:xfrm>
+          <a:prstGeom prst="rect">
+            <a:avLst/>
+          </a:prstGeom>
+          <a:solidFill>
+            <a:schemeClr val="bg1"/>
+          </a:solidFill>
+          <a:ln>
+            <a:noFill/>
+          </a:ln>
+        </p:spPr>
+        <p:style>
+          <a:lnRef idx="2">
+            <a:schemeClr val="accent1">
+              <a:shade val="50000"/>
+            </a:schemeClr>
+          </a:lnRef>
+          <a:fillRef idx="1">
+            <a:schemeClr val="accent1"/>
+          </a:fillRef>
+          <a:effectRef idx="0">
+            <a:schemeClr val="accent1"/>
+          </a:effectRef>
+          <a:fontRef idx="minor">
+            <a:schemeClr val="lt1"/>
+          </a:fontRef>
+        </p:style>
+        <p:txBody>
+          <a:bodyPr rtlCol="0" anchor="ctr"/>
+          <a:lstStyle/>
+          <a:p>
+            <a:pPr marL="0" marR="0" lvl="0" indent="0" algn="ctr" defTabSz="914400" rtl="0" eaLnBrk="1" fontAlgn="auto" latinLnBrk="0" hangingPunct="1">
+              <a:lnSpc>
+                <a:spcPct val="100000"/>
+              </a:lnSpc>
+              <a:spcBef>
+                <a:spcPts val="0"/>
+              </a:spcBef>
+              <a:spcAft>
+                <a:spcPts val="0"/>
+              </a:spcAft>
+              <a:buClrTx/>
+              <a:buSzTx/>
+              <a:buFontTx/>
+              <a:buNone/>
+              <a:tabLst/>
+              <a:defRPr/>
+            </a:pPr>
+            <a:endParaRPr kumimoji="0" lang="en-US" sz="1800" b="0" i="0" u="none" strike="noStrike" kern="1200" cap="none" spc="0" normalizeH="0" baseline="0" noProof="0" dirty="0">
+              <a:ln>
+                <a:noFill/>
+              </a:ln>
+              <a:solidFill>
+                <a:prstClr val="white"/>
+              </a:solidFill>
+              <a:effectLst/>
+              <a:uLnTx/>
+              <a:uFillTx/>
+              <a:latin typeface="Calibri" panose="020F0502020204030204"/>
+              <a:ea typeface="+mn-ea"/>
+              <a:cs typeface="+mn-cs"/>
+            </a:endParaRPr>
+          </a:p>
+        </p:txBody>
+      </p:sp>
+      <p:sp>
+        <p:nvSpPr>
+          <p:cNvPr id="10" name="Rectangle 9">
+            <a:extLst>
+              <a:ext uri="{FF2B5EF4-FFF2-40B4-BE49-F238E27FC236}">
+                <a16:creationId xmlns:a16="http://schemas.microsoft.com/office/drawing/2014/main" id="{0EC5361D-F897-4856-B945-0455A365EB24}"/>
+              </a:ext>
+              <a:ext uri="{C183D7F6-B498-43B3-948B-1728B52AA6E4}">
+                <adec:decorative xmlns:adec="http://schemas.microsoft.com/office/drawing/2017/decorative" val="1"/>
+              </a:ext>
+            </a:extLst>
+          </p:cNvPr>
+          <p:cNvSpPr>
+            <a:spLocks noGrp="1" noRot="1" noChangeAspect="1" noMove="1" noResize="1" noEditPoints="1" noAdjustHandles="1" noChangeArrowheads="1" noChangeShapeType="1" noTextEdit="1"/>
+          </p:cNvSpPr>
+          <p:nvPr>
+            <p:extLst>
+              <p:ext uri="{386F3935-93C4-4BCD-93E2-E3B085C9AB24}">
+                <p16:designElem xmlns:p16="http://schemas.microsoft.com/office/powerpoint/2015/main" val="1"/>
+              </p:ext>
+            </p:extLst>
+          </p:nvPr>
+        </p:nvSpPr>
+        <p:spPr>
+          <a:xfrm rot="2700000">
+            <a:off x="415435" y="655140"/>
+            <a:ext cx="687472" cy="687472"/>
+          </a:xfrm>
+          <a:prstGeom prst="rect">
+            <a:avLst/>
+          </a:prstGeom>
+          <a:solidFill>
+            <a:schemeClr val="accent4">
+              <a:alpha val="30000"/>
+            </a:schemeClr>
+          </a:solidFill>
+          <a:ln>
+            <a:noFill/>
+          </a:ln>
+        </p:spPr>
+        <p:style>
+          <a:lnRef idx="2">
+            <a:schemeClr val="accent1">
+              <a:shade val="50000"/>
+            </a:schemeClr>
+          </a:lnRef>
+          <a:fillRef idx="1">
+            <a:schemeClr val="accent1"/>
+          </a:fillRef>
+          <a:effectRef idx="0">
+            <a:schemeClr val="accent1"/>
+          </a:effectRef>
+          <a:fontRef idx="minor">
+            <a:schemeClr val="lt1"/>
+          </a:fontRef>
+        </p:style>
+        <p:txBody>
+          <a:bodyPr rtlCol="0" anchor="ctr"/>
+          <a:lstStyle/>
+          <a:p>
+            <a:pPr marL="0" marR="0" lvl="0" indent="0" algn="ctr" defTabSz="914400" rtl="0" eaLnBrk="1" fontAlgn="auto" latinLnBrk="0" hangingPunct="1">
+              <a:lnSpc>
+                <a:spcPct val="100000"/>
+              </a:lnSpc>
+              <a:spcBef>
+                <a:spcPts val="0"/>
+              </a:spcBef>
+              <a:spcAft>
+                <a:spcPts val="0"/>
+              </a:spcAft>
+              <a:buClrTx/>
+              <a:buSzTx/>
+              <a:buFontTx/>
+              <a:buNone/>
+              <a:tabLst/>
+              <a:defRPr/>
+            </a:pPr>
+            <a:endParaRPr kumimoji="0" lang="en-US" sz="1800" b="0" i="0" u="none" strike="noStrike" kern="1200" cap="none" spc="0" normalizeH="0" baseline="0" noProof="0" dirty="0">
+              <a:ln>
+                <a:noFill/>
+              </a:ln>
+              <a:solidFill>
+                <a:prstClr val="white"/>
+              </a:solidFill>
+              <a:effectLst/>
+              <a:uLnTx/>
+              <a:uFillTx/>
+              <a:latin typeface="Calibri" panose="020F0502020204030204"/>
+              <a:ea typeface="+mn-ea"/>
+              <a:cs typeface="+mn-cs"/>
+            </a:endParaRPr>
+          </a:p>
+        </p:txBody>
+      </p:sp>
+      <p:sp>
+        <p:nvSpPr>
+          <p:cNvPr id="12" name="Freeform: Shape 11">
+            <a:extLst>
+              <a:ext uri="{FF2B5EF4-FFF2-40B4-BE49-F238E27FC236}">
+                <a16:creationId xmlns:a16="http://schemas.microsoft.com/office/drawing/2014/main" id="{4508C0C5-2268-42B5-B3C8-4D0899E05F8C}"/>
+              </a:ext>
+              <a:ext uri="{C183D7F6-B498-43B3-948B-1728B52AA6E4}">
+                <adec:decorative xmlns:adec="http://schemas.microsoft.com/office/drawing/2017/decorative" val="1"/>
+              </a:ext>
+            </a:extLst>
+          </p:cNvPr>
+          <p:cNvSpPr>
+            <a:spLocks noGrp="1" noRot="1" noChangeAspect="1" noMove="1" noResize="1" noEditPoints="1" noAdjustHandles="1" noChangeArrowheads="1" noChangeShapeType="1" noTextEdit="1"/>
+          </p:cNvSpPr>
+          <p:nvPr>
+            <p:extLst>
+              <p:ext uri="{386F3935-93C4-4BCD-93E2-E3B085C9AB24}">
+                <p16:designElem xmlns:p16="http://schemas.microsoft.com/office/powerpoint/2015/main" val="1"/>
+              </p:ext>
+            </p:extLst>
+          </p:nvPr>
+        </p:nvSpPr>
+        <p:spPr>
+          <a:xfrm rot="10800000">
+            <a:off x="0" y="0"/>
+            <a:ext cx="2835357" cy="1480837"/>
+          </a:xfrm>
+          <a:custGeom>
+            <a:avLst/>
+            <a:gdLst>
+              <a:gd name="connsiteX0" fmla="*/ 2835357 w 2835357"/>
+              <a:gd name="connsiteY0" fmla="*/ 1480837 h 1480837"/>
+              <a:gd name="connsiteX1" fmla="*/ 0 w 2835357"/>
+              <a:gd name="connsiteY1" fmla="*/ 1480837 h 1480837"/>
+              <a:gd name="connsiteX2" fmla="*/ 1552727 w 2835357"/>
+              <a:gd name="connsiteY2" fmla="*/ 0 h 1480837"/>
+              <a:gd name="connsiteX3" fmla="*/ 2835357 w 2835357"/>
+              <a:gd name="connsiteY3" fmla="*/ 1223245 h 1480837"/>
+            </a:gdLst>
+            <a:ahLst/>
+            <a:cxnLst>
+              <a:cxn ang="0">
+                <a:pos x="connsiteX0" y="connsiteY0"/>
+              </a:cxn>
+              <a:cxn ang="0">
+                <a:pos x="connsiteX1" y="connsiteY1"/>
+              </a:cxn>
+              <a:cxn ang="0">
+                <a:pos x="connsiteX2" y="connsiteY2"/>
+              </a:cxn>
+              <a:cxn ang="0">
+                <a:pos x="connsiteX3" y="connsiteY3"/>
+              </a:cxn>
+            </a:cxnLst>
+            <a:rect l="l" t="t" r="r" b="b"/>
+            <a:pathLst>
+              <a:path w="2835357" h="1480837">
+                <a:moveTo>
+                  <a:pt x="2835357" y="1480837"/>
+                </a:moveTo>
+                <a:lnTo>
+                  <a:pt x="0" y="1480837"/>
+                </a:lnTo>
+                <a:lnTo>
+                  <a:pt x="1552727" y="0"/>
+                </a:lnTo>
+                <a:lnTo>
+                  <a:pt x="2835357" y="1223245"/>
+                </a:lnTo>
+                <a:close/>
+              </a:path>
+            </a:pathLst>
+          </a:custGeom>
+          <a:solidFill>
+            <a:schemeClr val="accent4">
+              <a:alpha val="30000"/>
+            </a:schemeClr>
+          </a:solidFill>
+          <a:ln>
+            <a:noFill/>
+          </a:ln>
+        </p:spPr>
+        <p:style>
+          <a:lnRef idx="2">
+            <a:schemeClr val="accent1">
+              <a:shade val="50000"/>
+            </a:schemeClr>
+          </a:lnRef>
+          <a:fillRef idx="1">
+            <a:schemeClr val="accent1"/>
+          </a:fillRef>
+          <a:effectRef idx="0">
+            <a:schemeClr val="accent1"/>
+          </a:effectRef>
+          <a:fontRef idx="minor">
+            <a:schemeClr val="lt1"/>
+          </a:fontRef>
+        </p:style>
+        <p:txBody>
+          <a:bodyPr wrap="square" rtlCol="0" anchor="ctr">
+            <a:noAutofit/>
+          </a:bodyPr>
+          <a:lstStyle/>
+          <a:p>
+            <a:pPr marL="0" marR="0" lvl="0" indent="0" algn="ctr" defTabSz="914400" rtl="0" eaLnBrk="1" fontAlgn="auto" latinLnBrk="0" hangingPunct="1">
+              <a:lnSpc>
+                <a:spcPct val="100000"/>
+              </a:lnSpc>
+              <a:spcBef>
+                <a:spcPts val="0"/>
+              </a:spcBef>
+              <a:spcAft>
+                <a:spcPts val="0"/>
+              </a:spcAft>
+              <a:buClrTx/>
+              <a:buSzTx/>
+              <a:buFontTx/>
+              <a:buNone/>
+              <a:tabLst/>
+              <a:defRPr/>
+            </a:pPr>
+            <a:endParaRPr kumimoji="0" lang="en-US" sz="1800" b="0" i="0" u="none" strike="noStrike" kern="1200" cap="none" spc="0" normalizeH="0" baseline="0" noProof="0" dirty="0">
+              <a:ln>
+                <a:noFill/>
+              </a:ln>
+              <a:solidFill>
+                <a:prstClr val="white"/>
+              </a:solidFill>
+              <a:effectLst/>
+              <a:uLnTx/>
+              <a:uFillTx/>
+              <a:latin typeface="Calibri" panose="020F0502020204030204"/>
+              <a:ea typeface="+mn-ea"/>
+              <a:cs typeface="+mn-cs"/>
+            </a:endParaRPr>
+          </a:p>
+        </p:txBody>
+      </p:sp>
+      <p:sp>
+        <p:nvSpPr>
+          <p:cNvPr id="14" name="Freeform: Shape 13">
+            <a:extLst>
+              <a:ext uri="{FF2B5EF4-FFF2-40B4-BE49-F238E27FC236}">
+                <a16:creationId xmlns:a16="http://schemas.microsoft.com/office/drawing/2014/main" id="{141ACBDB-38F8-4B34-8183-BD95B4E55A62}"/>
+              </a:ext>
+              <a:ext uri="{C183D7F6-B498-43B3-948B-1728B52AA6E4}">
+                <adec:decorative xmlns:adec="http://schemas.microsoft.com/office/drawing/2017/decorative" val="1"/>
+              </a:ext>
+            </a:extLst>
+          </p:cNvPr>
+          <p:cNvSpPr>
+            <a:spLocks noGrp="1" noRot="1" noChangeAspect="1" noMove="1" noResize="1" noEditPoints="1" noAdjustHandles="1" noChangeArrowheads="1" noChangeShapeType="1" noTextEdit="1"/>
+          </p:cNvSpPr>
+          <p:nvPr>
+            <p:extLst>
+              <p:ext uri="{386F3935-93C4-4BCD-93E2-E3B085C9AB24}">
+                <p16:designElem xmlns:p16="http://schemas.microsoft.com/office/powerpoint/2015/main" val="1"/>
+              </p:ext>
+            </p:extLst>
+          </p:nvPr>
+        </p:nvSpPr>
+        <p:spPr>
+          <a:xfrm rot="2700000">
+            <a:off x="10739327" y="-253670"/>
+            <a:ext cx="1827638" cy="1376989"/>
+          </a:xfrm>
+          <a:custGeom>
+            <a:avLst/>
+            <a:gdLst>
+              <a:gd name="connsiteX0" fmla="*/ 0 w 1827638"/>
+              <a:gd name="connsiteY0" fmla="*/ 987379 h 1376989"/>
+              <a:gd name="connsiteX1" fmla="*/ 987379 w 1827638"/>
+              <a:gd name="connsiteY1" fmla="*/ 0 h 1376989"/>
+              <a:gd name="connsiteX2" fmla="*/ 1827638 w 1827638"/>
+              <a:gd name="connsiteY2" fmla="*/ 840260 h 1376989"/>
+              <a:gd name="connsiteX3" fmla="*/ 1827638 w 1827638"/>
+              <a:gd name="connsiteY3" fmla="*/ 1376989 h 1376989"/>
+              <a:gd name="connsiteX4" fmla="*/ 0 w 1827638"/>
+              <a:gd name="connsiteY4" fmla="*/ 1376989 h 1376989"/>
+            </a:gdLst>
+            <a:ahLst/>
+            <a:cxnLst>
+              <a:cxn ang="0">
+                <a:pos x="connsiteX0" y="connsiteY0"/>
+              </a:cxn>
+              <a:cxn ang="0">
+                <a:pos x="connsiteX1" y="connsiteY1"/>
+              </a:cxn>
+              <a:cxn ang="0">
+                <a:pos x="connsiteX2" y="connsiteY2"/>
+              </a:cxn>
+              <a:cxn ang="0">
+                <a:pos x="connsiteX3" y="connsiteY3"/>
+              </a:cxn>
+              <a:cxn ang="0">
+                <a:pos x="connsiteX4" y="connsiteY4"/>
+              </a:cxn>
+            </a:cxnLst>
+            <a:rect l="l" t="t" r="r" b="b"/>
+            <a:pathLst>
+              <a:path w="1827638" h="1376989">
+                <a:moveTo>
+                  <a:pt x="0" y="987379"/>
+                </a:moveTo>
+                <a:lnTo>
+                  <a:pt x="987379" y="0"/>
+                </a:lnTo>
+                <a:lnTo>
+                  <a:pt x="1827638" y="840260"/>
+                </a:lnTo>
+                <a:lnTo>
+                  <a:pt x="1827638" y="1376989"/>
+                </a:lnTo>
+                <a:lnTo>
+                  <a:pt x="0" y="1376989"/>
+                </a:lnTo>
+                <a:close/>
+              </a:path>
+            </a:pathLst>
+          </a:custGeom>
+          <a:solidFill>
+            <a:schemeClr val="accent1">
+              <a:alpha val="30000"/>
+            </a:schemeClr>
+          </a:solidFill>
+          <a:ln>
+            <a:noFill/>
+          </a:ln>
+        </p:spPr>
+        <p:style>
+          <a:lnRef idx="2">
+            <a:schemeClr val="accent1">
+              <a:shade val="50000"/>
+            </a:schemeClr>
+          </a:lnRef>
+          <a:fillRef idx="1">
+            <a:schemeClr val="accent1"/>
+          </a:fillRef>
+          <a:effectRef idx="0">
+            <a:schemeClr val="accent1"/>
+          </a:effectRef>
+          <a:fontRef idx="minor">
+            <a:schemeClr val="lt1"/>
+          </a:fontRef>
+        </p:style>
+        <p:txBody>
+          <a:bodyPr wrap="square" rtlCol="0" anchor="ctr">
+            <a:noAutofit/>
+          </a:bodyPr>
+          <a:lstStyle/>
+          <a:p>
+            <a:pPr marL="0" marR="0" lvl="0" indent="0" algn="ctr" defTabSz="914400" rtl="0" eaLnBrk="1" fontAlgn="auto" latinLnBrk="0" hangingPunct="1">
+              <a:lnSpc>
+                <a:spcPct val="100000"/>
+              </a:lnSpc>
+              <a:spcBef>
+                <a:spcPts val="0"/>
+              </a:spcBef>
+              <a:spcAft>
+                <a:spcPts val="0"/>
+              </a:spcAft>
+              <a:buClrTx/>
+              <a:buSzTx/>
+              <a:buFontTx/>
+              <a:buNone/>
+              <a:tabLst/>
+              <a:defRPr/>
+            </a:pPr>
+            <a:endParaRPr kumimoji="0" lang="en-US" sz="1800" b="0" i="0" u="none" strike="noStrike" kern="1200" cap="none" spc="0" normalizeH="0" baseline="0" noProof="0" dirty="0">
+              <a:ln>
+                <a:noFill/>
+              </a:ln>
+              <a:solidFill>
+                <a:prstClr val="white"/>
+              </a:solidFill>
+              <a:effectLst/>
+              <a:uLnTx/>
+              <a:uFillTx/>
+              <a:latin typeface="Calibri" panose="020F0502020204030204"/>
+              <a:ea typeface="+mn-ea"/>
+              <a:cs typeface="+mn-cs"/>
+            </a:endParaRPr>
+          </a:p>
+        </p:txBody>
+      </p:sp>
+      <p:sp>
+        <p:nvSpPr>
+          <p:cNvPr id="16" name="Rectangle 15">
+            <a:extLst>
+              <a:ext uri="{FF2B5EF4-FFF2-40B4-BE49-F238E27FC236}">
+                <a16:creationId xmlns:a16="http://schemas.microsoft.com/office/drawing/2014/main" id="{DE00DB52-3455-4E2F-867B-A6D0516E175B}"/>
+              </a:ext>
+              <a:ext uri="{C183D7F6-B498-43B3-948B-1728B52AA6E4}">
+                <adec:decorative xmlns:adec="http://schemas.microsoft.com/office/drawing/2017/decorative" val="1"/>
+              </a:ext>
+            </a:extLst>
+          </p:cNvPr>
+          <p:cNvSpPr>
+            <a:spLocks noGrp="1" noRot="1" noChangeAspect="1" noMove="1" noResize="1" noEditPoints="1" noAdjustHandles="1" noChangeArrowheads="1" noChangeShapeType="1" noTextEdit="1"/>
+          </p:cNvSpPr>
+          <p:nvPr>
+            <p:extLst>
+              <p:ext uri="{386F3935-93C4-4BCD-93E2-E3B085C9AB24}">
+                <p16:designElem xmlns:p16="http://schemas.microsoft.com/office/powerpoint/2015/main" val="1"/>
+              </p:ext>
+            </p:extLst>
+          </p:nvPr>
+        </p:nvSpPr>
+        <p:spPr>
+          <a:xfrm rot="2700000">
+            <a:off x="10653800" y="422146"/>
+            <a:ext cx="645368" cy="645368"/>
+          </a:xfrm>
+          <a:prstGeom prst="rect">
+            <a:avLst/>
+          </a:prstGeom>
+          <a:solidFill>
+            <a:schemeClr val="accent1">
+              <a:alpha val="30000"/>
+            </a:schemeClr>
+          </a:solidFill>
+          <a:ln>
+            <a:noFill/>
+          </a:ln>
+        </p:spPr>
+        <p:style>
+          <a:lnRef idx="2">
+            <a:schemeClr val="accent1">
+              <a:shade val="50000"/>
+            </a:schemeClr>
+          </a:lnRef>
+          <a:fillRef idx="1">
+            <a:schemeClr val="accent1"/>
+          </a:fillRef>
+          <a:effectRef idx="0">
+            <a:schemeClr val="accent1"/>
+          </a:effectRef>
+          <a:fontRef idx="minor">
+            <a:schemeClr val="lt1"/>
+          </a:fontRef>
+        </p:style>
+        <p:txBody>
+          <a:bodyPr wrap="square" rtlCol="0" anchor="ctr">
+            <a:noAutofit/>
+          </a:bodyPr>
+          <a:lstStyle/>
+          <a:p>
+            <a:pPr marL="0" marR="0" lvl="0" indent="0" algn="ctr" defTabSz="914400" rtl="0" eaLnBrk="1" fontAlgn="auto" latinLnBrk="0" hangingPunct="1">
+              <a:lnSpc>
+                <a:spcPct val="100000"/>
+              </a:lnSpc>
+              <a:spcBef>
+                <a:spcPts val="0"/>
+              </a:spcBef>
+              <a:spcAft>
+                <a:spcPts val="0"/>
+              </a:spcAft>
+              <a:buClrTx/>
+              <a:buSzTx/>
+              <a:buFontTx/>
+              <a:buNone/>
+              <a:tabLst/>
+              <a:defRPr/>
+            </a:pPr>
+            <a:endParaRPr kumimoji="0" lang="en-US" sz="1800" b="0" i="0" u="none" strike="noStrike" kern="1200" cap="none" spc="0" normalizeH="0" baseline="0" noProof="0" dirty="0">
+              <a:ln>
+                <a:noFill/>
+              </a:ln>
+              <a:solidFill>
+                <a:prstClr val="white"/>
+              </a:solidFill>
+              <a:effectLst/>
+              <a:uLnTx/>
+              <a:uFillTx/>
+              <a:latin typeface="Calibri" panose="020F0502020204030204"/>
+              <a:ea typeface="+mn-ea"/>
+              <a:cs typeface="+mn-cs"/>
+            </a:endParaRPr>
+          </a:p>
+        </p:txBody>
+      </p:sp>
+      <p:sp>
+        <p:nvSpPr>
+          <p:cNvPr id="18" name="Isosceles Triangle 17">
+            <a:extLst>
+              <a:ext uri="{FF2B5EF4-FFF2-40B4-BE49-F238E27FC236}">
+                <a16:creationId xmlns:a16="http://schemas.microsoft.com/office/drawing/2014/main" id="{9E914C83-E0D8-4953-92D5-169D28CB43AE}"/>
+              </a:ext>
+              <a:ext uri="{C183D7F6-B498-43B3-948B-1728B52AA6E4}">
+                <adec:decorative xmlns:adec="http://schemas.microsoft.com/office/drawing/2017/decorative" val="1"/>
+              </a:ext>
+            </a:extLst>
+          </p:cNvPr>
+          <p:cNvSpPr>
+            <a:spLocks noGrp="1" noRot="1" noChangeAspect="1" noMove="1" noResize="1" noEditPoints="1" noAdjustHandles="1" noChangeArrowheads="1" noChangeShapeType="1" noTextEdit="1"/>
+          </p:cNvSpPr>
+          <p:nvPr>
+            <p:extLst>
+              <p:ext uri="{386F3935-93C4-4BCD-93E2-E3B085C9AB24}">
+                <p16:designElem xmlns:p16="http://schemas.microsoft.com/office/powerpoint/2015/main" val="1"/>
+              </p:ext>
+            </p:extLst>
+          </p:nvPr>
+        </p:nvSpPr>
+        <p:spPr>
+          <a:xfrm>
+            <a:off x="8115423" y="6115501"/>
+            <a:ext cx="1494513" cy="742499"/>
+          </a:xfrm>
+          <a:prstGeom prst="triangle">
+            <a:avLst/>
+          </a:prstGeom>
+          <a:solidFill>
+            <a:schemeClr val="accent1">
+              <a:alpha val="30000"/>
+            </a:schemeClr>
+          </a:solidFill>
+          <a:ln>
+            <a:noFill/>
+          </a:ln>
+        </p:spPr>
+        <p:style>
+          <a:lnRef idx="2">
+            <a:schemeClr val="accent1">
+              <a:shade val="50000"/>
+            </a:schemeClr>
+          </a:lnRef>
+          <a:fillRef idx="1">
+            <a:schemeClr val="accent1"/>
+          </a:fillRef>
+          <a:effectRef idx="0">
+            <a:schemeClr val="accent1"/>
+          </a:effectRef>
+          <a:fontRef idx="minor">
+            <a:schemeClr val="lt1"/>
+          </a:fontRef>
+        </p:style>
+        <p:txBody>
+          <a:bodyPr wrap="square" rtlCol="0" anchor="ctr">
+            <a:noAutofit/>
+          </a:bodyPr>
+          <a:lstStyle/>
+          <a:p>
+            <a:pPr marL="0" marR="0" lvl="0" indent="0" algn="ctr" defTabSz="914400" rtl="0" eaLnBrk="1" fontAlgn="auto" latinLnBrk="0" hangingPunct="1">
+              <a:lnSpc>
+                <a:spcPct val="100000"/>
+              </a:lnSpc>
+              <a:spcBef>
+                <a:spcPts val="0"/>
+              </a:spcBef>
+              <a:spcAft>
+                <a:spcPts val="0"/>
+              </a:spcAft>
+              <a:buClrTx/>
+              <a:buSzTx/>
+              <a:buFontTx/>
+              <a:buNone/>
+              <a:tabLst/>
+              <a:defRPr/>
+            </a:pPr>
+            <a:endParaRPr kumimoji="0" lang="en-US" sz="1800" b="0" i="0" u="none" strike="noStrike" kern="1200" cap="none" spc="0" normalizeH="0" baseline="0" noProof="0" dirty="0">
+              <a:ln>
+                <a:noFill/>
+              </a:ln>
+              <a:solidFill>
+                <a:prstClr val="white"/>
+              </a:solidFill>
+              <a:effectLst/>
+              <a:uLnTx/>
+              <a:uFillTx/>
+              <a:latin typeface="Calibri" panose="020F0502020204030204"/>
+              <a:ea typeface="+mn-ea"/>
+              <a:cs typeface="+mn-cs"/>
+            </a:endParaRPr>
+          </a:p>
+        </p:txBody>
+      </p:sp>
+      <p:sp>
+        <p:nvSpPr>
+          <p:cNvPr id="20" name="Isosceles Triangle 19">
+            <a:extLst>
+              <a:ext uri="{FF2B5EF4-FFF2-40B4-BE49-F238E27FC236}">
+                <a16:creationId xmlns:a16="http://schemas.microsoft.com/office/drawing/2014/main" id="{3512E083-F550-46AF-8490-767ECFD00CB7}"/>
+              </a:ext>
+              <a:ext uri="{C183D7F6-B498-43B3-948B-1728B52AA6E4}">
+                <adec:decorative xmlns:adec="http://schemas.microsoft.com/office/drawing/2017/decorative" val="1"/>
+              </a:ext>
+            </a:extLst>
+          </p:cNvPr>
+          <p:cNvSpPr>
+            <a:spLocks noGrp="1" noRot="1" noChangeAspect="1" noMove="1" noResize="1" noEditPoints="1" noAdjustHandles="1" noChangeArrowheads="1" noChangeShapeType="1" noTextEdit="1"/>
+          </p:cNvSpPr>
+          <p:nvPr>
+            <p:extLst>
+              <p:ext uri="{386F3935-93C4-4BCD-93E2-E3B085C9AB24}">
+                <p16:designElem xmlns:p16="http://schemas.microsoft.com/office/powerpoint/2015/main" val="1"/>
+              </p:ext>
+            </p:extLst>
+          </p:nvPr>
+        </p:nvSpPr>
+        <p:spPr>
+          <a:xfrm>
+            <a:off x="9167297" y="6453143"/>
+            <a:ext cx="814903" cy="404857"/>
+          </a:xfrm>
+          <a:prstGeom prst="triangle">
+            <a:avLst/>
+          </a:prstGeom>
+          <a:solidFill>
+            <a:schemeClr val="accent1">
+              <a:alpha val="30000"/>
+            </a:schemeClr>
+          </a:solidFill>
+          <a:ln>
+            <a:noFill/>
+          </a:ln>
+        </p:spPr>
+        <p:style>
+          <a:lnRef idx="2">
+            <a:schemeClr val="accent1">
+              <a:shade val="50000"/>
+            </a:schemeClr>
+          </a:lnRef>
+          <a:fillRef idx="1">
+            <a:schemeClr val="accent1"/>
+          </a:fillRef>
+          <a:effectRef idx="0">
+            <a:schemeClr val="accent1"/>
+          </a:effectRef>
+          <a:fontRef idx="minor">
+            <a:schemeClr val="lt1"/>
+          </a:fontRef>
+        </p:style>
+        <p:txBody>
+          <a:bodyPr wrap="square" rtlCol="0" anchor="ctr">
+            <a:noAutofit/>
+          </a:bodyPr>
+          <a:lstStyle/>
+          <a:p>
+            <a:pPr marL="0" marR="0" lvl="0" indent="0" algn="ctr" defTabSz="914400" rtl="0" eaLnBrk="1" fontAlgn="auto" latinLnBrk="0" hangingPunct="1">
+              <a:lnSpc>
+                <a:spcPct val="100000"/>
+              </a:lnSpc>
+              <a:spcBef>
+                <a:spcPts val="0"/>
+              </a:spcBef>
+              <a:spcAft>
+                <a:spcPts val="0"/>
+              </a:spcAft>
+              <a:buClrTx/>
+              <a:buSzTx/>
+              <a:buFontTx/>
+              <a:buNone/>
+              <a:tabLst/>
+              <a:defRPr/>
+            </a:pPr>
+            <a:endParaRPr kumimoji="0" lang="en-US" sz="1800" b="0" i="0" u="none" strike="noStrike" kern="1200" cap="none" spc="0" normalizeH="0" baseline="0" noProof="0" dirty="0">
+              <a:ln>
+                <a:noFill/>
+              </a:ln>
+              <a:solidFill>
+                <a:prstClr val="white"/>
+              </a:solidFill>
+              <a:effectLst/>
+              <a:uLnTx/>
+              <a:uFillTx/>
+              <a:latin typeface="Calibri" panose="020F0502020204030204"/>
+              <a:ea typeface="+mn-ea"/>
+              <a:cs typeface="+mn-cs"/>
+            </a:endParaRPr>
+          </a:p>
+        </p:txBody>
+      </p:sp>
+      <p:sp>
+        <p:nvSpPr>
+          <p:cNvPr id="11" name="Inhaltsplatzhalter 2">
+            <a:extLst>
+              <a:ext uri="{FF2B5EF4-FFF2-40B4-BE49-F238E27FC236}">
+                <a16:creationId xmlns:a16="http://schemas.microsoft.com/office/drawing/2014/main" id="{70FC9368-72F9-438F-A51C-C909C056EF8D}"/>
+              </a:ext>
+            </a:extLst>
+          </p:cNvPr>
+          <p:cNvSpPr>
+            <a:spLocks noGrp="1"/>
+          </p:cNvSpPr>
+          <p:nvPr>
+            <p:ph idx="1"/>
+          </p:nvPr>
+        </p:nvSpPr>
+        <p:spPr>
+          <a:xfrm>
+            <a:off x="838200" y="1825625"/>
+            <a:ext cx="10515600" cy="4351338"/>
+          </a:xfrm>
+        </p:spPr>
+        <p:txBody>
+          <a:bodyPr/>
+          <a:lstStyle/>
+          <a:p>
+            <a:r>
+              <a:rPr lang="de-CH" dirty="0"/>
+              <a:t>Login</a:t>
+            </a:r>
+          </a:p>
+          <a:p>
+            <a:r>
+              <a:rPr lang="de-CH" dirty="0"/>
+              <a:t>Teams </a:t>
+            </a:r>
+          </a:p>
+          <a:p>
+            <a:r>
+              <a:rPr lang="de-CH" dirty="0"/>
+              <a:t>Passwort Stärke</a:t>
+            </a:r>
+          </a:p>
+          <a:p>
+            <a:r>
+              <a:rPr lang="de-CH" dirty="0"/>
+              <a:t>Sortieren von den Usern </a:t>
+            </a:r>
+          </a:p>
+        </p:txBody>
+      </p:sp>
+      <p:sp>
+        <p:nvSpPr>
+          <p:cNvPr id="15" name="Titel 1">
+            <a:extLst>
+              <a:ext uri="{FF2B5EF4-FFF2-40B4-BE49-F238E27FC236}">
+                <a16:creationId xmlns:a16="http://schemas.microsoft.com/office/drawing/2014/main" id="{FF89AD9F-E6B1-4182-8E88-8C7600983687}"/>
+              </a:ext>
+            </a:extLst>
+          </p:cNvPr>
+          <p:cNvSpPr>
+            <a:spLocks noGrp="1"/>
+          </p:cNvSpPr>
+          <p:nvPr>
+            <p:ph type="title"/>
+          </p:nvPr>
+        </p:nvSpPr>
+        <p:spPr>
+          <a:xfrm>
+            <a:off x="838200" y="365125"/>
+            <a:ext cx="10515600" cy="1325563"/>
+          </a:xfrm>
+        </p:spPr>
+        <p:txBody>
+          <a:bodyPr/>
+          <a:lstStyle/>
+          <a:p>
+            <a:pPr algn="ctr"/>
+            <a:r>
               <a:rPr lang="de-CH" dirty="0"/>
               <a:t>Demo </a:t>
             </a:r>
@@ -8753,6 +12244,1686 @@
     <p:extLst>
       <p:ext uri="{BB962C8B-B14F-4D97-AF65-F5344CB8AC3E}">
         <p14:creationId xmlns:p14="http://schemas.microsoft.com/office/powerpoint/2010/main" val="822020863"/>
+      </p:ext>
+    </p:extLst>
+  </p:cSld>
+  <p:clrMapOvr>
+    <a:masterClrMapping/>
+  </p:clrMapOvr>
+</p:sld>
+</file>
+
+<file path=ppt/slides/slide8.xml><?xml version="1.0" encoding="utf-8"?>
+<p:sld xmlns:a="http://schemas.openxmlformats.org/drawingml/2006/main" xmlns:r="http://schemas.openxmlformats.org/officeDocument/2006/relationships" xmlns:p="http://schemas.openxmlformats.org/presentationml/2006/main">
+  <p:cSld>
+    <p:spTree>
+      <p:nvGrpSpPr>
+        <p:cNvPr id="1" name=""/>
+        <p:cNvGrpSpPr/>
+        <p:nvPr/>
+      </p:nvGrpSpPr>
+      <p:grpSpPr>
+        <a:xfrm>
+          <a:off x="0" y="0"/>
+          <a:ext cx="0" cy="0"/>
+          <a:chOff x="0" y="0"/>
+          <a:chExt cx="0" cy="0"/>
+        </a:xfrm>
+      </p:grpSpPr>
+      <p:sp>
+        <p:nvSpPr>
+          <p:cNvPr id="8" name="Rectangle 7">
+            <a:extLst>
+              <a:ext uri="{FF2B5EF4-FFF2-40B4-BE49-F238E27FC236}">
+                <a16:creationId xmlns:a16="http://schemas.microsoft.com/office/drawing/2014/main" id="{46D6306C-ED4F-4AAE-B4A5-EEA6AFAD726E}"/>
+              </a:ext>
+              <a:ext uri="{C183D7F6-B498-43B3-948B-1728B52AA6E4}">
+                <adec:decorative xmlns:adec="http://schemas.microsoft.com/office/drawing/2017/decorative" val="1"/>
+              </a:ext>
+            </a:extLst>
+          </p:cNvPr>
+          <p:cNvSpPr>
+            <a:spLocks noGrp="1" noRot="1" noChangeAspect="1" noMove="1" noResize="1" noEditPoints="1" noAdjustHandles="1" noChangeArrowheads="1" noChangeShapeType="1" noTextEdit="1"/>
+          </p:cNvSpPr>
+          <p:nvPr>
+            <p:extLst>
+              <p:ext uri="{386F3935-93C4-4BCD-93E2-E3B085C9AB24}">
+                <p16:designElem xmlns:p16="http://schemas.microsoft.com/office/powerpoint/2015/main" val="1"/>
+              </p:ext>
+            </p:extLst>
+          </p:nvPr>
+        </p:nvSpPr>
+        <p:spPr>
+          <a:xfrm>
+            <a:off x="0" y="0"/>
+            <a:ext cx="12192000" cy="6858000"/>
+          </a:xfrm>
+          <a:prstGeom prst="rect">
+            <a:avLst/>
+          </a:prstGeom>
+          <a:solidFill>
+            <a:schemeClr val="bg1"/>
+          </a:solidFill>
+          <a:ln>
+            <a:noFill/>
+          </a:ln>
+        </p:spPr>
+        <p:style>
+          <a:lnRef idx="2">
+            <a:schemeClr val="accent1">
+              <a:shade val="50000"/>
+            </a:schemeClr>
+          </a:lnRef>
+          <a:fillRef idx="1">
+            <a:schemeClr val="accent1"/>
+          </a:fillRef>
+          <a:effectRef idx="0">
+            <a:schemeClr val="accent1"/>
+          </a:effectRef>
+          <a:fontRef idx="minor">
+            <a:schemeClr val="lt1"/>
+          </a:fontRef>
+        </p:style>
+        <p:txBody>
+          <a:bodyPr rtlCol="0" anchor="ctr"/>
+          <a:lstStyle/>
+          <a:p>
+            <a:pPr marL="0" marR="0" lvl="0" indent="0" algn="ctr" defTabSz="914400" rtl="0" eaLnBrk="1" fontAlgn="auto" latinLnBrk="0" hangingPunct="1">
+              <a:lnSpc>
+                <a:spcPct val="100000"/>
+              </a:lnSpc>
+              <a:spcBef>
+                <a:spcPts val="0"/>
+              </a:spcBef>
+              <a:spcAft>
+                <a:spcPts val="0"/>
+              </a:spcAft>
+              <a:buClrTx/>
+              <a:buSzTx/>
+              <a:buFontTx/>
+              <a:buNone/>
+              <a:tabLst/>
+              <a:defRPr/>
+            </a:pPr>
+            <a:endParaRPr kumimoji="0" lang="en-US" sz="1800" b="0" i="0" u="none" strike="noStrike" kern="1200" cap="none" spc="0" normalizeH="0" baseline="0" noProof="0" dirty="0">
+              <a:ln>
+                <a:noFill/>
+              </a:ln>
+              <a:solidFill>
+                <a:prstClr val="white"/>
+              </a:solidFill>
+              <a:effectLst/>
+              <a:uLnTx/>
+              <a:uFillTx/>
+              <a:latin typeface="Calibri" panose="020F0502020204030204"/>
+              <a:ea typeface="+mn-ea"/>
+              <a:cs typeface="+mn-cs"/>
+            </a:endParaRPr>
+          </a:p>
+        </p:txBody>
+      </p:sp>
+      <p:sp>
+        <p:nvSpPr>
+          <p:cNvPr id="10" name="Rectangle 9">
+            <a:extLst>
+              <a:ext uri="{FF2B5EF4-FFF2-40B4-BE49-F238E27FC236}">
+                <a16:creationId xmlns:a16="http://schemas.microsoft.com/office/drawing/2014/main" id="{0EC5361D-F897-4856-B945-0455A365EB24}"/>
+              </a:ext>
+              <a:ext uri="{C183D7F6-B498-43B3-948B-1728B52AA6E4}">
+                <adec:decorative xmlns:adec="http://schemas.microsoft.com/office/drawing/2017/decorative" val="1"/>
+              </a:ext>
+            </a:extLst>
+          </p:cNvPr>
+          <p:cNvSpPr>
+            <a:spLocks noGrp="1" noRot="1" noChangeAspect="1" noMove="1" noResize="1" noEditPoints="1" noAdjustHandles="1" noChangeArrowheads="1" noChangeShapeType="1" noTextEdit="1"/>
+          </p:cNvSpPr>
+          <p:nvPr>
+            <p:extLst>
+              <p:ext uri="{386F3935-93C4-4BCD-93E2-E3B085C9AB24}">
+                <p16:designElem xmlns:p16="http://schemas.microsoft.com/office/powerpoint/2015/main" val="1"/>
+              </p:ext>
+            </p:extLst>
+          </p:nvPr>
+        </p:nvSpPr>
+        <p:spPr>
+          <a:xfrm rot="2700000">
+            <a:off x="415435" y="655140"/>
+            <a:ext cx="687472" cy="687472"/>
+          </a:xfrm>
+          <a:prstGeom prst="rect">
+            <a:avLst/>
+          </a:prstGeom>
+          <a:solidFill>
+            <a:schemeClr val="accent4">
+              <a:alpha val="30000"/>
+            </a:schemeClr>
+          </a:solidFill>
+          <a:ln>
+            <a:noFill/>
+          </a:ln>
+        </p:spPr>
+        <p:style>
+          <a:lnRef idx="2">
+            <a:schemeClr val="accent1">
+              <a:shade val="50000"/>
+            </a:schemeClr>
+          </a:lnRef>
+          <a:fillRef idx="1">
+            <a:schemeClr val="accent1"/>
+          </a:fillRef>
+          <a:effectRef idx="0">
+            <a:schemeClr val="accent1"/>
+          </a:effectRef>
+          <a:fontRef idx="minor">
+            <a:schemeClr val="lt1"/>
+          </a:fontRef>
+        </p:style>
+        <p:txBody>
+          <a:bodyPr rtlCol="0" anchor="ctr"/>
+          <a:lstStyle/>
+          <a:p>
+            <a:pPr marL="0" marR="0" lvl="0" indent="0" algn="ctr" defTabSz="914400" rtl="0" eaLnBrk="1" fontAlgn="auto" latinLnBrk="0" hangingPunct="1">
+              <a:lnSpc>
+                <a:spcPct val="100000"/>
+              </a:lnSpc>
+              <a:spcBef>
+                <a:spcPts val="0"/>
+              </a:spcBef>
+              <a:spcAft>
+                <a:spcPts val="0"/>
+              </a:spcAft>
+              <a:buClrTx/>
+              <a:buSzTx/>
+              <a:buFontTx/>
+              <a:buNone/>
+              <a:tabLst/>
+              <a:defRPr/>
+            </a:pPr>
+            <a:endParaRPr kumimoji="0" lang="en-US" sz="1800" b="0" i="0" u="none" strike="noStrike" kern="1200" cap="none" spc="0" normalizeH="0" baseline="0" noProof="0" dirty="0">
+              <a:ln>
+                <a:noFill/>
+              </a:ln>
+              <a:solidFill>
+                <a:prstClr val="white"/>
+              </a:solidFill>
+              <a:effectLst/>
+              <a:uLnTx/>
+              <a:uFillTx/>
+              <a:latin typeface="Calibri" panose="020F0502020204030204"/>
+              <a:ea typeface="+mn-ea"/>
+              <a:cs typeface="+mn-cs"/>
+            </a:endParaRPr>
+          </a:p>
+        </p:txBody>
+      </p:sp>
+      <p:sp>
+        <p:nvSpPr>
+          <p:cNvPr id="12" name="Freeform: Shape 11">
+            <a:extLst>
+              <a:ext uri="{FF2B5EF4-FFF2-40B4-BE49-F238E27FC236}">
+                <a16:creationId xmlns:a16="http://schemas.microsoft.com/office/drawing/2014/main" id="{4508C0C5-2268-42B5-B3C8-4D0899E05F8C}"/>
+              </a:ext>
+              <a:ext uri="{C183D7F6-B498-43B3-948B-1728B52AA6E4}">
+                <adec:decorative xmlns:adec="http://schemas.microsoft.com/office/drawing/2017/decorative" val="1"/>
+              </a:ext>
+            </a:extLst>
+          </p:cNvPr>
+          <p:cNvSpPr>
+            <a:spLocks noGrp="1" noRot="1" noChangeAspect="1" noMove="1" noResize="1" noEditPoints="1" noAdjustHandles="1" noChangeArrowheads="1" noChangeShapeType="1" noTextEdit="1"/>
+          </p:cNvSpPr>
+          <p:nvPr>
+            <p:extLst>
+              <p:ext uri="{386F3935-93C4-4BCD-93E2-E3B085C9AB24}">
+                <p16:designElem xmlns:p16="http://schemas.microsoft.com/office/powerpoint/2015/main" val="1"/>
+              </p:ext>
+            </p:extLst>
+          </p:nvPr>
+        </p:nvSpPr>
+        <p:spPr>
+          <a:xfrm rot="10800000">
+            <a:off x="0" y="0"/>
+            <a:ext cx="2835357" cy="1480837"/>
+          </a:xfrm>
+          <a:custGeom>
+            <a:avLst/>
+            <a:gdLst>
+              <a:gd name="connsiteX0" fmla="*/ 2835357 w 2835357"/>
+              <a:gd name="connsiteY0" fmla="*/ 1480837 h 1480837"/>
+              <a:gd name="connsiteX1" fmla="*/ 0 w 2835357"/>
+              <a:gd name="connsiteY1" fmla="*/ 1480837 h 1480837"/>
+              <a:gd name="connsiteX2" fmla="*/ 1552727 w 2835357"/>
+              <a:gd name="connsiteY2" fmla="*/ 0 h 1480837"/>
+              <a:gd name="connsiteX3" fmla="*/ 2835357 w 2835357"/>
+              <a:gd name="connsiteY3" fmla="*/ 1223245 h 1480837"/>
+            </a:gdLst>
+            <a:ahLst/>
+            <a:cxnLst>
+              <a:cxn ang="0">
+                <a:pos x="connsiteX0" y="connsiteY0"/>
+              </a:cxn>
+              <a:cxn ang="0">
+                <a:pos x="connsiteX1" y="connsiteY1"/>
+              </a:cxn>
+              <a:cxn ang="0">
+                <a:pos x="connsiteX2" y="connsiteY2"/>
+              </a:cxn>
+              <a:cxn ang="0">
+                <a:pos x="connsiteX3" y="connsiteY3"/>
+              </a:cxn>
+            </a:cxnLst>
+            <a:rect l="l" t="t" r="r" b="b"/>
+            <a:pathLst>
+              <a:path w="2835357" h="1480837">
+                <a:moveTo>
+                  <a:pt x="2835357" y="1480837"/>
+                </a:moveTo>
+                <a:lnTo>
+                  <a:pt x="0" y="1480837"/>
+                </a:lnTo>
+                <a:lnTo>
+                  <a:pt x="1552727" y="0"/>
+                </a:lnTo>
+                <a:lnTo>
+                  <a:pt x="2835357" y="1223245"/>
+                </a:lnTo>
+                <a:close/>
+              </a:path>
+            </a:pathLst>
+          </a:custGeom>
+          <a:solidFill>
+            <a:schemeClr val="accent4">
+              <a:alpha val="30000"/>
+            </a:schemeClr>
+          </a:solidFill>
+          <a:ln>
+            <a:noFill/>
+          </a:ln>
+        </p:spPr>
+        <p:style>
+          <a:lnRef idx="2">
+            <a:schemeClr val="accent1">
+              <a:shade val="50000"/>
+            </a:schemeClr>
+          </a:lnRef>
+          <a:fillRef idx="1">
+            <a:schemeClr val="accent1"/>
+          </a:fillRef>
+          <a:effectRef idx="0">
+            <a:schemeClr val="accent1"/>
+          </a:effectRef>
+          <a:fontRef idx="minor">
+            <a:schemeClr val="lt1"/>
+          </a:fontRef>
+        </p:style>
+        <p:txBody>
+          <a:bodyPr wrap="square" rtlCol="0" anchor="ctr">
+            <a:noAutofit/>
+          </a:bodyPr>
+          <a:lstStyle/>
+          <a:p>
+            <a:pPr marL="0" marR="0" lvl="0" indent="0" algn="ctr" defTabSz="914400" rtl="0" eaLnBrk="1" fontAlgn="auto" latinLnBrk="0" hangingPunct="1">
+              <a:lnSpc>
+                <a:spcPct val="100000"/>
+              </a:lnSpc>
+              <a:spcBef>
+                <a:spcPts val="0"/>
+              </a:spcBef>
+              <a:spcAft>
+                <a:spcPts val="0"/>
+              </a:spcAft>
+              <a:buClrTx/>
+              <a:buSzTx/>
+              <a:buFontTx/>
+              <a:buNone/>
+              <a:tabLst/>
+              <a:defRPr/>
+            </a:pPr>
+            <a:endParaRPr kumimoji="0" lang="en-US" sz="1800" b="0" i="0" u="none" strike="noStrike" kern="1200" cap="none" spc="0" normalizeH="0" baseline="0" noProof="0" dirty="0">
+              <a:ln>
+                <a:noFill/>
+              </a:ln>
+              <a:solidFill>
+                <a:prstClr val="white"/>
+              </a:solidFill>
+              <a:effectLst/>
+              <a:uLnTx/>
+              <a:uFillTx/>
+              <a:latin typeface="Calibri" panose="020F0502020204030204"/>
+              <a:ea typeface="+mn-ea"/>
+              <a:cs typeface="+mn-cs"/>
+            </a:endParaRPr>
+          </a:p>
+        </p:txBody>
+      </p:sp>
+      <p:sp>
+        <p:nvSpPr>
+          <p:cNvPr id="14" name="Freeform: Shape 13">
+            <a:extLst>
+              <a:ext uri="{FF2B5EF4-FFF2-40B4-BE49-F238E27FC236}">
+                <a16:creationId xmlns:a16="http://schemas.microsoft.com/office/drawing/2014/main" id="{141ACBDB-38F8-4B34-8183-BD95B4E55A62}"/>
+              </a:ext>
+              <a:ext uri="{C183D7F6-B498-43B3-948B-1728B52AA6E4}">
+                <adec:decorative xmlns:adec="http://schemas.microsoft.com/office/drawing/2017/decorative" val="1"/>
+              </a:ext>
+            </a:extLst>
+          </p:cNvPr>
+          <p:cNvSpPr>
+            <a:spLocks noGrp="1" noRot="1" noChangeAspect="1" noMove="1" noResize="1" noEditPoints="1" noAdjustHandles="1" noChangeArrowheads="1" noChangeShapeType="1" noTextEdit="1"/>
+          </p:cNvSpPr>
+          <p:nvPr>
+            <p:extLst>
+              <p:ext uri="{386F3935-93C4-4BCD-93E2-E3B085C9AB24}">
+                <p16:designElem xmlns:p16="http://schemas.microsoft.com/office/powerpoint/2015/main" val="1"/>
+              </p:ext>
+            </p:extLst>
+          </p:nvPr>
+        </p:nvSpPr>
+        <p:spPr>
+          <a:xfrm rot="2700000">
+            <a:off x="10739327" y="-253670"/>
+            <a:ext cx="1827638" cy="1376989"/>
+          </a:xfrm>
+          <a:custGeom>
+            <a:avLst/>
+            <a:gdLst>
+              <a:gd name="connsiteX0" fmla="*/ 0 w 1827638"/>
+              <a:gd name="connsiteY0" fmla="*/ 987379 h 1376989"/>
+              <a:gd name="connsiteX1" fmla="*/ 987379 w 1827638"/>
+              <a:gd name="connsiteY1" fmla="*/ 0 h 1376989"/>
+              <a:gd name="connsiteX2" fmla="*/ 1827638 w 1827638"/>
+              <a:gd name="connsiteY2" fmla="*/ 840260 h 1376989"/>
+              <a:gd name="connsiteX3" fmla="*/ 1827638 w 1827638"/>
+              <a:gd name="connsiteY3" fmla="*/ 1376989 h 1376989"/>
+              <a:gd name="connsiteX4" fmla="*/ 0 w 1827638"/>
+              <a:gd name="connsiteY4" fmla="*/ 1376989 h 1376989"/>
+            </a:gdLst>
+            <a:ahLst/>
+            <a:cxnLst>
+              <a:cxn ang="0">
+                <a:pos x="connsiteX0" y="connsiteY0"/>
+              </a:cxn>
+              <a:cxn ang="0">
+                <a:pos x="connsiteX1" y="connsiteY1"/>
+              </a:cxn>
+              <a:cxn ang="0">
+                <a:pos x="connsiteX2" y="connsiteY2"/>
+              </a:cxn>
+              <a:cxn ang="0">
+                <a:pos x="connsiteX3" y="connsiteY3"/>
+              </a:cxn>
+              <a:cxn ang="0">
+                <a:pos x="connsiteX4" y="connsiteY4"/>
+              </a:cxn>
+            </a:cxnLst>
+            <a:rect l="l" t="t" r="r" b="b"/>
+            <a:pathLst>
+              <a:path w="1827638" h="1376989">
+                <a:moveTo>
+                  <a:pt x="0" y="987379"/>
+                </a:moveTo>
+                <a:lnTo>
+                  <a:pt x="987379" y="0"/>
+                </a:lnTo>
+                <a:lnTo>
+                  <a:pt x="1827638" y="840260"/>
+                </a:lnTo>
+                <a:lnTo>
+                  <a:pt x="1827638" y="1376989"/>
+                </a:lnTo>
+                <a:lnTo>
+                  <a:pt x="0" y="1376989"/>
+                </a:lnTo>
+                <a:close/>
+              </a:path>
+            </a:pathLst>
+          </a:custGeom>
+          <a:solidFill>
+            <a:schemeClr val="accent1">
+              <a:alpha val="30000"/>
+            </a:schemeClr>
+          </a:solidFill>
+          <a:ln>
+            <a:noFill/>
+          </a:ln>
+        </p:spPr>
+        <p:style>
+          <a:lnRef idx="2">
+            <a:schemeClr val="accent1">
+              <a:shade val="50000"/>
+            </a:schemeClr>
+          </a:lnRef>
+          <a:fillRef idx="1">
+            <a:schemeClr val="accent1"/>
+          </a:fillRef>
+          <a:effectRef idx="0">
+            <a:schemeClr val="accent1"/>
+          </a:effectRef>
+          <a:fontRef idx="minor">
+            <a:schemeClr val="lt1"/>
+          </a:fontRef>
+        </p:style>
+        <p:txBody>
+          <a:bodyPr wrap="square" rtlCol="0" anchor="ctr">
+            <a:noAutofit/>
+          </a:bodyPr>
+          <a:lstStyle/>
+          <a:p>
+            <a:pPr marL="0" marR="0" lvl="0" indent="0" algn="ctr" defTabSz="914400" rtl="0" eaLnBrk="1" fontAlgn="auto" latinLnBrk="0" hangingPunct="1">
+              <a:lnSpc>
+                <a:spcPct val="100000"/>
+              </a:lnSpc>
+              <a:spcBef>
+                <a:spcPts val="0"/>
+              </a:spcBef>
+              <a:spcAft>
+                <a:spcPts val="0"/>
+              </a:spcAft>
+              <a:buClrTx/>
+              <a:buSzTx/>
+              <a:buFontTx/>
+              <a:buNone/>
+              <a:tabLst/>
+              <a:defRPr/>
+            </a:pPr>
+            <a:endParaRPr kumimoji="0" lang="en-US" sz="1800" b="0" i="0" u="none" strike="noStrike" kern="1200" cap="none" spc="0" normalizeH="0" baseline="0" noProof="0" dirty="0">
+              <a:ln>
+                <a:noFill/>
+              </a:ln>
+              <a:solidFill>
+                <a:prstClr val="white"/>
+              </a:solidFill>
+              <a:effectLst/>
+              <a:uLnTx/>
+              <a:uFillTx/>
+              <a:latin typeface="Calibri" panose="020F0502020204030204"/>
+              <a:ea typeface="+mn-ea"/>
+              <a:cs typeface="+mn-cs"/>
+            </a:endParaRPr>
+          </a:p>
+        </p:txBody>
+      </p:sp>
+      <p:sp>
+        <p:nvSpPr>
+          <p:cNvPr id="16" name="Rectangle 15">
+            <a:extLst>
+              <a:ext uri="{FF2B5EF4-FFF2-40B4-BE49-F238E27FC236}">
+                <a16:creationId xmlns:a16="http://schemas.microsoft.com/office/drawing/2014/main" id="{DE00DB52-3455-4E2F-867B-A6D0516E175B}"/>
+              </a:ext>
+              <a:ext uri="{C183D7F6-B498-43B3-948B-1728B52AA6E4}">
+                <adec:decorative xmlns:adec="http://schemas.microsoft.com/office/drawing/2017/decorative" val="1"/>
+              </a:ext>
+            </a:extLst>
+          </p:cNvPr>
+          <p:cNvSpPr>
+            <a:spLocks noGrp="1" noRot="1" noChangeAspect="1" noMove="1" noResize="1" noEditPoints="1" noAdjustHandles="1" noChangeArrowheads="1" noChangeShapeType="1" noTextEdit="1"/>
+          </p:cNvSpPr>
+          <p:nvPr>
+            <p:extLst>
+              <p:ext uri="{386F3935-93C4-4BCD-93E2-E3B085C9AB24}">
+                <p16:designElem xmlns:p16="http://schemas.microsoft.com/office/powerpoint/2015/main" val="1"/>
+              </p:ext>
+            </p:extLst>
+          </p:nvPr>
+        </p:nvSpPr>
+        <p:spPr>
+          <a:xfrm rot="2700000">
+            <a:off x="10653800" y="422146"/>
+            <a:ext cx="645368" cy="645368"/>
+          </a:xfrm>
+          <a:prstGeom prst="rect">
+            <a:avLst/>
+          </a:prstGeom>
+          <a:solidFill>
+            <a:schemeClr val="accent1">
+              <a:alpha val="30000"/>
+            </a:schemeClr>
+          </a:solidFill>
+          <a:ln>
+            <a:noFill/>
+          </a:ln>
+        </p:spPr>
+        <p:style>
+          <a:lnRef idx="2">
+            <a:schemeClr val="accent1">
+              <a:shade val="50000"/>
+            </a:schemeClr>
+          </a:lnRef>
+          <a:fillRef idx="1">
+            <a:schemeClr val="accent1"/>
+          </a:fillRef>
+          <a:effectRef idx="0">
+            <a:schemeClr val="accent1"/>
+          </a:effectRef>
+          <a:fontRef idx="minor">
+            <a:schemeClr val="lt1"/>
+          </a:fontRef>
+        </p:style>
+        <p:txBody>
+          <a:bodyPr wrap="square" rtlCol="0" anchor="ctr">
+            <a:noAutofit/>
+          </a:bodyPr>
+          <a:lstStyle/>
+          <a:p>
+            <a:pPr marL="0" marR="0" lvl="0" indent="0" algn="ctr" defTabSz="914400" rtl="0" eaLnBrk="1" fontAlgn="auto" latinLnBrk="0" hangingPunct="1">
+              <a:lnSpc>
+                <a:spcPct val="100000"/>
+              </a:lnSpc>
+              <a:spcBef>
+                <a:spcPts val="0"/>
+              </a:spcBef>
+              <a:spcAft>
+                <a:spcPts val="0"/>
+              </a:spcAft>
+              <a:buClrTx/>
+              <a:buSzTx/>
+              <a:buFontTx/>
+              <a:buNone/>
+              <a:tabLst/>
+              <a:defRPr/>
+            </a:pPr>
+            <a:endParaRPr kumimoji="0" lang="en-US" sz="1800" b="0" i="0" u="none" strike="noStrike" kern="1200" cap="none" spc="0" normalizeH="0" baseline="0" noProof="0" dirty="0">
+              <a:ln>
+                <a:noFill/>
+              </a:ln>
+              <a:solidFill>
+                <a:prstClr val="white"/>
+              </a:solidFill>
+              <a:effectLst/>
+              <a:uLnTx/>
+              <a:uFillTx/>
+              <a:latin typeface="Calibri" panose="020F0502020204030204"/>
+              <a:ea typeface="+mn-ea"/>
+              <a:cs typeface="+mn-cs"/>
+            </a:endParaRPr>
+          </a:p>
+        </p:txBody>
+      </p:sp>
+      <p:sp>
+        <p:nvSpPr>
+          <p:cNvPr id="18" name="Isosceles Triangle 17">
+            <a:extLst>
+              <a:ext uri="{FF2B5EF4-FFF2-40B4-BE49-F238E27FC236}">
+                <a16:creationId xmlns:a16="http://schemas.microsoft.com/office/drawing/2014/main" id="{9E914C83-E0D8-4953-92D5-169D28CB43AE}"/>
+              </a:ext>
+              <a:ext uri="{C183D7F6-B498-43B3-948B-1728B52AA6E4}">
+                <adec:decorative xmlns:adec="http://schemas.microsoft.com/office/drawing/2017/decorative" val="1"/>
+              </a:ext>
+            </a:extLst>
+          </p:cNvPr>
+          <p:cNvSpPr>
+            <a:spLocks noGrp="1" noRot="1" noChangeAspect="1" noMove="1" noResize="1" noEditPoints="1" noAdjustHandles="1" noChangeArrowheads="1" noChangeShapeType="1" noTextEdit="1"/>
+          </p:cNvSpPr>
+          <p:nvPr>
+            <p:extLst>
+              <p:ext uri="{386F3935-93C4-4BCD-93E2-E3B085C9AB24}">
+                <p16:designElem xmlns:p16="http://schemas.microsoft.com/office/powerpoint/2015/main" val="1"/>
+              </p:ext>
+            </p:extLst>
+          </p:nvPr>
+        </p:nvSpPr>
+        <p:spPr>
+          <a:xfrm>
+            <a:off x="8115423" y="6115501"/>
+            <a:ext cx="1494513" cy="742499"/>
+          </a:xfrm>
+          <a:prstGeom prst="triangle">
+            <a:avLst/>
+          </a:prstGeom>
+          <a:solidFill>
+            <a:schemeClr val="accent1">
+              <a:alpha val="30000"/>
+            </a:schemeClr>
+          </a:solidFill>
+          <a:ln>
+            <a:noFill/>
+          </a:ln>
+        </p:spPr>
+        <p:style>
+          <a:lnRef idx="2">
+            <a:schemeClr val="accent1">
+              <a:shade val="50000"/>
+            </a:schemeClr>
+          </a:lnRef>
+          <a:fillRef idx="1">
+            <a:schemeClr val="accent1"/>
+          </a:fillRef>
+          <a:effectRef idx="0">
+            <a:schemeClr val="accent1"/>
+          </a:effectRef>
+          <a:fontRef idx="minor">
+            <a:schemeClr val="lt1"/>
+          </a:fontRef>
+        </p:style>
+        <p:txBody>
+          <a:bodyPr wrap="square" rtlCol="0" anchor="ctr">
+            <a:noAutofit/>
+          </a:bodyPr>
+          <a:lstStyle/>
+          <a:p>
+            <a:pPr marL="0" marR="0" lvl="0" indent="0" algn="ctr" defTabSz="914400" rtl="0" eaLnBrk="1" fontAlgn="auto" latinLnBrk="0" hangingPunct="1">
+              <a:lnSpc>
+                <a:spcPct val="100000"/>
+              </a:lnSpc>
+              <a:spcBef>
+                <a:spcPts val="0"/>
+              </a:spcBef>
+              <a:spcAft>
+                <a:spcPts val="0"/>
+              </a:spcAft>
+              <a:buClrTx/>
+              <a:buSzTx/>
+              <a:buFontTx/>
+              <a:buNone/>
+              <a:tabLst/>
+              <a:defRPr/>
+            </a:pPr>
+            <a:endParaRPr kumimoji="0" lang="en-US" sz="1800" b="0" i="0" u="none" strike="noStrike" kern="1200" cap="none" spc="0" normalizeH="0" baseline="0" noProof="0" dirty="0">
+              <a:ln>
+                <a:noFill/>
+              </a:ln>
+              <a:solidFill>
+                <a:prstClr val="white"/>
+              </a:solidFill>
+              <a:effectLst/>
+              <a:uLnTx/>
+              <a:uFillTx/>
+              <a:latin typeface="Calibri" panose="020F0502020204030204"/>
+              <a:ea typeface="+mn-ea"/>
+              <a:cs typeface="+mn-cs"/>
+            </a:endParaRPr>
+          </a:p>
+        </p:txBody>
+      </p:sp>
+      <p:sp>
+        <p:nvSpPr>
+          <p:cNvPr id="20" name="Isosceles Triangle 19">
+            <a:extLst>
+              <a:ext uri="{FF2B5EF4-FFF2-40B4-BE49-F238E27FC236}">
+                <a16:creationId xmlns:a16="http://schemas.microsoft.com/office/drawing/2014/main" id="{3512E083-F550-46AF-8490-767ECFD00CB7}"/>
+              </a:ext>
+              <a:ext uri="{C183D7F6-B498-43B3-948B-1728B52AA6E4}">
+                <adec:decorative xmlns:adec="http://schemas.microsoft.com/office/drawing/2017/decorative" val="1"/>
+              </a:ext>
+            </a:extLst>
+          </p:cNvPr>
+          <p:cNvSpPr>
+            <a:spLocks noGrp="1" noRot="1" noChangeAspect="1" noMove="1" noResize="1" noEditPoints="1" noAdjustHandles="1" noChangeArrowheads="1" noChangeShapeType="1" noTextEdit="1"/>
+          </p:cNvSpPr>
+          <p:nvPr>
+            <p:extLst>
+              <p:ext uri="{386F3935-93C4-4BCD-93E2-E3B085C9AB24}">
+                <p16:designElem xmlns:p16="http://schemas.microsoft.com/office/powerpoint/2015/main" val="1"/>
+              </p:ext>
+            </p:extLst>
+          </p:nvPr>
+        </p:nvSpPr>
+        <p:spPr>
+          <a:xfrm>
+            <a:off x="9167297" y="6453143"/>
+            <a:ext cx="814903" cy="404857"/>
+          </a:xfrm>
+          <a:prstGeom prst="triangle">
+            <a:avLst/>
+          </a:prstGeom>
+          <a:solidFill>
+            <a:schemeClr val="accent1">
+              <a:alpha val="30000"/>
+            </a:schemeClr>
+          </a:solidFill>
+          <a:ln>
+            <a:noFill/>
+          </a:ln>
+        </p:spPr>
+        <p:style>
+          <a:lnRef idx="2">
+            <a:schemeClr val="accent1">
+              <a:shade val="50000"/>
+            </a:schemeClr>
+          </a:lnRef>
+          <a:fillRef idx="1">
+            <a:schemeClr val="accent1"/>
+          </a:fillRef>
+          <a:effectRef idx="0">
+            <a:schemeClr val="accent1"/>
+          </a:effectRef>
+          <a:fontRef idx="minor">
+            <a:schemeClr val="lt1"/>
+          </a:fontRef>
+        </p:style>
+        <p:txBody>
+          <a:bodyPr wrap="square" rtlCol="0" anchor="ctr">
+            <a:noAutofit/>
+          </a:bodyPr>
+          <a:lstStyle/>
+          <a:p>
+            <a:pPr marL="0" marR="0" lvl="0" indent="0" algn="ctr" defTabSz="914400" rtl="0" eaLnBrk="1" fontAlgn="auto" latinLnBrk="0" hangingPunct="1">
+              <a:lnSpc>
+                <a:spcPct val="100000"/>
+              </a:lnSpc>
+              <a:spcBef>
+                <a:spcPts val="0"/>
+              </a:spcBef>
+              <a:spcAft>
+                <a:spcPts val="0"/>
+              </a:spcAft>
+              <a:buClrTx/>
+              <a:buSzTx/>
+              <a:buFontTx/>
+              <a:buNone/>
+              <a:tabLst/>
+              <a:defRPr/>
+            </a:pPr>
+            <a:endParaRPr kumimoji="0" lang="en-US" sz="1800" b="0" i="0" u="none" strike="noStrike" kern="1200" cap="none" spc="0" normalizeH="0" baseline="0" noProof="0" dirty="0">
+              <a:ln>
+                <a:noFill/>
+              </a:ln>
+              <a:solidFill>
+                <a:prstClr val="white"/>
+              </a:solidFill>
+              <a:effectLst/>
+              <a:uLnTx/>
+              <a:uFillTx/>
+              <a:latin typeface="Calibri" panose="020F0502020204030204"/>
+              <a:ea typeface="+mn-ea"/>
+              <a:cs typeface="+mn-cs"/>
+            </a:endParaRPr>
+          </a:p>
+        </p:txBody>
+      </p:sp>
+      <p:sp>
+        <p:nvSpPr>
+          <p:cNvPr id="3" name="Inhaltsplatzhalter 2">
+            <a:extLst>
+              <a:ext uri="{FF2B5EF4-FFF2-40B4-BE49-F238E27FC236}">
+                <a16:creationId xmlns:a16="http://schemas.microsoft.com/office/drawing/2014/main" id="{65E6BCB1-1E14-450D-B35B-E946083BD413}"/>
+              </a:ext>
+            </a:extLst>
+          </p:cNvPr>
+          <p:cNvSpPr>
+            <a:spLocks noGrp="1"/>
+          </p:cNvSpPr>
+          <p:nvPr>
+            <p:ph idx="1"/>
+          </p:nvPr>
+        </p:nvSpPr>
+        <p:spPr/>
+        <p:txBody>
+          <a:bodyPr/>
+          <a:lstStyle/>
+          <a:p>
+            <a:endParaRPr lang="de-CH"/>
+          </a:p>
+        </p:txBody>
+      </p:sp>
+      <p:sp>
+        <p:nvSpPr>
+          <p:cNvPr id="5" name="Titel 4">
+            <a:extLst>
+              <a:ext uri="{FF2B5EF4-FFF2-40B4-BE49-F238E27FC236}">
+                <a16:creationId xmlns:a16="http://schemas.microsoft.com/office/drawing/2014/main" id="{A14BC192-7767-4E13-8162-B132068E090B}"/>
+              </a:ext>
+            </a:extLst>
+          </p:cNvPr>
+          <p:cNvSpPr>
+            <a:spLocks noGrp="1"/>
+          </p:cNvSpPr>
+          <p:nvPr>
+            <p:ph type="title"/>
+          </p:nvPr>
+        </p:nvSpPr>
+        <p:spPr/>
+        <p:txBody>
+          <a:bodyPr/>
+          <a:lstStyle/>
+          <a:p>
+            <a:endParaRPr lang="de-CH"/>
+          </a:p>
+        </p:txBody>
+      </p:sp>
+    </p:spTree>
+    <p:extLst>
+      <p:ext uri="{BB962C8B-B14F-4D97-AF65-F5344CB8AC3E}">
+        <p14:creationId xmlns:p14="http://schemas.microsoft.com/office/powerpoint/2010/main" val="1020514802"/>
+      </p:ext>
+    </p:extLst>
+  </p:cSld>
+  <p:clrMapOvr>
+    <a:masterClrMapping/>
+  </p:clrMapOvr>
+</p:sld>
+</file>
+
+<file path=ppt/slides/slide9.xml><?xml version="1.0" encoding="utf-8"?>
+<p:sld xmlns:a="http://schemas.openxmlformats.org/drawingml/2006/main" xmlns:r="http://schemas.openxmlformats.org/officeDocument/2006/relationships" xmlns:p="http://schemas.openxmlformats.org/presentationml/2006/main">
+  <p:cSld>
+    <p:spTree>
+      <p:nvGrpSpPr>
+        <p:cNvPr id="1" name=""/>
+        <p:cNvGrpSpPr/>
+        <p:nvPr/>
+      </p:nvGrpSpPr>
+      <p:grpSpPr>
+        <a:xfrm>
+          <a:off x="0" y="0"/>
+          <a:ext cx="0" cy="0"/>
+          <a:chOff x="0" y="0"/>
+          <a:chExt cx="0" cy="0"/>
+        </a:xfrm>
+      </p:grpSpPr>
+      <p:sp>
+        <p:nvSpPr>
+          <p:cNvPr id="8" name="Rectangle 7">
+            <a:extLst>
+              <a:ext uri="{FF2B5EF4-FFF2-40B4-BE49-F238E27FC236}">
+                <a16:creationId xmlns:a16="http://schemas.microsoft.com/office/drawing/2014/main" id="{46D6306C-ED4F-4AAE-B4A5-EEA6AFAD726E}"/>
+              </a:ext>
+              <a:ext uri="{C183D7F6-B498-43B3-948B-1728B52AA6E4}">
+                <adec:decorative xmlns:adec="http://schemas.microsoft.com/office/drawing/2017/decorative" val="1"/>
+              </a:ext>
+            </a:extLst>
+          </p:cNvPr>
+          <p:cNvSpPr>
+            <a:spLocks noGrp="1" noRot="1" noChangeAspect="1" noMove="1" noResize="1" noEditPoints="1" noAdjustHandles="1" noChangeArrowheads="1" noChangeShapeType="1" noTextEdit="1"/>
+          </p:cNvSpPr>
+          <p:nvPr>
+            <p:extLst>
+              <p:ext uri="{386F3935-93C4-4BCD-93E2-E3B085C9AB24}">
+                <p16:designElem xmlns:p16="http://schemas.microsoft.com/office/powerpoint/2015/main" val="1"/>
+              </p:ext>
+            </p:extLst>
+          </p:nvPr>
+        </p:nvSpPr>
+        <p:spPr>
+          <a:xfrm>
+            <a:off x="0" y="0"/>
+            <a:ext cx="12192000" cy="6858000"/>
+          </a:xfrm>
+          <a:prstGeom prst="rect">
+            <a:avLst/>
+          </a:prstGeom>
+          <a:solidFill>
+            <a:schemeClr val="bg1"/>
+          </a:solidFill>
+          <a:ln>
+            <a:noFill/>
+          </a:ln>
+        </p:spPr>
+        <p:style>
+          <a:lnRef idx="2">
+            <a:schemeClr val="accent1">
+              <a:shade val="50000"/>
+            </a:schemeClr>
+          </a:lnRef>
+          <a:fillRef idx="1">
+            <a:schemeClr val="accent1"/>
+          </a:fillRef>
+          <a:effectRef idx="0">
+            <a:schemeClr val="accent1"/>
+          </a:effectRef>
+          <a:fontRef idx="minor">
+            <a:schemeClr val="lt1"/>
+          </a:fontRef>
+        </p:style>
+        <p:txBody>
+          <a:bodyPr rtlCol="0" anchor="ctr"/>
+          <a:lstStyle/>
+          <a:p>
+            <a:pPr marL="0" marR="0" lvl="0" indent="0" algn="ctr" defTabSz="914400" rtl="0" eaLnBrk="1" fontAlgn="auto" latinLnBrk="0" hangingPunct="1">
+              <a:lnSpc>
+                <a:spcPct val="100000"/>
+              </a:lnSpc>
+              <a:spcBef>
+                <a:spcPts val="0"/>
+              </a:spcBef>
+              <a:spcAft>
+                <a:spcPts val="0"/>
+              </a:spcAft>
+              <a:buClrTx/>
+              <a:buSzTx/>
+              <a:buFontTx/>
+              <a:buNone/>
+              <a:tabLst/>
+              <a:defRPr/>
+            </a:pPr>
+            <a:endParaRPr kumimoji="0" lang="en-US" sz="1800" b="0" i="0" u="none" strike="noStrike" kern="1200" cap="none" spc="0" normalizeH="0" baseline="0" noProof="0" dirty="0">
+              <a:ln>
+                <a:noFill/>
+              </a:ln>
+              <a:solidFill>
+                <a:prstClr val="white"/>
+              </a:solidFill>
+              <a:effectLst/>
+              <a:uLnTx/>
+              <a:uFillTx/>
+              <a:latin typeface="Calibri" panose="020F0502020204030204"/>
+              <a:ea typeface="+mn-ea"/>
+              <a:cs typeface="+mn-cs"/>
+            </a:endParaRPr>
+          </a:p>
+        </p:txBody>
+      </p:sp>
+      <p:sp>
+        <p:nvSpPr>
+          <p:cNvPr id="10" name="Rectangle 9">
+            <a:extLst>
+              <a:ext uri="{FF2B5EF4-FFF2-40B4-BE49-F238E27FC236}">
+                <a16:creationId xmlns:a16="http://schemas.microsoft.com/office/drawing/2014/main" id="{0EC5361D-F897-4856-B945-0455A365EB24}"/>
+              </a:ext>
+              <a:ext uri="{C183D7F6-B498-43B3-948B-1728B52AA6E4}">
+                <adec:decorative xmlns:adec="http://schemas.microsoft.com/office/drawing/2017/decorative" val="1"/>
+              </a:ext>
+            </a:extLst>
+          </p:cNvPr>
+          <p:cNvSpPr>
+            <a:spLocks noGrp="1" noRot="1" noChangeAspect="1" noMove="1" noResize="1" noEditPoints="1" noAdjustHandles="1" noChangeArrowheads="1" noChangeShapeType="1" noTextEdit="1"/>
+          </p:cNvSpPr>
+          <p:nvPr>
+            <p:extLst>
+              <p:ext uri="{386F3935-93C4-4BCD-93E2-E3B085C9AB24}">
+                <p16:designElem xmlns:p16="http://schemas.microsoft.com/office/powerpoint/2015/main" val="1"/>
+              </p:ext>
+            </p:extLst>
+          </p:nvPr>
+        </p:nvSpPr>
+        <p:spPr>
+          <a:xfrm rot="2700000">
+            <a:off x="415435" y="655140"/>
+            <a:ext cx="687472" cy="687472"/>
+          </a:xfrm>
+          <a:prstGeom prst="rect">
+            <a:avLst/>
+          </a:prstGeom>
+          <a:solidFill>
+            <a:schemeClr val="accent4">
+              <a:alpha val="30000"/>
+            </a:schemeClr>
+          </a:solidFill>
+          <a:ln>
+            <a:noFill/>
+          </a:ln>
+        </p:spPr>
+        <p:style>
+          <a:lnRef idx="2">
+            <a:schemeClr val="accent1">
+              <a:shade val="50000"/>
+            </a:schemeClr>
+          </a:lnRef>
+          <a:fillRef idx="1">
+            <a:schemeClr val="accent1"/>
+          </a:fillRef>
+          <a:effectRef idx="0">
+            <a:schemeClr val="accent1"/>
+          </a:effectRef>
+          <a:fontRef idx="minor">
+            <a:schemeClr val="lt1"/>
+          </a:fontRef>
+        </p:style>
+        <p:txBody>
+          <a:bodyPr rtlCol="0" anchor="ctr"/>
+          <a:lstStyle/>
+          <a:p>
+            <a:pPr marL="0" marR="0" lvl="0" indent="0" algn="ctr" defTabSz="914400" rtl="0" eaLnBrk="1" fontAlgn="auto" latinLnBrk="0" hangingPunct="1">
+              <a:lnSpc>
+                <a:spcPct val="100000"/>
+              </a:lnSpc>
+              <a:spcBef>
+                <a:spcPts val="0"/>
+              </a:spcBef>
+              <a:spcAft>
+                <a:spcPts val="0"/>
+              </a:spcAft>
+              <a:buClrTx/>
+              <a:buSzTx/>
+              <a:buFontTx/>
+              <a:buNone/>
+              <a:tabLst/>
+              <a:defRPr/>
+            </a:pPr>
+            <a:endParaRPr kumimoji="0" lang="en-US" sz="1800" b="0" i="0" u="none" strike="noStrike" kern="1200" cap="none" spc="0" normalizeH="0" baseline="0" noProof="0" dirty="0">
+              <a:ln>
+                <a:noFill/>
+              </a:ln>
+              <a:solidFill>
+                <a:prstClr val="white"/>
+              </a:solidFill>
+              <a:effectLst/>
+              <a:uLnTx/>
+              <a:uFillTx/>
+              <a:latin typeface="Calibri" panose="020F0502020204030204"/>
+              <a:ea typeface="+mn-ea"/>
+              <a:cs typeface="+mn-cs"/>
+            </a:endParaRPr>
+          </a:p>
+        </p:txBody>
+      </p:sp>
+      <p:sp>
+        <p:nvSpPr>
+          <p:cNvPr id="12" name="Freeform: Shape 11">
+            <a:extLst>
+              <a:ext uri="{FF2B5EF4-FFF2-40B4-BE49-F238E27FC236}">
+                <a16:creationId xmlns:a16="http://schemas.microsoft.com/office/drawing/2014/main" id="{4508C0C5-2268-42B5-B3C8-4D0899E05F8C}"/>
+              </a:ext>
+              <a:ext uri="{C183D7F6-B498-43B3-948B-1728B52AA6E4}">
+                <adec:decorative xmlns:adec="http://schemas.microsoft.com/office/drawing/2017/decorative" val="1"/>
+              </a:ext>
+            </a:extLst>
+          </p:cNvPr>
+          <p:cNvSpPr>
+            <a:spLocks noGrp="1" noRot="1" noChangeAspect="1" noMove="1" noResize="1" noEditPoints="1" noAdjustHandles="1" noChangeArrowheads="1" noChangeShapeType="1" noTextEdit="1"/>
+          </p:cNvSpPr>
+          <p:nvPr>
+            <p:extLst>
+              <p:ext uri="{386F3935-93C4-4BCD-93E2-E3B085C9AB24}">
+                <p16:designElem xmlns:p16="http://schemas.microsoft.com/office/powerpoint/2015/main" val="1"/>
+              </p:ext>
+            </p:extLst>
+          </p:nvPr>
+        </p:nvSpPr>
+        <p:spPr>
+          <a:xfrm rot="10800000">
+            <a:off x="0" y="0"/>
+            <a:ext cx="2835357" cy="1480837"/>
+          </a:xfrm>
+          <a:custGeom>
+            <a:avLst/>
+            <a:gdLst>
+              <a:gd name="connsiteX0" fmla="*/ 2835357 w 2835357"/>
+              <a:gd name="connsiteY0" fmla="*/ 1480837 h 1480837"/>
+              <a:gd name="connsiteX1" fmla="*/ 0 w 2835357"/>
+              <a:gd name="connsiteY1" fmla="*/ 1480837 h 1480837"/>
+              <a:gd name="connsiteX2" fmla="*/ 1552727 w 2835357"/>
+              <a:gd name="connsiteY2" fmla="*/ 0 h 1480837"/>
+              <a:gd name="connsiteX3" fmla="*/ 2835357 w 2835357"/>
+              <a:gd name="connsiteY3" fmla="*/ 1223245 h 1480837"/>
+            </a:gdLst>
+            <a:ahLst/>
+            <a:cxnLst>
+              <a:cxn ang="0">
+                <a:pos x="connsiteX0" y="connsiteY0"/>
+              </a:cxn>
+              <a:cxn ang="0">
+                <a:pos x="connsiteX1" y="connsiteY1"/>
+              </a:cxn>
+              <a:cxn ang="0">
+                <a:pos x="connsiteX2" y="connsiteY2"/>
+              </a:cxn>
+              <a:cxn ang="0">
+                <a:pos x="connsiteX3" y="connsiteY3"/>
+              </a:cxn>
+            </a:cxnLst>
+            <a:rect l="l" t="t" r="r" b="b"/>
+            <a:pathLst>
+              <a:path w="2835357" h="1480837">
+                <a:moveTo>
+                  <a:pt x="2835357" y="1480837"/>
+                </a:moveTo>
+                <a:lnTo>
+                  <a:pt x="0" y="1480837"/>
+                </a:lnTo>
+                <a:lnTo>
+                  <a:pt x="1552727" y="0"/>
+                </a:lnTo>
+                <a:lnTo>
+                  <a:pt x="2835357" y="1223245"/>
+                </a:lnTo>
+                <a:close/>
+              </a:path>
+            </a:pathLst>
+          </a:custGeom>
+          <a:solidFill>
+            <a:schemeClr val="accent4">
+              <a:alpha val="30000"/>
+            </a:schemeClr>
+          </a:solidFill>
+          <a:ln>
+            <a:noFill/>
+          </a:ln>
+        </p:spPr>
+        <p:style>
+          <a:lnRef idx="2">
+            <a:schemeClr val="accent1">
+              <a:shade val="50000"/>
+            </a:schemeClr>
+          </a:lnRef>
+          <a:fillRef idx="1">
+            <a:schemeClr val="accent1"/>
+          </a:fillRef>
+          <a:effectRef idx="0">
+            <a:schemeClr val="accent1"/>
+          </a:effectRef>
+          <a:fontRef idx="minor">
+            <a:schemeClr val="lt1"/>
+          </a:fontRef>
+        </p:style>
+        <p:txBody>
+          <a:bodyPr wrap="square" rtlCol="0" anchor="ctr">
+            <a:noAutofit/>
+          </a:bodyPr>
+          <a:lstStyle/>
+          <a:p>
+            <a:pPr marL="0" marR="0" lvl="0" indent="0" algn="ctr" defTabSz="914400" rtl="0" eaLnBrk="1" fontAlgn="auto" latinLnBrk="0" hangingPunct="1">
+              <a:lnSpc>
+                <a:spcPct val="100000"/>
+              </a:lnSpc>
+              <a:spcBef>
+                <a:spcPts val="0"/>
+              </a:spcBef>
+              <a:spcAft>
+                <a:spcPts val="0"/>
+              </a:spcAft>
+              <a:buClrTx/>
+              <a:buSzTx/>
+              <a:buFontTx/>
+              <a:buNone/>
+              <a:tabLst/>
+              <a:defRPr/>
+            </a:pPr>
+            <a:endParaRPr kumimoji="0" lang="en-US" sz="1800" b="0" i="0" u="none" strike="noStrike" kern="1200" cap="none" spc="0" normalizeH="0" baseline="0" noProof="0" dirty="0">
+              <a:ln>
+                <a:noFill/>
+              </a:ln>
+              <a:solidFill>
+                <a:prstClr val="white"/>
+              </a:solidFill>
+              <a:effectLst/>
+              <a:uLnTx/>
+              <a:uFillTx/>
+              <a:latin typeface="Calibri" panose="020F0502020204030204"/>
+              <a:ea typeface="+mn-ea"/>
+              <a:cs typeface="+mn-cs"/>
+            </a:endParaRPr>
+          </a:p>
+        </p:txBody>
+      </p:sp>
+      <p:sp>
+        <p:nvSpPr>
+          <p:cNvPr id="14" name="Freeform: Shape 13">
+            <a:extLst>
+              <a:ext uri="{FF2B5EF4-FFF2-40B4-BE49-F238E27FC236}">
+                <a16:creationId xmlns:a16="http://schemas.microsoft.com/office/drawing/2014/main" id="{141ACBDB-38F8-4B34-8183-BD95B4E55A62}"/>
+              </a:ext>
+              <a:ext uri="{C183D7F6-B498-43B3-948B-1728B52AA6E4}">
+                <adec:decorative xmlns:adec="http://schemas.microsoft.com/office/drawing/2017/decorative" val="1"/>
+              </a:ext>
+            </a:extLst>
+          </p:cNvPr>
+          <p:cNvSpPr>
+            <a:spLocks noGrp="1" noRot="1" noChangeAspect="1" noMove="1" noResize="1" noEditPoints="1" noAdjustHandles="1" noChangeArrowheads="1" noChangeShapeType="1" noTextEdit="1"/>
+          </p:cNvSpPr>
+          <p:nvPr>
+            <p:extLst>
+              <p:ext uri="{386F3935-93C4-4BCD-93E2-E3B085C9AB24}">
+                <p16:designElem xmlns:p16="http://schemas.microsoft.com/office/powerpoint/2015/main" val="1"/>
+              </p:ext>
+            </p:extLst>
+          </p:nvPr>
+        </p:nvSpPr>
+        <p:spPr>
+          <a:xfrm rot="2700000">
+            <a:off x="10739327" y="-253670"/>
+            <a:ext cx="1827638" cy="1376989"/>
+          </a:xfrm>
+          <a:custGeom>
+            <a:avLst/>
+            <a:gdLst>
+              <a:gd name="connsiteX0" fmla="*/ 0 w 1827638"/>
+              <a:gd name="connsiteY0" fmla="*/ 987379 h 1376989"/>
+              <a:gd name="connsiteX1" fmla="*/ 987379 w 1827638"/>
+              <a:gd name="connsiteY1" fmla="*/ 0 h 1376989"/>
+              <a:gd name="connsiteX2" fmla="*/ 1827638 w 1827638"/>
+              <a:gd name="connsiteY2" fmla="*/ 840260 h 1376989"/>
+              <a:gd name="connsiteX3" fmla="*/ 1827638 w 1827638"/>
+              <a:gd name="connsiteY3" fmla="*/ 1376989 h 1376989"/>
+              <a:gd name="connsiteX4" fmla="*/ 0 w 1827638"/>
+              <a:gd name="connsiteY4" fmla="*/ 1376989 h 1376989"/>
+            </a:gdLst>
+            <a:ahLst/>
+            <a:cxnLst>
+              <a:cxn ang="0">
+                <a:pos x="connsiteX0" y="connsiteY0"/>
+              </a:cxn>
+              <a:cxn ang="0">
+                <a:pos x="connsiteX1" y="connsiteY1"/>
+              </a:cxn>
+              <a:cxn ang="0">
+                <a:pos x="connsiteX2" y="connsiteY2"/>
+              </a:cxn>
+              <a:cxn ang="0">
+                <a:pos x="connsiteX3" y="connsiteY3"/>
+              </a:cxn>
+              <a:cxn ang="0">
+                <a:pos x="connsiteX4" y="connsiteY4"/>
+              </a:cxn>
+            </a:cxnLst>
+            <a:rect l="l" t="t" r="r" b="b"/>
+            <a:pathLst>
+              <a:path w="1827638" h="1376989">
+                <a:moveTo>
+                  <a:pt x="0" y="987379"/>
+                </a:moveTo>
+                <a:lnTo>
+                  <a:pt x="987379" y="0"/>
+                </a:lnTo>
+                <a:lnTo>
+                  <a:pt x="1827638" y="840260"/>
+                </a:lnTo>
+                <a:lnTo>
+                  <a:pt x="1827638" y="1376989"/>
+                </a:lnTo>
+                <a:lnTo>
+                  <a:pt x="0" y="1376989"/>
+                </a:lnTo>
+                <a:close/>
+              </a:path>
+            </a:pathLst>
+          </a:custGeom>
+          <a:solidFill>
+            <a:schemeClr val="accent1">
+              <a:alpha val="30000"/>
+            </a:schemeClr>
+          </a:solidFill>
+          <a:ln>
+            <a:noFill/>
+          </a:ln>
+        </p:spPr>
+        <p:style>
+          <a:lnRef idx="2">
+            <a:schemeClr val="accent1">
+              <a:shade val="50000"/>
+            </a:schemeClr>
+          </a:lnRef>
+          <a:fillRef idx="1">
+            <a:schemeClr val="accent1"/>
+          </a:fillRef>
+          <a:effectRef idx="0">
+            <a:schemeClr val="accent1"/>
+          </a:effectRef>
+          <a:fontRef idx="minor">
+            <a:schemeClr val="lt1"/>
+          </a:fontRef>
+        </p:style>
+        <p:txBody>
+          <a:bodyPr wrap="square" rtlCol="0" anchor="ctr">
+            <a:noAutofit/>
+          </a:bodyPr>
+          <a:lstStyle/>
+          <a:p>
+            <a:pPr marL="0" marR="0" lvl="0" indent="0" algn="ctr" defTabSz="914400" rtl="0" eaLnBrk="1" fontAlgn="auto" latinLnBrk="0" hangingPunct="1">
+              <a:lnSpc>
+                <a:spcPct val="100000"/>
+              </a:lnSpc>
+              <a:spcBef>
+                <a:spcPts val="0"/>
+              </a:spcBef>
+              <a:spcAft>
+                <a:spcPts val="0"/>
+              </a:spcAft>
+              <a:buClrTx/>
+              <a:buSzTx/>
+              <a:buFontTx/>
+              <a:buNone/>
+              <a:tabLst/>
+              <a:defRPr/>
+            </a:pPr>
+            <a:endParaRPr kumimoji="0" lang="en-US" sz="1800" b="0" i="0" u="none" strike="noStrike" kern="1200" cap="none" spc="0" normalizeH="0" baseline="0" noProof="0" dirty="0">
+              <a:ln>
+                <a:noFill/>
+              </a:ln>
+              <a:solidFill>
+                <a:prstClr val="white"/>
+              </a:solidFill>
+              <a:effectLst/>
+              <a:uLnTx/>
+              <a:uFillTx/>
+              <a:latin typeface="Calibri" panose="020F0502020204030204"/>
+              <a:ea typeface="+mn-ea"/>
+              <a:cs typeface="+mn-cs"/>
+            </a:endParaRPr>
+          </a:p>
+        </p:txBody>
+      </p:sp>
+      <p:sp>
+        <p:nvSpPr>
+          <p:cNvPr id="16" name="Rectangle 15">
+            <a:extLst>
+              <a:ext uri="{FF2B5EF4-FFF2-40B4-BE49-F238E27FC236}">
+                <a16:creationId xmlns:a16="http://schemas.microsoft.com/office/drawing/2014/main" id="{DE00DB52-3455-4E2F-867B-A6D0516E175B}"/>
+              </a:ext>
+              <a:ext uri="{C183D7F6-B498-43B3-948B-1728B52AA6E4}">
+                <adec:decorative xmlns:adec="http://schemas.microsoft.com/office/drawing/2017/decorative" val="1"/>
+              </a:ext>
+            </a:extLst>
+          </p:cNvPr>
+          <p:cNvSpPr>
+            <a:spLocks noGrp="1" noRot="1" noChangeAspect="1" noMove="1" noResize="1" noEditPoints="1" noAdjustHandles="1" noChangeArrowheads="1" noChangeShapeType="1" noTextEdit="1"/>
+          </p:cNvSpPr>
+          <p:nvPr>
+            <p:extLst>
+              <p:ext uri="{386F3935-93C4-4BCD-93E2-E3B085C9AB24}">
+                <p16:designElem xmlns:p16="http://schemas.microsoft.com/office/powerpoint/2015/main" val="1"/>
+              </p:ext>
+            </p:extLst>
+          </p:nvPr>
+        </p:nvSpPr>
+        <p:spPr>
+          <a:xfrm rot="2700000">
+            <a:off x="10653800" y="422146"/>
+            <a:ext cx="645368" cy="645368"/>
+          </a:xfrm>
+          <a:prstGeom prst="rect">
+            <a:avLst/>
+          </a:prstGeom>
+          <a:solidFill>
+            <a:schemeClr val="accent1">
+              <a:alpha val="30000"/>
+            </a:schemeClr>
+          </a:solidFill>
+          <a:ln>
+            <a:noFill/>
+          </a:ln>
+        </p:spPr>
+        <p:style>
+          <a:lnRef idx="2">
+            <a:schemeClr val="accent1">
+              <a:shade val="50000"/>
+            </a:schemeClr>
+          </a:lnRef>
+          <a:fillRef idx="1">
+            <a:schemeClr val="accent1"/>
+          </a:fillRef>
+          <a:effectRef idx="0">
+            <a:schemeClr val="accent1"/>
+          </a:effectRef>
+          <a:fontRef idx="minor">
+            <a:schemeClr val="lt1"/>
+          </a:fontRef>
+        </p:style>
+        <p:txBody>
+          <a:bodyPr wrap="square" rtlCol="0" anchor="ctr">
+            <a:noAutofit/>
+          </a:bodyPr>
+          <a:lstStyle/>
+          <a:p>
+            <a:pPr marL="0" marR="0" lvl="0" indent="0" algn="ctr" defTabSz="914400" rtl="0" eaLnBrk="1" fontAlgn="auto" latinLnBrk="0" hangingPunct="1">
+              <a:lnSpc>
+                <a:spcPct val="100000"/>
+              </a:lnSpc>
+              <a:spcBef>
+                <a:spcPts val="0"/>
+              </a:spcBef>
+              <a:spcAft>
+                <a:spcPts val="0"/>
+              </a:spcAft>
+              <a:buClrTx/>
+              <a:buSzTx/>
+              <a:buFontTx/>
+              <a:buNone/>
+              <a:tabLst/>
+              <a:defRPr/>
+            </a:pPr>
+            <a:endParaRPr kumimoji="0" lang="en-US" sz="1800" b="0" i="0" u="none" strike="noStrike" kern="1200" cap="none" spc="0" normalizeH="0" baseline="0" noProof="0" dirty="0">
+              <a:ln>
+                <a:noFill/>
+              </a:ln>
+              <a:solidFill>
+                <a:prstClr val="white"/>
+              </a:solidFill>
+              <a:effectLst/>
+              <a:uLnTx/>
+              <a:uFillTx/>
+              <a:latin typeface="Calibri" panose="020F0502020204030204"/>
+              <a:ea typeface="+mn-ea"/>
+              <a:cs typeface="+mn-cs"/>
+            </a:endParaRPr>
+          </a:p>
+        </p:txBody>
+      </p:sp>
+      <p:sp>
+        <p:nvSpPr>
+          <p:cNvPr id="18" name="Isosceles Triangle 17">
+            <a:extLst>
+              <a:ext uri="{FF2B5EF4-FFF2-40B4-BE49-F238E27FC236}">
+                <a16:creationId xmlns:a16="http://schemas.microsoft.com/office/drawing/2014/main" id="{9E914C83-E0D8-4953-92D5-169D28CB43AE}"/>
+              </a:ext>
+              <a:ext uri="{C183D7F6-B498-43B3-948B-1728B52AA6E4}">
+                <adec:decorative xmlns:adec="http://schemas.microsoft.com/office/drawing/2017/decorative" val="1"/>
+              </a:ext>
+            </a:extLst>
+          </p:cNvPr>
+          <p:cNvSpPr>
+            <a:spLocks noGrp="1" noRot="1" noChangeAspect="1" noMove="1" noResize="1" noEditPoints="1" noAdjustHandles="1" noChangeArrowheads="1" noChangeShapeType="1" noTextEdit="1"/>
+          </p:cNvSpPr>
+          <p:nvPr>
+            <p:extLst>
+              <p:ext uri="{386F3935-93C4-4BCD-93E2-E3B085C9AB24}">
+                <p16:designElem xmlns:p16="http://schemas.microsoft.com/office/powerpoint/2015/main" val="1"/>
+              </p:ext>
+            </p:extLst>
+          </p:nvPr>
+        </p:nvSpPr>
+        <p:spPr>
+          <a:xfrm>
+            <a:off x="8115423" y="6115501"/>
+            <a:ext cx="1494513" cy="742499"/>
+          </a:xfrm>
+          <a:prstGeom prst="triangle">
+            <a:avLst/>
+          </a:prstGeom>
+          <a:solidFill>
+            <a:schemeClr val="accent1">
+              <a:alpha val="30000"/>
+            </a:schemeClr>
+          </a:solidFill>
+          <a:ln>
+            <a:noFill/>
+          </a:ln>
+        </p:spPr>
+        <p:style>
+          <a:lnRef idx="2">
+            <a:schemeClr val="accent1">
+              <a:shade val="50000"/>
+            </a:schemeClr>
+          </a:lnRef>
+          <a:fillRef idx="1">
+            <a:schemeClr val="accent1"/>
+          </a:fillRef>
+          <a:effectRef idx="0">
+            <a:schemeClr val="accent1"/>
+          </a:effectRef>
+          <a:fontRef idx="minor">
+            <a:schemeClr val="lt1"/>
+          </a:fontRef>
+        </p:style>
+        <p:txBody>
+          <a:bodyPr wrap="square" rtlCol="0" anchor="ctr">
+            <a:noAutofit/>
+          </a:bodyPr>
+          <a:lstStyle/>
+          <a:p>
+            <a:pPr marL="0" marR="0" lvl="0" indent="0" algn="ctr" defTabSz="914400" rtl="0" eaLnBrk="1" fontAlgn="auto" latinLnBrk="0" hangingPunct="1">
+              <a:lnSpc>
+                <a:spcPct val="100000"/>
+              </a:lnSpc>
+              <a:spcBef>
+                <a:spcPts val="0"/>
+              </a:spcBef>
+              <a:spcAft>
+                <a:spcPts val="0"/>
+              </a:spcAft>
+              <a:buClrTx/>
+              <a:buSzTx/>
+              <a:buFontTx/>
+              <a:buNone/>
+              <a:tabLst/>
+              <a:defRPr/>
+            </a:pPr>
+            <a:endParaRPr kumimoji="0" lang="en-US" sz="1800" b="0" i="0" u="none" strike="noStrike" kern="1200" cap="none" spc="0" normalizeH="0" baseline="0" noProof="0" dirty="0">
+              <a:ln>
+                <a:noFill/>
+              </a:ln>
+              <a:solidFill>
+                <a:prstClr val="white"/>
+              </a:solidFill>
+              <a:effectLst/>
+              <a:uLnTx/>
+              <a:uFillTx/>
+              <a:latin typeface="Calibri" panose="020F0502020204030204"/>
+              <a:ea typeface="+mn-ea"/>
+              <a:cs typeface="+mn-cs"/>
+            </a:endParaRPr>
+          </a:p>
+        </p:txBody>
+      </p:sp>
+      <p:sp>
+        <p:nvSpPr>
+          <p:cNvPr id="20" name="Isosceles Triangle 19">
+            <a:extLst>
+              <a:ext uri="{FF2B5EF4-FFF2-40B4-BE49-F238E27FC236}">
+                <a16:creationId xmlns:a16="http://schemas.microsoft.com/office/drawing/2014/main" id="{3512E083-F550-46AF-8490-767ECFD00CB7}"/>
+              </a:ext>
+              <a:ext uri="{C183D7F6-B498-43B3-948B-1728B52AA6E4}">
+                <adec:decorative xmlns:adec="http://schemas.microsoft.com/office/drawing/2017/decorative" val="1"/>
+              </a:ext>
+            </a:extLst>
+          </p:cNvPr>
+          <p:cNvSpPr>
+            <a:spLocks noGrp="1" noRot="1" noChangeAspect="1" noMove="1" noResize="1" noEditPoints="1" noAdjustHandles="1" noChangeArrowheads="1" noChangeShapeType="1" noTextEdit="1"/>
+          </p:cNvSpPr>
+          <p:nvPr>
+            <p:extLst>
+              <p:ext uri="{386F3935-93C4-4BCD-93E2-E3B085C9AB24}">
+                <p16:designElem xmlns:p16="http://schemas.microsoft.com/office/powerpoint/2015/main" val="1"/>
+              </p:ext>
+            </p:extLst>
+          </p:nvPr>
+        </p:nvSpPr>
+        <p:spPr>
+          <a:xfrm>
+            <a:off x="9167297" y="6453143"/>
+            <a:ext cx="814903" cy="404857"/>
+          </a:xfrm>
+          <a:prstGeom prst="triangle">
+            <a:avLst/>
+          </a:prstGeom>
+          <a:solidFill>
+            <a:schemeClr val="accent1">
+              <a:alpha val="30000"/>
+            </a:schemeClr>
+          </a:solidFill>
+          <a:ln>
+            <a:noFill/>
+          </a:ln>
+        </p:spPr>
+        <p:style>
+          <a:lnRef idx="2">
+            <a:schemeClr val="accent1">
+              <a:shade val="50000"/>
+            </a:schemeClr>
+          </a:lnRef>
+          <a:fillRef idx="1">
+            <a:schemeClr val="accent1"/>
+          </a:fillRef>
+          <a:effectRef idx="0">
+            <a:schemeClr val="accent1"/>
+          </a:effectRef>
+          <a:fontRef idx="minor">
+            <a:schemeClr val="lt1"/>
+          </a:fontRef>
+        </p:style>
+        <p:txBody>
+          <a:bodyPr wrap="square" rtlCol="0" anchor="ctr">
+            <a:noAutofit/>
+          </a:bodyPr>
+          <a:lstStyle/>
+          <a:p>
+            <a:pPr marL="0" marR="0" lvl="0" indent="0" algn="ctr" defTabSz="914400" rtl="0" eaLnBrk="1" fontAlgn="auto" latinLnBrk="0" hangingPunct="1">
+              <a:lnSpc>
+                <a:spcPct val="100000"/>
+              </a:lnSpc>
+              <a:spcBef>
+                <a:spcPts val="0"/>
+              </a:spcBef>
+              <a:spcAft>
+                <a:spcPts val="0"/>
+              </a:spcAft>
+              <a:buClrTx/>
+              <a:buSzTx/>
+              <a:buFontTx/>
+              <a:buNone/>
+              <a:tabLst/>
+              <a:defRPr/>
+            </a:pPr>
+            <a:endParaRPr kumimoji="0" lang="en-US" sz="1800" b="0" i="0" u="none" strike="noStrike" kern="1200" cap="none" spc="0" normalizeH="0" baseline="0" noProof="0" dirty="0">
+              <a:ln>
+                <a:noFill/>
+              </a:ln>
+              <a:solidFill>
+                <a:prstClr val="white"/>
+              </a:solidFill>
+              <a:effectLst/>
+              <a:uLnTx/>
+              <a:uFillTx/>
+              <a:latin typeface="Calibri" panose="020F0502020204030204"/>
+              <a:ea typeface="+mn-ea"/>
+              <a:cs typeface="+mn-cs"/>
+            </a:endParaRPr>
+          </a:p>
+        </p:txBody>
+      </p:sp>
+      <p:sp>
+        <p:nvSpPr>
+          <p:cNvPr id="5" name="Titel 4">
+            <a:extLst>
+              <a:ext uri="{FF2B5EF4-FFF2-40B4-BE49-F238E27FC236}">
+                <a16:creationId xmlns:a16="http://schemas.microsoft.com/office/drawing/2014/main" id="{A14BC192-7767-4E13-8162-B132068E090B}"/>
+              </a:ext>
+            </a:extLst>
+          </p:cNvPr>
+          <p:cNvSpPr>
+            <a:spLocks noGrp="1"/>
+          </p:cNvSpPr>
+          <p:nvPr>
+            <p:ph type="title"/>
+          </p:nvPr>
+        </p:nvSpPr>
+        <p:spPr/>
+        <p:txBody>
+          <a:bodyPr/>
+          <a:lstStyle/>
+          <a:p>
+            <a:endParaRPr lang="de-CH"/>
+          </a:p>
+        </p:txBody>
+      </p:sp>
+      <p:sp>
+        <p:nvSpPr>
+          <p:cNvPr id="2" name="Inhaltsplatzhalter 1">
+            <a:extLst>
+              <a:ext uri="{FF2B5EF4-FFF2-40B4-BE49-F238E27FC236}">
+                <a16:creationId xmlns:a16="http://schemas.microsoft.com/office/drawing/2014/main" id="{57D3C283-DF4B-4471-8263-49668F8D4D47}"/>
+              </a:ext>
+            </a:extLst>
+          </p:cNvPr>
+          <p:cNvSpPr>
+            <a:spLocks noGrp="1"/>
+          </p:cNvSpPr>
+          <p:nvPr>
+            <p:ph idx="1"/>
+          </p:nvPr>
+        </p:nvSpPr>
+        <p:spPr/>
+        <p:txBody>
+          <a:bodyPr/>
+          <a:lstStyle/>
+          <a:p>
+            <a:endParaRPr lang="de-CH"/>
+          </a:p>
+        </p:txBody>
+      </p:sp>
+    </p:spTree>
+    <p:extLst>
+      <p:ext uri="{BB962C8B-B14F-4D97-AF65-F5344CB8AC3E}">
+        <p14:creationId xmlns:p14="http://schemas.microsoft.com/office/powerpoint/2010/main" val="4222415493"/>
       </p:ext>
     </p:extLst>
   </p:cSld>

--- a/Presentations/Demo.pptx
+++ b/Presentations/Demo.pptx
@@ -5,7 +5,7 @@
     <p:sldMasterId id="2147483660" r:id="rId1"/>
   </p:sldMasterIdLst>
   <p:notesMasterIdLst>
-    <p:notesMasterId r:id="rId12"/>
+    <p:notesMasterId r:id="rId9"/>
   </p:notesMasterIdLst>
   <p:sldIdLst>
     <p:sldId id="269" r:id="rId2"/>
@@ -15,9 +15,6 @@
     <p:sldId id="272" r:id="rId6"/>
     <p:sldId id="279" r:id="rId7"/>
     <p:sldId id="274" r:id="rId8"/>
-    <p:sldId id="275" r:id="rId9"/>
-    <p:sldId id="277" r:id="rId10"/>
-    <p:sldId id="276" r:id="rId11"/>
   </p:sldIdLst>
   <p:sldSz cx="12192000" cy="6858000"/>
   <p:notesSz cx="6858000" cy="9144000"/>
@@ -206,7 +203,7 @@
           <a:p>
             <a:fld id="{2832E173-CBEE-40C4-8B5C-B152BB46A1A6}" type="datetimeFigureOut">
               <a:rPr lang="de-CH" smtClean="0"/>
-              <a:t>05.04.2022</a:t>
+              <a:t>06.04.2022</a:t>
             </a:fld>
             <a:endParaRPr lang="de-CH"/>
           </a:p>
@@ -618,150 +615,6 @@
 </p:notes>
 </file>
 
-<file path=ppt/notesSlides/notesSlide10.xml><?xml version="1.0" encoding="utf-8"?>
-<p:notes xmlns:a="http://schemas.openxmlformats.org/drawingml/2006/main" xmlns:r="http://schemas.openxmlformats.org/officeDocument/2006/relationships" xmlns:p="http://schemas.openxmlformats.org/presentationml/2006/main">
-  <p:cSld>
-    <p:spTree>
-      <p:nvGrpSpPr>
-        <p:cNvPr id="1" name=""/>
-        <p:cNvGrpSpPr/>
-        <p:nvPr/>
-      </p:nvGrpSpPr>
-      <p:grpSpPr>
-        <a:xfrm>
-          <a:off x="0" y="0"/>
-          <a:ext cx="0" cy="0"/>
-          <a:chOff x="0" y="0"/>
-          <a:chExt cx="0" cy="0"/>
-        </a:xfrm>
-      </p:grpSpPr>
-      <p:sp>
-        <p:nvSpPr>
-          <p:cNvPr id="2" name="Folienbildplatzhalter 1"/>
-          <p:cNvSpPr>
-            <a:spLocks noGrp="1" noRot="1" noChangeAspect="1"/>
-          </p:cNvSpPr>
-          <p:nvPr>
-            <p:ph type="sldImg"/>
-          </p:nvPr>
-        </p:nvSpPr>
-        <p:spPr/>
-      </p:sp>
-      <p:sp>
-        <p:nvSpPr>
-          <p:cNvPr id="3" name="Notizenplatzhalter 2"/>
-          <p:cNvSpPr>
-            <a:spLocks noGrp="1"/>
-          </p:cNvSpPr>
-          <p:nvPr>
-            <p:ph type="body" idx="1"/>
-          </p:nvPr>
-        </p:nvSpPr>
-        <p:spPr/>
-        <p:txBody>
-          <a:bodyPr/>
-          <a:lstStyle/>
-          <a:p>
-            <a:endParaRPr lang="de-CH" dirty="0"/>
-          </a:p>
-        </p:txBody>
-      </p:sp>
-      <p:sp>
-        <p:nvSpPr>
-          <p:cNvPr id="4" name="Foliennummernplatzhalter 3"/>
-          <p:cNvSpPr>
-            <a:spLocks noGrp="1"/>
-          </p:cNvSpPr>
-          <p:nvPr>
-            <p:ph type="sldNum" sz="quarter" idx="5"/>
-          </p:nvPr>
-        </p:nvSpPr>
-        <p:spPr/>
-        <p:txBody>
-          <a:bodyPr/>
-          <a:lstStyle/>
-          <a:p>
-            <a:pPr marL="0" marR="0" lvl="0" indent="0" algn="r" defTabSz="914400" rtl="0" eaLnBrk="1" fontAlgn="auto" latinLnBrk="0" hangingPunct="1">
-              <a:lnSpc>
-                <a:spcPct val="100000"/>
-              </a:lnSpc>
-              <a:spcBef>
-                <a:spcPts val="0"/>
-              </a:spcBef>
-              <a:spcAft>
-                <a:spcPts val="0"/>
-              </a:spcAft>
-              <a:buClrTx/>
-              <a:buSzTx/>
-              <a:buFontTx/>
-              <a:buNone/>
-              <a:tabLst/>
-              <a:defRPr/>
-            </a:pPr>
-            <a:fld id="{DDFFE013-33A7-4716-A75D-58DA9E59A196}" type="slidenum">
-              <a:rPr kumimoji="0" lang="de-CH" sz="1200" b="0" i="0" u="none" strike="noStrike" kern="1200" cap="none" spc="0" normalizeH="0" baseline="0" noProof="0" smtClean="0">
-                <a:ln>
-                  <a:noFill/>
-                </a:ln>
-                <a:solidFill>
-                  <a:prstClr val="black"/>
-                </a:solidFill>
-                <a:effectLst/>
-                <a:uLnTx/>
-                <a:uFillTx/>
-                <a:latin typeface="Calibri" panose="020F0502020204030204"/>
-                <a:ea typeface="+mn-ea"/>
-                <a:cs typeface="+mn-cs"/>
-              </a:rPr>
-              <a:pPr marL="0" marR="0" lvl="0" indent="0" algn="r" defTabSz="914400" rtl="0" eaLnBrk="1" fontAlgn="auto" latinLnBrk="0" hangingPunct="1">
-                <a:lnSpc>
-                  <a:spcPct val="100000"/>
-                </a:lnSpc>
-                <a:spcBef>
-                  <a:spcPts val="0"/>
-                </a:spcBef>
-                <a:spcAft>
-                  <a:spcPts val="0"/>
-                </a:spcAft>
-                <a:buClrTx/>
-                <a:buSzTx/>
-                <a:buFontTx/>
-                <a:buNone/>
-                <a:tabLst/>
-                <a:defRPr/>
-              </a:pPr>
-              <a:t>10</a:t>
-            </a:fld>
-            <a:endParaRPr kumimoji="0" lang="de-CH" sz="1200" b="0" i="0" u="none" strike="noStrike" kern="1200" cap="none" spc="0" normalizeH="0" baseline="0" noProof="0">
-              <a:ln>
-                <a:noFill/>
-              </a:ln>
-              <a:solidFill>
-                <a:prstClr val="black"/>
-              </a:solidFill>
-              <a:effectLst/>
-              <a:uLnTx/>
-              <a:uFillTx/>
-              <a:latin typeface="Calibri" panose="020F0502020204030204"/>
-              <a:ea typeface="+mn-ea"/>
-              <a:cs typeface="+mn-cs"/>
-            </a:endParaRPr>
-          </a:p>
-        </p:txBody>
-      </p:sp>
-    </p:spTree>
-    <p:extLst>
-      <p:ext uri="{BB962C8B-B14F-4D97-AF65-F5344CB8AC3E}">
-        <p14:creationId xmlns:p14="http://schemas.microsoft.com/office/powerpoint/2010/main" val="3574623789"/>
-      </p:ext>
-    </p:extLst>
-  </p:cSld>
-  <p:clrMapOvr>
-    <a:masterClrMapping/>
-  </p:clrMapOvr>
-</p:notes>
-</file>
-
 <file path=ppt/notesSlides/notesSlide2.xml><?xml version="1.0" encoding="utf-8"?>
 <p:notes xmlns:a="http://schemas.openxmlformats.org/drawingml/2006/main" xmlns:r="http://schemas.openxmlformats.org/officeDocument/2006/relationships" xmlns:p="http://schemas.openxmlformats.org/presentationml/2006/main">
   <p:cSld>
@@ -1636,294 +1489,6 @@
 </p:notes>
 </file>
 
-<file path=ppt/notesSlides/notesSlide8.xml><?xml version="1.0" encoding="utf-8"?>
-<p:notes xmlns:a="http://schemas.openxmlformats.org/drawingml/2006/main" xmlns:r="http://schemas.openxmlformats.org/officeDocument/2006/relationships" xmlns:p="http://schemas.openxmlformats.org/presentationml/2006/main">
-  <p:cSld>
-    <p:spTree>
-      <p:nvGrpSpPr>
-        <p:cNvPr id="1" name=""/>
-        <p:cNvGrpSpPr/>
-        <p:nvPr/>
-      </p:nvGrpSpPr>
-      <p:grpSpPr>
-        <a:xfrm>
-          <a:off x="0" y="0"/>
-          <a:ext cx="0" cy="0"/>
-          <a:chOff x="0" y="0"/>
-          <a:chExt cx="0" cy="0"/>
-        </a:xfrm>
-      </p:grpSpPr>
-      <p:sp>
-        <p:nvSpPr>
-          <p:cNvPr id="2" name="Folienbildplatzhalter 1"/>
-          <p:cNvSpPr>
-            <a:spLocks noGrp="1" noRot="1" noChangeAspect="1"/>
-          </p:cNvSpPr>
-          <p:nvPr>
-            <p:ph type="sldImg"/>
-          </p:nvPr>
-        </p:nvSpPr>
-        <p:spPr/>
-      </p:sp>
-      <p:sp>
-        <p:nvSpPr>
-          <p:cNvPr id="3" name="Notizenplatzhalter 2"/>
-          <p:cNvSpPr>
-            <a:spLocks noGrp="1"/>
-          </p:cNvSpPr>
-          <p:nvPr>
-            <p:ph type="body" idx="1"/>
-          </p:nvPr>
-        </p:nvSpPr>
-        <p:spPr/>
-        <p:txBody>
-          <a:bodyPr/>
-          <a:lstStyle/>
-          <a:p>
-            <a:endParaRPr lang="de-CH" dirty="0"/>
-          </a:p>
-        </p:txBody>
-      </p:sp>
-      <p:sp>
-        <p:nvSpPr>
-          <p:cNvPr id="4" name="Foliennummernplatzhalter 3"/>
-          <p:cNvSpPr>
-            <a:spLocks noGrp="1"/>
-          </p:cNvSpPr>
-          <p:nvPr>
-            <p:ph type="sldNum" sz="quarter" idx="5"/>
-          </p:nvPr>
-        </p:nvSpPr>
-        <p:spPr/>
-        <p:txBody>
-          <a:bodyPr/>
-          <a:lstStyle/>
-          <a:p>
-            <a:pPr marL="0" marR="0" lvl="0" indent="0" algn="r" defTabSz="914400" rtl="0" eaLnBrk="1" fontAlgn="auto" latinLnBrk="0" hangingPunct="1">
-              <a:lnSpc>
-                <a:spcPct val="100000"/>
-              </a:lnSpc>
-              <a:spcBef>
-                <a:spcPts val="0"/>
-              </a:spcBef>
-              <a:spcAft>
-                <a:spcPts val="0"/>
-              </a:spcAft>
-              <a:buClrTx/>
-              <a:buSzTx/>
-              <a:buFontTx/>
-              <a:buNone/>
-              <a:tabLst/>
-              <a:defRPr/>
-            </a:pPr>
-            <a:fld id="{DDFFE013-33A7-4716-A75D-58DA9E59A196}" type="slidenum">
-              <a:rPr kumimoji="0" lang="de-CH" sz="1200" b="0" i="0" u="none" strike="noStrike" kern="1200" cap="none" spc="0" normalizeH="0" baseline="0" noProof="0" smtClean="0">
-                <a:ln>
-                  <a:noFill/>
-                </a:ln>
-                <a:solidFill>
-                  <a:prstClr val="black"/>
-                </a:solidFill>
-                <a:effectLst/>
-                <a:uLnTx/>
-                <a:uFillTx/>
-                <a:latin typeface="Calibri" panose="020F0502020204030204"/>
-                <a:ea typeface="+mn-ea"/>
-                <a:cs typeface="+mn-cs"/>
-              </a:rPr>
-              <a:pPr marL="0" marR="0" lvl="0" indent="0" algn="r" defTabSz="914400" rtl="0" eaLnBrk="1" fontAlgn="auto" latinLnBrk="0" hangingPunct="1">
-                <a:lnSpc>
-                  <a:spcPct val="100000"/>
-                </a:lnSpc>
-                <a:spcBef>
-                  <a:spcPts val="0"/>
-                </a:spcBef>
-                <a:spcAft>
-                  <a:spcPts val="0"/>
-                </a:spcAft>
-                <a:buClrTx/>
-                <a:buSzTx/>
-                <a:buFontTx/>
-                <a:buNone/>
-                <a:tabLst/>
-                <a:defRPr/>
-              </a:pPr>
-              <a:t>8</a:t>
-            </a:fld>
-            <a:endParaRPr kumimoji="0" lang="de-CH" sz="1200" b="0" i="0" u="none" strike="noStrike" kern="1200" cap="none" spc="0" normalizeH="0" baseline="0" noProof="0">
-              <a:ln>
-                <a:noFill/>
-              </a:ln>
-              <a:solidFill>
-                <a:prstClr val="black"/>
-              </a:solidFill>
-              <a:effectLst/>
-              <a:uLnTx/>
-              <a:uFillTx/>
-              <a:latin typeface="Calibri" panose="020F0502020204030204"/>
-              <a:ea typeface="+mn-ea"/>
-              <a:cs typeface="+mn-cs"/>
-            </a:endParaRPr>
-          </a:p>
-        </p:txBody>
-      </p:sp>
-    </p:spTree>
-    <p:extLst>
-      <p:ext uri="{BB962C8B-B14F-4D97-AF65-F5344CB8AC3E}">
-        <p14:creationId xmlns:p14="http://schemas.microsoft.com/office/powerpoint/2010/main" val="3936236589"/>
-      </p:ext>
-    </p:extLst>
-  </p:cSld>
-  <p:clrMapOvr>
-    <a:masterClrMapping/>
-  </p:clrMapOvr>
-</p:notes>
-</file>
-
-<file path=ppt/notesSlides/notesSlide9.xml><?xml version="1.0" encoding="utf-8"?>
-<p:notes xmlns:a="http://schemas.openxmlformats.org/drawingml/2006/main" xmlns:r="http://schemas.openxmlformats.org/officeDocument/2006/relationships" xmlns:p="http://schemas.openxmlformats.org/presentationml/2006/main">
-  <p:cSld>
-    <p:spTree>
-      <p:nvGrpSpPr>
-        <p:cNvPr id="1" name=""/>
-        <p:cNvGrpSpPr/>
-        <p:nvPr/>
-      </p:nvGrpSpPr>
-      <p:grpSpPr>
-        <a:xfrm>
-          <a:off x="0" y="0"/>
-          <a:ext cx="0" cy="0"/>
-          <a:chOff x="0" y="0"/>
-          <a:chExt cx="0" cy="0"/>
-        </a:xfrm>
-      </p:grpSpPr>
-      <p:sp>
-        <p:nvSpPr>
-          <p:cNvPr id="2" name="Folienbildplatzhalter 1"/>
-          <p:cNvSpPr>
-            <a:spLocks noGrp="1" noRot="1" noChangeAspect="1"/>
-          </p:cNvSpPr>
-          <p:nvPr>
-            <p:ph type="sldImg"/>
-          </p:nvPr>
-        </p:nvSpPr>
-        <p:spPr/>
-      </p:sp>
-      <p:sp>
-        <p:nvSpPr>
-          <p:cNvPr id="3" name="Notizenplatzhalter 2"/>
-          <p:cNvSpPr>
-            <a:spLocks noGrp="1"/>
-          </p:cNvSpPr>
-          <p:nvPr>
-            <p:ph type="body" idx="1"/>
-          </p:nvPr>
-        </p:nvSpPr>
-        <p:spPr/>
-        <p:txBody>
-          <a:bodyPr/>
-          <a:lstStyle/>
-          <a:p>
-            <a:endParaRPr lang="de-CH" dirty="0"/>
-          </a:p>
-        </p:txBody>
-      </p:sp>
-      <p:sp>
-        <p:nvSpPr>
-          <p:cNvPr id="4" name="Foliennummernplatzhalter 3"/>
-          <p:cNvSpPr>
-            <a:spLocks noGrp="1"/>
-          </p:cNvSpPr>
-          <p:nvPr>
-            <p:ph type="sldNum" sz="quarter" idx="5"/>
-          </p:nvPr>
-        </p:nvSpPr>
-        <p:spPr/>
-        <p:txBody>
-          <a:bodyPr/>
-          <a:lstStyle/>
-          <a:p>
-            <a:pPr marL="0" marR="0" lvl="0" indent="0" algn="r" defTabSz="914400" rtl="0" eaLnBrk="1" fontAlgn="auto" latinLnBrk="0" hangingPunct="1">
-              <a:lnSpc>
-                <a:spcPct val="100000"/>
-              </a:lnSpc>
-              <a:spcBef>
-                <a:spcPts val="0"/>
-              </a:spcBef>
-              <a:spcAft>
-                <a:spcPts val="0"/>
-              </a:spcAft>
-              <a:buClrTx/>
-              <a:buSzTx/>
-              <a:buFontTx/>
-              <a:buNone/>
-              <a:tabLst/>
-              <a:defRPr/>
-            </a:pPr>
-            <a:fld id="{DDFFE013-33A7-4716-A75D-58DA9E59A196}" type="slidenum">
-              <a:rPr kumimoji="0" lang="de-CH" sz="1200" b="0" i="0" u="none" strike="noStrike" kern="1200" cap="none" spc="0" normalizeH="0" baseline="0" noProof="0" smtClean="0">
-                <a:ln>
-                  <a:noFill/>
-                </a:ln>
-                <a:solidFill>
-                  <a:prstClr val="black"/>
-                </a:solidFill>
-                <a:effectLst/>
-                <a:uLnTx/>
-                <a:uFillTx/>
-                <a:latin typeface="Calibri" panose="020F0502020204030204"/>
-                <a:ea typeface="+mn-ea"/>
-                <a:cs typeface="+mn-cs"/>
-              </a:rPr>
-              <a:pPr marL="0" marR="0" lvl="0" indent="0" algn="r" defTabSz="914400" rtl="0" eaLnBrk="1" fontAlgn="auto" latinLnBrk="0" hangingPunct="1">
-                <a:lnSpc>
-                  <a:spcPct val="100000"/>
-                </a:lnSpc>
-                <a:spcBef>
-                  <a:spcPts val="0"/>
-                </a:spcBef>
-                <a:spcAft>
-                  <a:spcPts val="0"/>
-                </a:spcAft>
-                <a:buClrTx/>
-                <a:buSzTx/>
-                <a:buFontTx/>
-                <a:buNone/>
-                <a:tabLst/>
-                <a:defRPr/>
-              </a:pPr>
-              <a:t>9</a:t>
-            </a:fld>
-            <a:endParaRPr kumimoji="0" lang="de-CH" sz="1200" b="0" i="0" u="none" strike="noStrike" kern="1200" cap="none" spc="0" normalizeH="0" baseline="0" noProof="0">
-              <a:ln>
-                <a:noFill/>
-              </a:ln>
-              <a:solidFill>
-                <a:prstClr val="black"/>
-              </a:solidFill>
-              <a:effectLst/>
-              <a:uLnTx/>
-              <a:uFillTx/>
-              <a:latin typeface="Calibri" panose="020F0502020204030204"/>
-              <a:ea typeface="+mn-ea"/>
-              <a:cs typeface="+mn-cs"/>
-            </a:endParaRPr>
-          </a:p>
-        </p:txBody>
-      </p:sp>
-    </p:spTree>
-    <p:extLst>
-      <p:ext uri="{BB962C8B-B14F-4D97-AF65-F5344CB8AC3E}">
-        <p14:creationId xmlns:p14="http://schemas.microsoft.com/office/powerpoint/2010/main" val="2942196996"/>
-      </p:ext>
-    </p:extLst>
-  </p:cSld>
-  <p:clrMapOvr>
-    <a:masterClrMapping/>
-  </p:clrMapOvr>
-</p:notes>
-</file>
-
 <file path=ppt/slideLayouts/slideLayout1.xml><?xml version="1.0" encoding="utf-8"?>
 <p:sldLayout xmlns:a="http://schemas.openxmlformats.org/drawingml/2006/main" xmlns:r="http://schemas.openxmlformats.org/officeDocument/2006/relationships" xmlns:p="http://schemas.openxmlformats.org/presentationml/2006/main" type="title" preserve="1">
   <p:cSld name="Titelfolie">
@@ -2073,7 +1638,7 @@
           <a:p>
             <a:fld id="{E4275066-DDD4-3E4A-A153-3A537887E211}" type="datetimeFigureOut">
               <a:rPr lang="en-GB" smtClean="0"/>
-              <a:t>05/04/2022</a:t>
+              <a:t>06/04/2022</a:t>
             </a:fld>
             <a:endParaRPr lang="en-GB" dirty="0"/>
           </a:p>
@@ -2273,7 +1838,7 @@
           <a:p>
             <a:fld id="{E4275066-DDD4-3E4A-A153-3A537887E211}" type="datetimeFigureOut">
               <a:rPr lang="en-GB" smtClean="0"/>
-              <a:t>05/04/2022</a:t>
+              <a:t>06/04/2022</a:t>
             </a:fld>
             <a:endParaRPr lang="en-GB" dirty="0"/>
           </a:p>
@@ -2483,7 +2048,7 @@
           <a:p>
             <a:fld id="{E4275066-DDD4-3E4A-A153-3A537887E211}" type="datetimeFigureOut">
               <a:rPr lang="en-GB" smtClean="0"/>
-              <a:t>05/04/2022</a:t>
+              <a:t>06/04/2022</a:t>
             </a:fld>
             <a:endParaRPr lang="en-GB" dirty="0"/>
           </a:p>
@@ -2683,7 +2248,7 @@
           <a:p>
             <a:fld id="{E4275066-DDD4-3E4A-A153-3A537887E211}" type="datetimeFigureOut">
               <a:rPr lang="en-GB" smtClean="0"/>
-              <a:t>05/04/2022</a:t>
+              <a:t>06/04/2022</a:t>
             </a:fld>
             <a:endParaRPr lang="en-GB" dirty="0"/>
           </a:p>
@@ -2959,7 +2524,7 @@
           <a:p>
             <a:fld id="{E4275066-DDD4-3E4A-A153-3A537887E211}" type="datetimeFigureOut">
               <a:rPr lang="en-GB" smtClean="0"/>
-              <a:t>05/04/2022</a:t>
+              <a:t>06/04/2022</a:t>
             </a:fld>
             <a:endParaRPr lang="en-GB" dirty="0"/>
           </a:p>
@@ -3227,7 +2792,7 @@
           <a:p>
             <a:fld id="{E4275066-DDD4-3E4A-A153-3A537887E211}" type="datetimeFigureOut">
               <a:rPr lang="en-GB" smtClean="0"/>
-              <a:t>05/04/2022</a:t>
+              <a:t>06/04/2022</a:t>
             </a:fld>
             <a:endParaRPr lang="en-GB" dirty="0"/>
           </a:p>
@@ -3647,7 +3212,7 @@
           <a:p>
             <a:fld id="{E4275066-DDD4-3E4A-A153-3A537887E211}" type="datetimeFigureOut">
               <a:rPr lang="en-GB" smtClean="0"/>
-              <a:t>05/04/2022</a:t>
+              <a:t>06/04/2022</a:t>
             </a:fld>
             <a:endParaRPr lang="en-GB" dirty="0"/>
           </a:p>
@@ -3794,7 +3359,7 @@
           <a:p>
             <a:fld id="{E4275066-DDD4-3E4A-A153-3A537887E211}" type="datetimeFigureOut">
               <a:rPr lang="en-GB" smtClean="0"/>
-              <a:t>05/04/2022</a:t>
+              <a:t>06/04/2022</a:t>
             </a:fld>
             <a:endParaRPr lang="en-GB" dirty="0"/>
           </a:p>
@@ -3907,7 +3472,7 @@
           <a:p>
             <a:fld id="{E4275066-DDD4-3E4A-A153-3A537887E211}" type="datetimeFigureOut">
               <a:rPr lang="en-GB" smtClean="0"/>
-              <a:t>05/04/2022</a:t>
+              <a:t>06/04/2022</a:t>
             </a:fld>
             <a:endParaRPr lang="en-GB" dirty="0"/>
           </a:p>
@@ -4220,7 +3785,7 @@
           <a:p>
             <a:fld id="{E4275066-DDD4-3E4A-A153-3A537887E211}" type="datetimeFigureOut">
               <a:rPr lang="en-GB" smtClean="0"/>
-              <a:t>05/04/2022</a:t>
+              <a:t>06/04/2022</a:t>
             </a:fld>
             <a:endParaRPr lang="en-GB" dirty="0"/>
           </a:p>
@@ -4514,7 +4079,7 @@
           <a:p>
             <a:fld id="{E4275066-DDD4-3E4A-A153-3A537887E211}" type="datetimeFigureOut">
               <a:rPr lang="en-GB" smtClean="0"/>
-              <a:t>05/04/2022</a:t>
+              <a:t>06/04/2022</a:t>
             </a:fld>
             <a:endParaRPr lang="en-GB" dirty="0"/>
           </a:p>
@@ -4760,7 +4325,7 @@
           <a:p>
             <a:fld id="{E4275066-DDD4-3E4A-A153-3A537887E211}" type="datetimeFigureOut">
               <a:rPr lang="en-GB" smtClean="0"/>
-              <a:t>05/04/2022</a:t>
+              <a:t>06/04/2022</a:t>
             </a:fld>
             <a:endParaRPr lang="en-GB" dirty="0"/>
           </a:p>
@@ -6020,846 +5585,6 @@
 </p:sld>
 </file>
 
-<file path=ppt/slides/slide10.xml><?xml version="1.0" encoding="utf-8"?>
-<p:sld xmlns:a="http://schemas.openxmlformats.org/drawingml/2006/main" xmlns:r="http://schemas.openxmlformats.org/officeDocument/2006/relationships" xmlns:p="http://schemas.openxmlformats.org/presentationml/2006/main">
-  <p:cSld>
-    <p:spTree>
-      <p:nvGrpSpPr>
-        <p:cNvPr id="1" name=""/>
-        <p:cNvGrpSpPr/>
-        <p:nvPr/>
-      </p:nvGrpSpPr>
-      <p:grpSpPr>
-        <a:xfrm>
-          <a:off x="0" y="0"/>
-          <a:ext cx="0" cy="0"/>
-          <a:chOff x="0" y="0"/>
-          <a:chExt cx="0" cy="0"/>
-        </a:xfrm>
-      </p:grpSpPr>
-      <p:sp>
-        <p:nvSpPr>
-          <p:cNvPr id="8" name="Rectangle 7">
-            <a:extLst>
-              <a:ext uri="{FF2B5EF4-FFF2-40B4-BE49-F238E27FC236}">
-                <a16:creationId xmlns:a16="http://schemas.microsoft.com/office/drawing/2014/main" id="{46D6306C-ED4F-4AAE-B4A5-EEA6AFAD726E}"/>
-              </a:ext>
-              <a:ext uri="{C183D7F6-B498-43B3-948B-1728B52AA6E4}">
-                <adec:decorative xmlns:adec="http://schemas.microsoft.com/office/drawing/2017/decorative" val="1"/>
-              </a:ext>
-            </a:extLst>
-          </p:cNvPr>
-          <p:cNvSpPr>
-            <a:spLocks noGrp="1" noRot="1" noChangeAspect="1" noMove="1" noResize="1" noEditPoints="1" noAdjustHandles="1" noChangeArrowheads="1" noChangeShapeType="1" noTextEdit="1"/>
-          </p:cNvSpPr>
-          <p:nvPr>
-            <p:extLst>
-              <p:ext uri="{386F3935-93C4-4BCD-93E2-E3B085C9AB24}">
-                <p16:designElem xmlns:p16="http://schemas.microsoft.com/office/powerpoint/2015/main" val="1"/>
-              </p:ext>
-            </p:extLst>
-          </p:nvPr>
-        </p:nvSpPr>
-        <p:spPr>
-          <a:xfrm>
-            <a:off x="0" y="0"/>
-            <a:ext cx="12192000" cy="6858000"/>
-          </a:xfrm>
-          <a:prstGeom prst="rect">
-            <a:avLst/>
-          </a:prstGeom>
-          <a:solidFill>
-            <a:schemeClr val="bg1"/>
-          </a:solidFill>
-          <a:ln>
-            <a:noFill/>
-          </a:ln>
-        </p:spPr>
-        <p:style>
-          <a:lnRef idx="2">
-            <a:schemeClr val="accent1">
-              <a:shade val="50000"/>
-            </a:schemeClr>
-          </a:lnRef>
-          <a:fillRef idx="1">
-            <a:schemeClr val="accent1"/>
-          </a:fillRef>
-          <a:effectRef idx="0">
-            <a:schemeClr val="accent1"/>
-          </a:effectRef>
-          <a:fontRef idx="minor">
-            <a:schemeClr val="lt1"/>
-          </a:fontRef>
-        </p:style>
-        <p:txBody>
-          <a:bodyPr rtlCol="0" anchor="ctr"/>
-          <a:lstStyle/>
-          <a:p>
-            <a:pPr marL="0" marR="0" lvl="0" indent="0" algn="ctr" defTabSz="914400" rtl="0" eaLnBrk="1" fontAlgn="auto" latinLnBrk="0" hangingPunct="1">
-              <a:lnSpc>
-                <a:spcPct val="100000"/>
-              </a:lnSpc>
-              <a:spcBef>
-                <a:spcPts val="0"/>
-              </a:spcBef>
-              <a:spcAft>
-                <a:spcPts val="0"/>
-              </a:spcAft>
-              <a:buClrTx/>
-              <a:buSzTx/>
-              <a:buFontTx/>
-              <a:buNone/>
-              <a:tabLst/>
-              <a:defRPr/>
-            </a:pPr>
-            <a:endParaRPr kumimoji="0" lang="en-US" sz="1800" b="0" i="0" u="none" strike="noStrike" kern="1200" cap="none" spc="0" normalizeH="0" baseline="0" noProof="0" dirty="0">
-              <a:ln>
-                <a:noFill/>
-              </a:ln>
-              <a:solidFill>
-                <a:prstClr val="white"/>
-              </a:solidFill>
-              <a:effectLst/>
-              <a:uLnTx/>
-              <a:uFillTx/>
-              <a:latin typeface="Calibri" panose="020F0502020204030204"/>
-              <a:ea typeface="+mn-ea"/>
-              <a:cs typeface="+mn-cs"/>
-            </a:endParaRPr>
-          </a:p>
-        </p:txBody>
-      </p:sp>
-      <p:sp>
-        <p:nvSpPr>
-          <p:cNvPr id="10" name="Rectangle 9">
-            <a:extLst>
-              <a:ext uri="{FF2B5EF4-FFF2-40B4-BE49-F238E27FC236}">
-                <a16:creationId xmlns:a16="http://schemas.microsoft.com/office/drawing/2014/main" id="{0EC5361D-F897-4856-B945-0455A365EB24}"/>
-              </a:ext>
-              <a:ext uri="{C183D7F6-B498-43B3-948B-1728B52AA6E4}">
-                <adec:decorative xmlns:adec="http://schemas.microsoft.com/office/drawing/2017/decorative" val="1"/>
-              </a:ext>
-            </a:extLst>
-          </p:cNvPr>
-          <p:cNvSpPr>
-            <a:spLocks noGrp="1" noRot="1" noChangeAspect="1" noMove="1" noResize="1" noEditPoints="1" noAdjustHandles="1" noChangeArrowheads="1" noChangeShapeType="1" noTextEdit="1"/>
-          </p:cNvSpPr>
-          <p:nvPr>
-            <p:extLst>
-              <p:ext uri="{386F3935-93C4-4BCD-93E2-E3B085C9AB24}">
-                <p16:designElem xmlns:p16="http://schemas.microsoft.com/office/powerpoint/2015/main" val="1"/>
-              </p:ext>
-            </p:extLst>
-          </p:nvPr>
-        </p:nvSpPr>
-        <p:spPr>
-          <a:xfrm rot="2700000">
-            <a:off x="415435" y="655140"/>
-            <a:ext cx="687472" cy="687472"/>
-          </a:xfrm>
-          <a:prstGeom prst="rect">
-            <a:avLst/>
-          </a:prstGeom>
-          <a:solidFill>
-            <a:schemeClr val="accent4">
-              <a:alpha val="30000"/>
-            </a:schemeClr>
-          </a:solidFill>
-          <a:ln>
-            <a:noFill/>
-          </a:ln>
-        </p:spPr>
-        <p:style>
-          <a:lnRef idx="2">
-            <a:schemeClr val="accent1">
-              <a:shade val="50000"/>
-            </a:schemeClr>
-          </a:lnRef>
-          <a:fillRef idx="1">
-            <a:schemeClr val="accent1"/>
-          </a:fillRef>
-          <a:effectRef idx="0">
-            <a:schemeClr val="accent1"/>
-          </a:effectRef>
-          <a:fontRef idx="minor">
-            <a:schemeClr val="lt1"/>
-          </a:fontRef>
-        </p:style>
-        <p:txBody>
-          <a:bodyPr rtlCol="0" anchor="ctr"/>
-          <a:lstStyle/>
-          <a:p>
-            <a:pPr marL="0" marR="0" lvl="0" indent="0" algn="ctr" defTabSz="914400" rtl="0" eaLnBrk="1" fontAlgn="auto" latinLnBrk="0" hangingPunct="1">
-              <a:lnSpc>
-                <a:spcPct val="100000"/>
-              </a:lnSpc>
-              <a:spcBef>
-                <a:spcPts val="0"/>
-              </a:spcBef>
-              <a:spcAft>
-                <a:spcPts val="0"/>
-              </a:spcAft>
-              <a:buClrTx/>
-              <a:buSzTx/>
-              <a:buFontTx/>
-              <a:buNone/>
-              <a:tabLst/>
-              <a:defRPr/>
-            </a:pPr>
-            <a:endParaRPr kumimoji="0" lang="en-US" sz="1800" b="0" i="0" u="none" strike="noStrike" kern="1200" cap="none" spc="0" normalizeH="0" baseline="0" noProof="0" dirty="0">
-              <a:ln>
-                <a:noFill/>
-              </a:ln>
-              <a:solidFill>
-                <a:prstClr val="white"/>
-              </a:solidFill>
-              <a:effectLst/>
-              <a:uLnTx/>
-              <a:uFillTx/>
-              <a:latin typeface="Calibri" panose="020F0502020204030204"/>
-              <a:ea typeface="+mn-ea"/>
-              <a:cs typeface="+mn-cs"/>
-            </a:endParaRPr>
-          </a:p>
-        </p:txBody>
-      </p:sp>
-      <p:sp>
-        <p:nvSpPr>
-          <p:cNvPr id="12" name="Freeform: Shape 11">
-            <a:extLst>
-              <a:ext uri="{FF2B5EF4-FFF2-40B4-BE49-F238E27FC236}">
-                <a16:creationId xmlns:a16="http://schemas.microsoft.com/office/drawing/2014/main" id="{4508C0C5-2268-42B5-B3C8-4D0899E05F8C}"/>
-              </a:ext>
-              <a:ext uri="{C183D7F6-B498-43B3-948B-1728B52AA6E4}">
-                <adec:decorative xmlns:adec="http://schemas.microsoft.com/office/drawing/2017/decorative" val="1"/>
-              </a:ext>
-            </a:extLst>
-          </p:cNvPr>
-          <p:cNvSpPr>
-            <a:spLocks noGrp="1" noRot="1" noChangeAspect="1" noMove="1" noResize="1" noEditPoints="1" noAdjustHandles="1" noChangeArrowheads="1" noChangeShapeType="1" noTextEdit="1"/>
-          </p:cNvSpPr>
-          <p:nvPr>
-            <p:extLst>
-              <p:ext uri="{386F3935-93C4-4BCD-93E2-E3B085C9AB24}">
-                <p16:designElem xmlns:p16="http://schemas.microsoft.com/office/powerpoint/2015/main" val="1"/>
-              </p:ext>
-            </p:extLst>
-          </p:nvPr>
-        </p:nvSpPr>
-        <p:spPr>
-          <a:xfrm rot="10800000">
-            <a:off x="0" y="0"/>
-            <a:ext cx="2835357" cy="1480837"/>
-          </a:xfrm>
-          <a:custGeom>
-            <a:avLst/>
-            <a:gdLst>
-              <a:gd name="connsiteX0" fmla="*/ 2835357 w 2835357"/>
-              <a:gd name="connsiteY0" fmla="*/ 1480837 h 1480837"/>
-              <a:gd name="connsiteX1" fmla="*/ 0 w 2835357"/>
-              <a:gd name="connsiteY1" fmla="*/ 1480837 h 1480837"/>
-              <a:gd name="connsiteX2" fmla="*/ 1552727 w 2835357"/>
-              <a:gd name="connsiteY2" fmla="*/ 0 h 1480837"/>
-              <a:gd name="connsiteX3" fmla="*/ 2835357 w 2835357"/>
-              <a:gd name="connsiteY3" fmla="*/ 1223245 h 1480837"/>
-            </a:gdLst>
-            <a:ahLst/>
-            <a:cxnLst>
-              <a:cxn ang="0">
-                <a:pos x="connsiteX0" y="connsiteY0"/>
-              </a:cxn>
-              <a:cxn ang="0">
-                <a:pos x="connsiteX1" y="connsiteY1"/>
-              </a:cxn>
-              <a:cxn ang="0">
-                <a:pos x="connsiteX2" y="connsiteY2"/>
-              </a:cxn>
-              <a:cxn ang="0">
-                <a:pos x="connsiteX3" y="connsiteY3"/>
-              </a:cxn>
-            </a:cxnLst>
-            <a:rect l="l" t="t" r="r" b="b"/>
-            <a:pathLst>
-              <a:path w="2835357" h="1480837">
-                <a:moveTo>
-                  <a:pt x="2835357" y="1480837"/>
-                </a:moveTo>
-                <a:lnTo>
-                  <a:pt x="0" y="1480837"/>
-                </a:lnTo>
-                <a:lnTo>
-                  <a:pt x="1552727" y="0"/>
-                </a:lnTo>
-                <a:lnTo>
-                  <a:pt x="2835357" y="1223245"/>
-                </a:lnTo>
-                <a:close/>
-              </a:path>
-            </a:pathLst>
-          </a:custGeom>
-          <a:solidFill>
-            <a:schemeClr val="accent4">
-              <a:alpha val="30000"/>
-            </a:schemeClr>
-          </a:solidFill>
-          <a:ln>
-            <a:noFill/>
-          </a:ln>
-        </p:spPr>
-        <p:style>
-          <a:lnRef idx="2">
-            <a:schemeClr val="accent1">
-              <a:shade val="50000"/>
-            </a:schemeClr>
-          </a:lnRef>
-          <a:fillRef idx="1">
-            <a:schemeClr val="accent1"/>
-          </a:fillRef>
-          <a:effectRef idx="0">
-            <a:schemeClr val="accent1"/>
-          </a:effectRef>
-          <a:fontRef idx="minor">
-            <a:schemeClr val="lt1"/>
-          </a:fontRef>
-        </p:style>
-        <p:txBody>
-          <a:bodyPr wrap="square" rtlCol="0" anchor="ctr">
-            <a:noAutofit/>
-          </a:bodyPr>
-          <a:lstStyle/>
-          <a:p>
-            <a:pPr marL="0" marR="0" lvl="0" indent="0" algn="ctr" defTabSz="914400" rtl="0" eaLnBrk="1" fontAlgn="auto" latinLnBrk="0" hangingPunct="1">
-              <a:lnSpc>
-                <a:spcPct val="100000"/>
-              </a:lnSpc>
-              <a:spcBef>
-                <a:spcPts val="0"/>
-              </a:spcBef>
-              <a:spcAft>
-                <a:spcPts val="0"/>
-              </a:spcAft>
-              <a:buClrTx/>
-              <a:buSzTx/>
-              <a:buFontTx/>
-              <a:buNone/>
-              <a:tabLst/>
-              <a:defRPr/>
-            </a:pPr>
-            <a:endParaRPr kumimoji="0" lang="en-US" sz="1800" b="0" i="0" u="none" strike="noStrike" kern="1200" cap="none" spc="0" normalizeH="0" baseline="0" noProof="0" dirty="0">
-              <a:ln>
-                <a:noFill/>
-              </a:ln>
-              <a:solidFill>
-                <a:prstClr val="white"/>
-              </a:solidFill>
-              <a:effectLst/>
-              <a:uLnTx/>
-              <a:uFillTx/>
-              <a:latin typeface="Calibri" panose="020F0502020204030204"/>
-              <a:ea typeface="+mn-ea"/>
-              <a:cs typeface="+mn-cs"/>
-            </a:endParaRPr>
-          </a:p>
-        </p:txBody>
-      </p:sp>
-      <p:sp>
-        <p:nvSpPr>
-          <p:cNvPr id="14" name="Freeform: Shape 13">
-            <a:extLst>
-              <a:ext uri="{FF2B5EF4-FFF2-40B4-BE49-F238E27FC236}">
-                <a16:creationId xmlns:a16="http://schemas.microsoft.com/office/drawing/2014/main" id="{141ACBDB-38F8-4B34-8183-BD95B4E55A62}"/>
-              </a:ext>
-              <a:ext uri="{C183D7F6-B498-43B3-948B-1728B52AA6E4}">
-                <adec:decorative xmlns:adec="http://schemas.microsoft.com/office/drawing/2017/decorative" val="1"/>
-              </a:ext>
-            </a:extLst>
-          </p:cNvPr>
-          <p:cNvSpPr>
-            <a:spLocks noGrp="1" noRot="1" noChangeAspect="1" noMove="1" noResize="1" noEditPoints="1" noAdjustHandles="1" noChangeArrowheads="1" noChangeShapeType="1" noTextEdit="1"/>
-          </p:cNvSpPr>
-          <p:nvPr>
-            <p:extLst>
-              <p:ext uri="{386F3935-93C4-4BCD-93E2-E3B085C9AB24}">
-                <p16:designElem xmlns:p16="http://schemas.microsoft.com/office/powerpoint/2015/main" val="1"/>
-              </p:ext>
-            </p:extLst>
-          </p:nvPr>
-        </p:nvSpPr>
-        <p:spPr>
-          <a:xfrm rot="2700000">
-            <a:off x="10739327" y="-253670"/>
-            <a:ext cx="1827638" cy="1376989"/>
-          </a:xfrm>
-          <a:custGeom>
-            <a:avLst/>
-            <a:gdLst>
-              <a:gd name="connsiteX0" fmla="*/ 0 w 1827638"/>
-              <a:gd name="connsiteY0" fmla="*/ 987379 h 1376989"/>
-              <a:gd name="connsiteX1" fmla="*/ 987379 w 1827638"/>
-              <a:gd name="connsiteY1" fmla="*/ 0 h 1376989"/>
-              <a:gd name="connsiteX2" fmla="*/ 1827638 w 1827638"/>
-              <a:gd name="connsiteY2" fmla="*/ 840260 h 1376989"/>
-              <a:gd name="connsiteX3" fmla="*/ 1827638 w 1827638"/>
-              <a:gd name="connsiteY3" fmla="*/ 1376989 h 1376989"/>
-              <a:gd name="connsiteX4" fmla="*/ 0 w 1827638"/>
-              <a:gd name="connsiteY4" fmla="*/ 1376989 h 1376989"/>
-            </a:gdLst>
-            <a:ahLst/>
-            <a:cxnLst>
-              <a:cxn ang="0">
-                <a:pos x="connsiteX0" y="connsiteY0"/>
-              </a:cxn>
-              <a:cxn ang="0">
-                <a:pos x="connsiteX1" y="connsiteY1"/>
-              </a:cxn>
-              <a:cxn ang="0">
-                <a:pos x="connsiteX2" y="connsiteY2"/>
-              </a:cxn>
-              <a:cxn ang="0">
-                <a:pos x="connsiteX3" y="connsiteY3"/>
-              </a:cxn>
-              <a:cxn ang="0">
-                <a:pos x="connsiteX4" y="connsiteY4"/>
-              </a:cxn>
-            </a:cxnLst>
-            <a:rect l="l" t="t" r="r" b="b"/>
-            <a:pathLst>
-              <a:path w="1827638" h="1376989">
-                <a:moveTo>
-                  <a:pt x="0" y="987379"/>
-                </a:moveTo>
-                <a:lnTo>
-                  <a:pt x="987379" y="0"/>
-                </a:lnTo>
-                <a:lnTo>
-                  <a:pt x="1827638" y="840260"/>
-                </a:lnTo>
-                <a:lnTo>
-                  <a:pt x="1827638" y="1376989"/>
-                </a:lnTo>
-                <a:lnTo>
-                  <a:pt x="0" y="1376989"/>
-                </a:lnTo>
-                <a:close/>
-              </a:path>
-            </a:pathLst>
-          </a:custGeom>
-          <a:solidFill>
-            <a:schemeClr val="accent1">
-              <a:alpha val="30000"/>
-            </a:schemeClr>
-          </a:solidFill>
-          <a:ln>
-            <a:noFill/>
-          </a:ln>
-        </p:spPr>
-        <p:style>
-          <a:lnRef idx="2">
-            <a:schemeClr val="accent1">
-              <a:shade val="50000"/>
-            </a:schemeClr>
-          </a:lnRef>
-          <a:fillRef idx="1">
-            <a:schemeClr val="accent1"/>
-          </a:fillRef>
-          <a:effectRef idx="0">
-            <a:schemeClr val="accent1"/>
-          </a:effectRef>
-          <a:fontRef idx="minor">
-            <a:schemeClr val="lt1"/>
-          </a:fontRef>
-        </p:style>
-        <p:txBody>
-          <a:bodyPr wrap="square" rtlCol="0" anchor="ctr">
-            <a:noAutofit/>
-          </a:bodyPr>
-          <a:lstStyle/>
-          <a:p>
-            <a:pPr marL="0" marR="0" lvl="0" indent="0" algn="ctr" defTabSz="914400" rtl="0" eaLnBrk="1" fontAlgn="auto" latinLnBrk="0" hangingPunct="1">
-              <a:lnSpc>
-                <a:spcPct val="100000"/>
-              </a:lnSpc>
-              <a:spcBef>
-                <a:spcPts val="0"/>
-              </a:spcBef>
-              <a:spcAft>
-                <a:spcPts val="0"/>
-              </a:spcAft>
-              <a:buClrTx/>
-              <a:buSzTx/>
-              <a:buFontTx/>
-              <a:buNone/>
-              <a:tabLst/>
-              <a:defRPr/>
-            </a:pPr>
-            <a:endParaRPr kumimoji="0" lang="en-US" sz="1800" b="0" i="0" u="none" strike="noStrike" kern="1200" cap="none" spc="0" normalizeH="0" baseline="0" noProof="0" dirty="0">
-              <a:ln>
-                <a:noFill/>
-              </a:ln>
-              <a:solidFill>
-                <a:prstClr val="white"/>
-              </a:solidFill>
-              <a:effectLst/>
-              <a:uLnTx/>
-              <a:uFillTx/>
-              <a:latin typeface="Calibri" panose="020F0502020204030204"/>
-              <a:ea typeface="+mn-ea"/>
-              <a:cs typeface="+mn-cs"/>
-            </a:endParaRPr>
-          </a:p>
-        </p:txBody>
-      </p:sp>
-      <p:sp>
-        <p:nvSpPr>
-          <p:cNvPr id="16" name="Rectangle 15">
-            <a:extLst>
-              <a:ext uri="{FF2B5EF4-FFF2-40B4-BE49-F238E27FC236}">
-                <a16:creationId xmlns:a16="http://schemas.microsoft.com/office/drawing/2014/main" id="{DE00DB52-3455-4E2F-867B-A6D0516E175B}"/>
-              </a:ext>
-              <a:ext uri="{C183D7F6-B498-43B3-948B-1728B52AA6E4}">
-                <adec:decorative xmlns:adec="http://schemas.microsoft.com/office/drawing/2017/decorative" val="1"/>
-              </a:ext>
-            </a:extLst>
-          </p:cNvPr>
-          <p:cNvSpPr>
-            <a:spLocks noGrp="1" noRot="1" noChangeAspect="1" noMove="1" noResize="1" noEditPoints="1" noAdjustHandles="1" noChangeArrowheads="1" noChangeShapeType="1" noTextEdit="1"/>
-          </p:cNvSpPr>
-          <p:nvPr>
-            <p:extLst>
-              <p:ext uri="{386F3935-93C4-4BCD-93E2-E3B085C9AB24}">
-                <p16:designElem xmlns:p16="http://schemas.microsoft.com/office/powerpoint/2015/main" val="1"/>
-              </p:ext>
-            </p:extLst>
-          </p:nvPr>
-        </p:nvSpPr>
-        <p:spPr>
-          <a:xfrm rot="2700000">
-            <a:off x="10653800" y="422146"/>
-            <a:ext cx="645368" cy="645368"/>
-          </a:xfrm>
-          <a:prstGeom prst="rect">
-            <a:avLst/>
-          </a:prstGeom>
-          <a:solidFill>
-            <a:schemeClr val="accent1">
-              <a:alpha val="30000"/>
-            </a:schemeClr>
-          </a:solidFill>
-          <a:ln>
-            <a:noFill/>
-          </a:ln>
-        </p:spPr>
-        <p:style>
-          <a:lnRef idx="2">
-            <a:schemeClr val="accent1">
-              <a:shade val="50000"/>
-            </a:schemeClr>
-          </a:lnRef>
-          <a:fillRef idx="1">
-            <a:schemeClr val="accent1"/>
-          </a:fillRef>
-          <a:effectRef idx="0">
-            <a:schemeClr val="accent1"/>
-          </a:effectRef>
-          <a:fontRef idx="minor">
-            <a:schemeClr val="lt1"/>
-          </a:fontRef>
-        </p:style>
-        <p:txBody>
-          <a:bodyPr wrap="square" rtlCol="0" anchor="ctr">
-            <a:noAutofit/>
-          </a:bodyPr>
-          <a:lstStyle/>
-          <a:p>
-            <a:pPr marL="0" marR="0" lvl="0" indent="0" algn="ctr" defTabSz="914400" rtl="0" eaLnBrk="1" fontAlgn="auto" latinLnBrk="0" hangingPunct="1">
-              <a:lnSpc>
-                <a:spcPct val="100000"/>
-              </a:lnSpc>
-              <a:spcBef>
-                <a:spcPts val="0"/>
-              </a:spcBef>
-              <a:spcAft>
-                <a:spcPts val="0"/>
-              </a:spcAft>
-              <a:buClrTx/>
-              <a:buSzTx/>
-              <a:buFontTx/>
-              <a:buNone/>
-              <a:tabLst/>
-              <a:defRPr/>
-            </a:pPr>
-            <a:endParaRPr kumimoji="0" lang="en-US" sz="1800" b="0" i="0" u="none" strike="noStrike" kern="1200" cap="none" spc="0" normalizeH="0" baseline="0" noProof="0" dirty="0">
-              <a:ln>
-                <a:noFill/>
-              </a:ln>
-              <a:solidFill>
-                <a:prstClr val="white"/>
-              </a:solidFill>
-              <a:effectLst/>
-              <a:uLnTx/>
-              <a:uFillTx/>
-              <a:latin typeface="Calibri" panose="020F0502020204030204"/>
-              <a:ea typeface="+mn-ea"/>
-              <a:cs typeface="+mn-cs"/>
-            </a:endParaRPr>
-          </a:p>
-        </p:txBody>
-      </p:sp>
-      <p:sp>
-        <p:nvSpPr>
-          <p:cNvPr id="18" name="Isosceles Triangle 17">
-            <a:extLst>
-              <a:ext uri="{FF2B5EF4-FFF2-40B4-BE49-F238E27FC236}">
-                <a16:creationId xmlns:a16="http://schemas.microsoft.com/office/drawing/2014/main" id="{9E914C83-E0D8-4953-92D5-169D28CB43AE}"/>
-              </a:ext>
-              <a:ext uri="{C183D7F6-B498-43B3-948B-1728B52AA6E4}">
-                <adec:decorative xmlns:adec="http://schemas.microsoft.com/office/drawing/2017/decorative" val="1"/>
-              </a:ext>
-            </a:extLst>
-          </p:cNvPr>
-          <p:cNvSpPr>
-            <a:spLocks noGrp="1" noRot="1" noChangeAspect="1" noMove="1" noResize="1" noEditPoints="1" noAdjustHandles="1" noChangeArrowheads="1" noChangeShapeType="1" noTextEdit="1"/>
-          </p:cNvSpPr>
-          <p:nvPr>
-            <p:extLst>
-              <p:ext uri="{386F3935-93C4-4BCD-93E2-E3B085C9AB24}">
-                <p16:designElem xmlns:p16="http://schemas.microsoft.com/office/powerpoint/2015/main" val="1"/>
-              </p:ext>
-            </p:extLst>
-          </p:nvPr>
-        </p:nvSpPr>
-        <p:spPr>
-          <a:xfrm>
-            <a:off x="8115423" y="6115501"/>
-            <a:ext cx="1494513" cy="742499"/>
-          </a:xfrm>
-          <a:prstGeom prst="triangle">
-            <a:avLst/>
-          </a:prstGeom>
-          <a:solidFill>
-            <a:schemeClr val="accent1">
-              <a:alpha val="30000"/>
-            </a:schemeClr>
-          </a:solidFill>
-          <a:ln>
-            <a:noFill/>
-          </a:ln>
-        </p:spPr>
-        <p:style>
-          <a:lnRef idx="2">
-            <a:schemeClr val="accent1">
-              <a:shade val="50000"/>
-            </a:schemeClr>
-          </a:lnRef>
-          <a:fillRef idx="1">
-            <a:schemeClr val="accent1"/>
-          </a:fillRef>
-          <a:effectRef idx="0">
-            <a:schemeClr val="accent1"/>
-          </a:effectRef>
-          <a:fontRef idx="minor">
-            <a:schemeClr val="lt1"/>
-          </a:fontRef>
-        </p:style>
-        <p:txBody>
-          <a:bodyPr wrap="square" rtlCol="0" anchor="ctr">
-            <a:noAutofit/>
-          </a:bodyPr>
-          <a:lstStyle/>
-          <a:p>
-            <a:pPr marL="0" marR="0" lvl="0" indent="0" algn="ctr" defTabSz="914400" rtl="0" eaLnBrk="1" fontAlgn="auto" latinLnBrk="0" hangingPunct="1">
-              <a:lnSpc>
-                <a:spcPct val="100000"/>
-              </a:lnSpc>
-              <a:spcBef>
-                <a:spcPts val="0"/>
-              </a:spcBef>
-              <a:spcAft>
-                <a:spcPts val="0"/>
-              </a:spcAft>
-              <a:buClrTx/>
-              <a:buSzTx/>
-              <a:buFontTx/>
-              <a:buNone/>
-              <a:tabLst/>
-              <a:defRPr/>
-            </a:pPr>
-            <a:endParaRPr kumimoji="0" lang="en-US" sz="1800" b="0" i="0" u="none" strike="noStrike" kern="1200" cap="none" spc="0" normalizeH="0" baseline="0" noProof="0" dirty="0">
-              <a:ln>
-                <a:noFill/>
-              </a:ln>
-              <a:solidFill>
-                <a:prstClr val="white"/>
-              </a:solidFill>
-              <a:effectLst/>
-              <a:uLnTx/>
-              <a:uFillTx/>
-              <a:latin typeface="Calibri" panose="020F0502020204030204"/>
-              <a:ea typeface="+mn-ea"/>
-              <a:cs typeface="+mn-cs"/>
-            </a:endParaRPr>
-          </a:p>
-        </p:txBody>
-      </p:sp>
-      <p:sp>
-        <p:nvSpPr>
-          <p:cNvPr id="20" name="Isosceles Triangle 19">
-            <a:extLst>
-              <a:ext uri="{FF2B5EF4-FFF2-40B4-BE49-F238E27FC236}">
-                <a16:creationId xmlns:a16="http://schemas.microsoft.com/office/drawing/2014/main" id="{3512E083-F550-46AF-8490-767ECFD00CB7}"/>
-              </a:ext>
-              <a:ext uri="{C183D7F6-B498-43B3-948B-1728B52AA6E4}">
-                <adec:decorative xmlns:adec="http://schemas.microsoft.com/office/drawing/2017/decorative" val="1"/>
-              </a:ext>
-            </a:extLst>
-          </p:cNvPr>
-          <p:cNvSpPr>
-            <a:spLocks noGrp="1" noRot="1" noChangeAspect="1" noMove="1" noResize="1" noEditPoints="1" noAdjustHandles="1" noChangeArrowheads="1" noChangeShapeType="1" noTextEdit="1"/>
-          </p:cNvSpPr>
-          <p:nvPr>
-            <p:extLst>
-              <p:ext uri="{386F3935-93C4-4BCD-93E2-E3B085C9AB24}">
-                <p16:designElem xmlns:p16="http://schemas.microsoft.com/office/powerpoint/2015/main" val="1"/>
-              </p:ext>
-            </p:extLst>
-          </p:nvPr>
-        </p:nvSpPr>
-        <p:spPr>
-          <a:xfrm>
-            <a:off x="9167297" y="6453143"/>
-            <a:ext cx="814903" cy="404857"/>
-          </a:xfrm>
-          <a:prstGeom prst="triangle">
-            <a:avLst/>
-          </a:prstGeom>
-          <a:solidFill>
-            <a:schemeClr val="accent1">
-              <a:alpha val="30000"/>
-            </a:schemeClr>
-          </a:solidFill>
-          <a:ln>
-            <a:noFill/>
-          </a:ln>
-        </p:spPr>
-        <p:style>
-          <a:lnRef idx="2">
-            <a:schemeClr val="accent1">
-              <a:shade val="50000"/>
-            </a:schemeClr>
-          </a:lnRef>
-          <a:fillRef idx="1">
-            <a:schemeClr val="accent1"/>
-          </a:fillRef>
-          <a:effectRef idx="0">
-            <a:schemeClr val="accent1"/>
-          </a:effectRef>
-          <a:fontRef idx="minor">
-            <a:schemeClr val="lt1"/>
-          </a:fontRef>
-        </p:style>
-        <p:txBody>
-          <a:bodyPr wrap="square" rtlCol="0" anchor="ctr">
-            <a:noAutofit/>
-          </a:bodyPr>
-          <a:lstStyle/>
-          <a:p>
-            <a:pPr marL="0" marR="0" lvl="0" indent="0" algn="ctr" defTabSz="914400" rtl="0" eaLnBrk="1" fontAlgn="auto" latinLnBrk="0" hangingPunct="1">
-              <a:lnSpc>
-                <a:spcPct val="100000"/>
-              </a:lnSpc>
-              <a:spcBef>
-                <a:spcPts val="0"/>
-              </a:spcBef>
-              <a:spcAft>
-                <a:spcPts val="0"/>
-              </a:spcAft>
-              <a:buClrTx/>
-              <a:buSzTx/>
-              <a:buFontTx/>
-              <a:buNone/>
-              <a:tabLst/>
-              <a:defRPr/>
-            </a:pPr>
-            <a:endParaRPr kumimoji="0" lang="en-US" sz="1800" b="0" i="0" u="none" strike="noStrike" kern="1200" cap="none" spc="0" normalizeH="0" baseline="0" noProof="0" dirty="0">
-              <a:ln>
-                <a:noFill/>
-              </a:ln>
-              <a:solidFill>
-                <a:prstClr val="white"/>
-              </a:solidFill>
-              <a:effectLst/>
-              <a:uLnTx/>
-              <a:uFillTx/>
-              <a:latin typeface="Calibri" panose="020F0502020204030204"/>
-              <a:ea typeface="+mn-ea"/>
-              <a:cs typeface="+mn-cs"/>
-            </a:endParaRPr>
-          </a:p>
-        </p:txBody>
-      </p:sp>
-      <p:sp>
-        <p:nvSpPr>
-          <p:cNvPr id="3" name="Inhaltsplatzhalter 2">
-            <a:extLst>
-              <a:ext uri="{FF2B5EF4-FFF2-40B4-BE49-F238E27FC236}">
-                <a16:creationId xmlns:a16="http://schemas.microsoft.com/office/drawing/2014/main" id="{65E6BCB1-1E14-450D-B35B-E946083BD413}"/>
-              </a:ext>
-            </a:extLst>
-          </p:cNvPr>
-          <p:cNvSpPr>
-            <a:spLocks noGrp="1"/>
-          </p:cNvSpPr>
-          <p:nvPr>
-            <p:ph idx="1"/>
-          </p:nvPr>
-        </p:nvSpPr>
-        <p:spPr/>
-        <p:txBody>
-          <a:bodyPr/>
-          <a:lstStyle/>
-          <a:p>
-            <a:endParaRPr lang="de-CH"/>
-          </a:p>
-        </p:txBody>
-      </p:sp>
-      <p:sp>
-        <p:nvSpPr>
-          <p:cNvPr id="5" name="Titel 4">
-            <a:extLst>
-              <a:ext uri="{FF2B5EF4-FFF2-40B4-BE49-F238E27FC236}">
-                <a16:creationId xmlns:a16="http://schemas.microsoft.com/office/drawing/2014/main" id="{A14BC192-7767-4E13-8162-B132068E090B}"/>
-              </a:ext>
-            </a:extLst>
-          </p:cNvPr>
-          <p:cNvSpPr>
-            <a:spLocks noGrp="1"/>
-          </p:cNvSpPr>
-          <p:nvPr>
-            <p:ph type="title"/>
-          </p:nvPr>
-        </p:nvSpPr>
-        <p:spPr/>
-        <p:txBody>
-          <a:bodyPr/>
-          <a:lstStyle/>
-          <a:p>
-            <a:endParaRPr lang="de-CH"/>
-          </a:p>
-        </p:txBody>
-      </p:sp>
-    </p:spTree>
-    <p:extLst>
-      <p:ext uri="{BB962C8B-B14F-4D97-AF65-F5344CB8AC3E}">
-        <p14:creationId xmlns:p14="http://schemas.microsoft.com/office/powerpoint/2010/main" val="727640142"/>
-      </p:ext>
-    </p:extLst>
-  </p:cSld>
-  <p:clrMapOvr>
-    <a:masterClrMapping/>
-  </p:clrMapOvr>
-</p:sld>
-</file>
-
 <file path=ppt/slides/slide2.xml><?xml version="1.0" encoding="utf-8"?>
 <p:sld xmlns:a="http://schemas.openxmlformats.org/drawingml/2006/main" xmlns:r="http://schemas.openxmlformats.org/officeDocument/2006/relationships" xmlns:p="http://schemas.openxmlformats.org/presentationml/2006/main">
   <p:cSld>
@@ -11359,8 +10084,12 @@
           <a:p>
             <a:pPr lvl="2"/>
             <a:r>
+              <a:rPr lang="de-CH" dirty="0" err="1"/>
+              <a:t>Emberjs</a:t>
+            </a:r>
+            <a:r>
               <a:rPr lang="de-CH" dirty="0"/>
-              <a:t>Angular </a:t>
+              <a:t> </a:t>
             </a:r>
           </a:p>
         </p:txBody>
@@ -12244,1686 +10973,6 @@
     <p:extLst>
       <p:ext uri="{BB962C8B-B14F-4D97-AF65-F5344CB8AC3E}">
         <p14:creationId xmlns:p14="http://schemas.microsoft.com/office/powerpoint/2010/main" val="822020863"/>
-      </p:ext>
-    </p:extLst>
-  </p:cSld>
-  <p:clrMapOvr>
-    <a:masterClrMapping/>
-  </p:clrMapOvr>
-</p:sld>
-</file>
-
-<file path=ppt/slides/slide8.xml><?xml version="1.0" encoding="utf-8"?>
-<p:sld xmlns:a="http://schemas.openxmlformats.org/drawingml/2006/main" xmlns:r="http://schemas.openxmlformats.org/officeDocument/2006/relationships" xmlns:p="http://schemas.openxmlformats.org/presentationml/2006/main">
-  <p:cSld>
-    <p:spTree>
-      <p:nvGrpSpPr>
-        <p:cNvPr id="1" name=""/>
-        <p:cNvGrpSpPr/>
-        <p:nvPr/>
-      </p:nvGrpSpPr>
-      <p:grpSpPr>
-        <a:xfrm>
-          <a:off x="0" y="0"/>
-          <a:ext cx="0" cy="0"/>
-          <a:chOff x="0" y="0"/>
-          <a:chExt cx="0" cy="0"/>
-        </a:xfrm>
-      </p:grpSpPr>
-      <p:sp>
-        <p:nvSpPr>
-          <p:cNvPr id="8" name="Rectangle 7">
-            <a:extLst>
-              <a:ext uri="{FF2B5EF4-FFF2-40B4-BE49-F238E27FC236}">
-                <a16:creationId xmlns:a16="http://schemas.microsoft.com/office/drawing/2014/main" id="{46D6306C-ED4F-4AAE-B4A5-EEA6AFAD726E}"/>
-              </a:ext>
-              <a:ext uri="{C183D7F6-B498-43B3-948B-1728B52AA6E4}">
-                <adec:decorative xmlns:adec="http://schemas.microsoft.com/office/drawing/2017/decorative" val="1"/>
-              </a:ext>
-            </a:extLst>
-          </p:cNvPr>
-          <p:cNvSpPr>
-            <a:spLocks noGrp="1" noRot="1" noChangeAspect="1" noMove="1" noResize="1" noEditPoints="1" noAdjustHandles="1" noChangeArrowheads="1" noChangeShapeType="1" noTextEdit="1"/>
-          </p:cNvSpPr>
-          <p:nvPr>
-            <p:extLst>
-              <p:ext uri="{386F3935-93C4-4BCD-93E2-E3B085C9AB24}">
-                <p16:designElem xmlns:p16="http://schemas.microsoft.com/office/powerpoint/2015/main" val="1"/>
-              </p:ext>
-            </p:extLst>
-          </p:nvPr>
-        </p:nvSpPr>
-        <p:spPr>
-          <a:xfrm>
-            <a:off x="0" y="0"/>
-            <a:ext cx="12192000" cy="6858000"/>
-          </a:xfrm>
-          <a:prstGeom prst="rect">
-            <a:avLst/>
-          </a:prstGeom>
-          <a:solidFill>
-            <a:schemeClr val="bg1"/>
-          </a:solidFill>
-          <a:ln>
-            <a:noFill/>
-          </a:ln>
-        </p:spPr>
-        <p:style>
-          <a:lnRef idx="2">
-            <a:schemeClr val="accent1">
-              <a:shade val="50000"/>
-            </a:schemeClr>
-          </a:lnRef>
-          <a:fillRef idx="1">
-            <a:schemeClr val="accent1"/>
-          </a:fillRef>
-          <a:effectRef idx="0">
-            <a:schemeClr val="accent1"/>
-          </a:effectRef>
-          <a:fontRef idx="minor">
-            <a:schemeClr val="lt1"/>
-          </a:fontRef>
-        </p:style>
-        <p:txBody>
-          <a:bodyPr rtlCol="0" anchor="ctr"/>
-          <a:lstStyle/>
-          <a:p>
-            <a:pPr marL="0" marR="0" lvl="0" indent="0" algn="ctr" defTabSz="914400" rtl="0" eaLnBrk="1" fontAlgn="auto" latinLnBrk="0" hangingPunct="1">
-              <a:lnSpc>
-                <a:spcPct val="100000"/>
-              </a:lnSpc>
-              <a:spcBef>
-                <a:spcPts val="0"/>
-              </a:spcBef>
-              <a:spcAft>
-                <a:spcPts val="0"/>
-              </a:spcAft>
-              <a:buClrTx/>
-              <a:buSzTx/>
-              <a:buFontTx/>
-              <a:buNone/>
-              <a:tabLst/>
-              <a:defRPr/>
-            </a:pPr>
-            <a:endParaRPr kumimoji="0" lang="en-US" sz="1800" b="0" i="0" u="none" strike="noStrike" kern="1200" cap="none" spc="0" normalizeH="0" baseline="0" noProof="0" dirty="0">
-              <a:ln>
-                <a:noFill/>
-              </a:ln>
-              <a:solidFill>
-                <a:prstClr val="white"/>
-              </a:solidFill>
-              <a:effectLst/>
-              <a:uLnTx/>
-              <a:uFillTx/>
-              <a:latin typeface="Calibri" panose="020F0502020204030204"/>
-              <a:ea typeface="+mn-ea"/>
-              <a:cs typeface="+mn-cs"/>
-            </a:endParaRPr>
-          </a:p>
-        </p:txBody>
-      </p:sp>
-      <p:sp>
-        <p:nvSpPr>
-          <p:cNvPr id="10" name="Rectangle 9">
-            <a:extLst>
-              <a:ext uri="{FF2B5EF4-FFF2-40B4-BE49-F238E27FC236}">
-                <a16:creationId xmlns:a16="http://schemas.microsoft.com/office/drawing/2014/main" id="{0EC5361D-F897-4856-B945-0455A365EB24}"/>
-              </a:ext>
-              <a:ext uri="{C183D7F6-B498-43B3-948B-1728B52AA6E4}">
-                <adec:decorative xmlns:adec="http://schemas.microsoft.com/office/drawing/2017/decorative" val="1"/>
-              </a:ext>
-            </a:extLst>
-          </p:cNvPr>
-          <p:cNvSpPr>
-            <a:spLocks noGrp="1" noRot="1" noChangeAspect="1" noMove="1" noResize="1" noEditPoints="1" noAdjustHandles="1" noChangeArrowheads="1" noChangeShapeType="1" noTextEdit="1"/>
-          </p:cNvSpPr>
-          <p:nvPr>
-            <p:extLst>
-              <p:ext uri="{386F3935-93C4-4BCD-93E2-E3B085C9AB24}">
-                <p16:designElem xmlns:p16="http://schemas.microsoft.com/office/powerpoint/2015/main" val="1"/>
-              </p:ext>
-            </p:extLst>
-          </p:nvPr>
-        </p:nvSpPr>
-        <p:spPr>
-          <a:xfrm rot="2700000">
-            <a:off x="415435" y="655140"/>
-            <a:ext cx="687472" cy="687472"/>
-          </a:xfrm>
-          <a:prstGeom prst="rect">
-            <a:avLst/>
-          </a:prstGeom>
-          <a:solidFill>
-            <a:schemeClr val="accent4">
-              <a:alpha val="30000"/>
-            </a:schemeClr>
-          </a:solidFill>
-          <a:ln>
-            <a:noFill/>
-          </a:ln>
-        </p:spPr>
-        <p:style>
-          <a:lnRef idx="2">
-            <a:schemeClr val="accent1">
-              <a:shade val="50000"/>
-            </a:schemeClr>
-          </a:lnRef>
-          <a:fillRef idx="1">
-            <a:schemeClr val="accent1"/>
-          </a:fillRef>
-          <a:effectRef idx="0">
-            <a:schemeClr val="accent1"/>
-          </a:effectRef>
-          <a:fontRef idx="minor">
-            <a:schemeClr val="lt1"/>
-          </a:fontRef>
-        </p:style>
-        <p:txBody>
-          <a:bodyPr rtlCol="0" anchor="ctr"/>
-          <a:lstStyle/>
-          <a:p>
-            <a:pPr marL="0" marR="0" lvl="0" indent="0" algn="ctr" defTabSz="914400" rtl="0" eaLnBrk="1" fontAlgn="auto" latinLnBrk="0" hangingPunct="1">
-              <a:lnSpc>
-                <a:spcPct val="100000"/>
-              </a:lnSpc>
-              <a:spcBef>
-                <a:spcPts val="0"/>
-              </a:spcBef>
-              <a:spcAft>
-                <a:spcPts val="0"/>
-              </a:spcAft>
-              <a:buClrTx/>
-              <a:buSzTx/>
-              <a:buFontTx/>
-              <a:buNone/>
-              <a:tabLst/>
-              <a:defRPr/>
-            </a:pPr>
-            <a:endParaRPr kumimoji="0" lang="en-US" sz="1800" b="0" i="0" u="none" strike="noStrike" kern="1200" cap="none" spc="0" normalizeH="0" baseline="0" noProof="0" dirty="0">
-              <a:ln>
-                <a:noFill/>
-              </a:ln>
-              <a:solidFill>
-                <a:prstClr val="white"/>
-              </a:solidFill>
-              <a:effectLst/>
-              <a:uLnTx/>
-              <a:uFillTx/>
-              <a:latin typeface="Calibri" panose="020F0502020204030204"/>
-              <a:ea typeface="+mn-ea"/>
-              <a:cs typeface="+mn-cs"/>
-            </a:endParaRPr>
-          </a:p>
-        </p:txBody>
-      </p:sp>
-      <p:sp>
-        <p:nvSpPr>
-          <p:cNvPr id="12" name="Freeform: Shape 11">
-            <a:extLst>
-              <a:ext uri="{FF2B5EF4-FFF2-40B4-BE49-F238E27FC236}">
-                <a16:creationId xmlns:a16="http://schemas.microsoft.com/office/drawing/2014/main" id="{4508C0C5-2268-42B5-B3C8-4D0899E05F8C}"/>
-              </a:ext>
-              <a:ext uri="{C183D7F6-B498-43B3-948B-1728B52AA6E4}">
-                <adec:decorative xmlns:adec="http://schemas.microsoft.com/office/drawing/2017/decorative" val="1"/>
-              </a:ext>
-            </a:extLst>
-          </p:cNvPr>
-          <p:cNvSpPr>
-            <a:spLocks noGrp="1" noRot="1" noChangeAspect="1" noMove="1" noResize="1" noEditPoints="1" noAdjustHandles="1" noChangeArrowheads="1" noChangeShapeType="1" noTextEdit="1"/>
-          </p:cNvSpPr>
-          <p:nvPr>
-            <p:extLst>
-              <p:ext uri="{386F3935-93C4-4BCD-93E2-E3B085C9AB24}">
-                <p16:designElem xmlns:p16="http://schemas.microsoft.com/office/powerpoint/2015/main" val="1"/>
-              </p:ext>
-            </p:extLst>
-          </p:nvPr>
-        </p:nvSpPr>
-        <p:spPr>
-          <a:xfrm rot="10800000">
-            <a:off x="0" y="0"/>
-            <a:ext cx="2835357" cy="1480837"/>
-          </a:xfrm>
-          <a:custGeom>
-            <a:avLst/>
-            <a:gdLst>
-              <a:gd name="connsiteX0" fmla="*/ 2835357 w 2835357"/>
-              <a:gd name="connsiteY0" fmla="*/ 1480837 h 1480837"/>
-              <a:gd name="connsiteX1" fmla="*/ 0 w 2835357"/>
-              <a:gd name="connsiteY1" fmla="*/ 1480837 h 1480837"/>
-              <a:gd name="connsiteX2" fmla="*/ 1552727 w 2835357"/>
-              <a:gd name="connsiteY2" fmla="*/ 0 h 1480837"/>
-              <a:gd name="connsiteX3" fmla="*/ 2835357 w 2835357"/>
-              <a:gd name="connsiteY3" fmla="*/ 1223245 h 1480837"/>
-            </a:gdLst>
-            <a:ahLst/>
-            <a:cxnLst>
-              <a:cxn ang="0">
-                <a:pos x="connsiteX0" y="connsiteY0"/>
-              </a:cxn>
-              <a:cxn ang="0">
-                <a:pos x="connsiteX1" y="connsiteY1"/>
-              </a:cxn>
-              <a:cxn ang="0">
-                <a:pos x="connsiteX2" y="connsiteY2"/>
-              </a:cxn>
-              <a:cxn ang="0">
-                <a:pos x="connsiteX3" y="connsiteY3"/>
-              </a:cxn>
-            </a:cxnLst>
-            <a:rect l="l" t="t" r="r" b="b"/>
-            <a:pathLst>
-              <a:path w="2835357" h="1480837">
-                <a:moveTo>
-                  <a:pt x="2835357" y="1480837"/>
-                </a:moveTo>
-                <a:lnTo>
-                  <a:pt x="0" y="1480837"/>
-                </a:lnTo>
-                <a:lnTo>
-                  <a:pt x="1552727" y="0"/>
-                </a:lnTo>
-                <a:lnTo>
-                  <a:pt x="2835357" y="1223245"/>
-                </a:lnTo>
-                <a:close/>
-              </a:path>
-            </a:pathLst>
-          </a:custGeom>
-          <a:solidFill>
-            <a:schemeClr val="accent4">
-              <a:alpha val="30000"/>
-            </a:schemeClr>
-          </a:solidFill>
-          <a:ln>
-            <a:noFill/>
-          </a:ln>
-        </p:spPr>
-        <p:style>
-          <a:lnRef idx="2">
-            <a:schemeClr val="accent1">
-              <a:shade val="50000"/>
-            </a:schemeClr>
-          </a:lnRef>
-          <a:fillRef idx="1">
-            <a:schemeClr val="accent1"/>
-          </a:fillRef>
-          <a:effectRef idx="0">
-            <a:schemeClr val="accent1"/>
-          </a:effectRef>
-          <a:fontRef idx="minor">
-            <a:schemeClr val="lt1"/>
-          </a:fontRef>
-        </p:style>
-        <p:txBody>
-          <a:bodyPr wrap="square" rtlCol="0" anchor="ctr">
-            <a:noAutofit/>
-          </a:bodyPr>
-          <a:lstStyle/>
-          <a:p>
-            <a:pPr marL="0" marR="0" lvl="0" indent="0" algn="ctr" defTabSz="914400" rtl="0" eaLnBrk="1" fontAlgn="auto" latinLnBrk="0" hangingPunct="1">
-              <a:lnSpc>
-                <a:spcPct val="100000"/>
-              </a:lnSpc>
-              <a:spcBef>
-                <a:spcPts val="0"/>
-              </a:spcBef>
-              <a:spcAft>
-                <a:spcPts val="0"/>
-              </a:spcAft>
-              <a:buClrTx/>
-              <a:buSzTx/>
-              <a:buFontTx/>
-              <a:buNone/>
-              <a:tabLst/>
-              <a:defRPr/>
-            </a:pPr>
-            <a:endParaRPr kumimoji="0" lang="en-US" sz="1800" b="0" i="0" u="none" strike="noStrike" kern="1200" cap="none" spc="0" normalizeH="0" baseline="0" noProof="0" dirty="0">
-              <a:ln>
-                <a:noFill/>
-              </a:ln>
-              <a:solidFill>
-                <a:prstClr val="white"/>
-              </a:solidFill>
-              <a:effectLst/>
-              <a:uLnTx/>
-              <a:uFillTx/>
-              <a:latin typeface="Calibri" panose="020F0502020204030204"/>
-              <a:ea typeface="+mn-ea"/>
-              <a:cs typeface="+mn-cs"/>
-            </a:endParaRPr>
-          </a:p>
-        </p:txBody>
-      </p:sp>
-      <p:sp>
-        <p:nvSpPr>
-          <p:cNvPr id="14" name="Freeform: Shape 13">
-            <a:extLst>
-              <a:ext uri="{FF2B5EF4-FFF2-40B4-BE49-F238E27FC236}">
-                <a16:creationId xmlns:a16="http://schemas.microsoft.com/office/drawing/2014/main" id="{141ACBDB-38F8-4B34-8183-BD95B4E55A62}"/>
-              </a:ext>
-              <a:ext uri="{C183D7F6-B498-43B3-948B-1728B52AA6E4}">
-                <adec:decorative xmlns:adec="http://schemas.microsoft.com/office/drawing/2017/decorative" val="1"/>
-              </a:ext>
-            </a:extLst>
-          </p:cNvPr>
-          <p:cNvSpPr>
-            <a:spLocks noGrp="1" noRot="1" noChangeAspect="1" noMove="1" noResize="1" noEditPoints="1" noAdjustHandles="1" noChangeArrowheads="1" noChangeShapeType="1" noTextEdit="1"/>
-          </p:cNvSpPr>
-          <p:nvPr>
-            <p:extLst>
-              <p:ext uri="{386F3935-93C4-4BCD-93E2-E3B085C9AB24}">
-                <p16:designElem xmlns:p16="http://schemas.microsoft.com/office/powerpoint/2015/main" val="1"/>
-              </p:ext>
-            </p:extLst>
-          </p:nvPr>
-        </p:nvSpPr>
-        <p:spPr>
-          <a:xfrm rot="2700000">
-            <a:off x="10739327" y="-253670"/>
-            <a:ext cx="1827638" cy="1376989"/>
-          </a:xfrm>
-          <a:custGeom>
-            <a:avLst/>
-            <a:gdLst>
-              <a:gd name="connsiteX0" fmla="*/ 0 w 1827638"/>
-              <a:gd name="connsiteY0" fmla="*/ 987379 h 1376989"/>
-              <a:gd name="connsiteX1" fmla="*/ 987379 w 1827638"/>
-              <a:gd name="connsiteY1" fmla="*/ 0 h 1376989"/>
-              <a:gd name="connsiteX2" fmla="*/ 1827638 w 1827638"/>
-              <a:gd name="connsiteY2" fmla="*/ 840260 h 1376989"/>
-              <a:gd name="connsiteX3" fmla="*/ 1827638 w 1827638"/>
-              <a:gd name="connsiteY3" fmla="*/ 1376989 h 1376989"/>
-              <a:gd name="connsiteX4" fmla="*/ 0 w 1827638"/>
-              <a:gd name="connsiteY4" fmla="*/ 1376989 h 1376989"/>
-            </a:gdLst>
-            <a:ahLst/>
-            <a:cxnLst>
-              <a:cxn ang="0">
-                <a:pos x="connsiteX0" y="connsiteY0"/>
-              </a:cxn>
-              <a:cxn ang="0">
-                <a:pos x="connsiteX1" y="connsiteY1"/>
-              </a:cxn>
-              <a:cxn ang="0">
-                <a:pos x="connsiteX2" y="connsiteY2"/>
-              </a:cxn>
-              <a:cxn ang="0">
-                <a:pos x="connsiteX3" y="connsiteY3"/>
-              </a:cxn>
-              <a:cxn ang="0">
-                <a:pos x="connsiteX4" y="connsiteY4"/>
-              </a:cxn>
-            </a:cxnLst>
-            <a:rect l="l" t="t" r="r" b="b"/>
-            <a:pathLst>
-              <a:path w="1827638" h="1376989">
-                <a:moveTo>
-                  <a:pt x="0" y="987379"/>
-                </a:moveTo>
-                <a:lnTo>
-                  <a:pt x="987379" y="0"/>
-                </a:lnTo>
-                <a:lnTo>
-                  <a:pt x="1827638" y="840260"/>
-                </a:lnTo>
-                <a:lnTo>
-                  <a:pt x="1827638" y="1376989"/>
-                </a:lnTo>
-                <a:lnTo>
-                  <a:pt x="0" y="1376989"/>
-                </a:lnTo>
-                <a:close/>
-              </a:path>
-            </a:pathLst>
-          </a:custGeom>
-          <a:solidFill>
-            <a:schemeClr val="accent1">
-              <a:alpha val="30000"/>
-            </a:schemeClr>
-          </a:solidFill>
-          <a:ln>
-            <a:noFill/>
-          </a:ln>
-        </p:spPr>
-        <p:style>
-          <a:lnRef idx="2">
-            <a:schemeClr val="accent1">
-              <a:shade val="50000"/>
-            </a:schemeClr>
-          </a:lnRef>
-          <a:fillRef idx="1">
-            <a:schemeClr val="accent1"/>
-          </a:fillRef>
-          <a:effectRef idx="0">
-            <a:schemeClr val="accent1"/>
-          </a:effectRef>
-          <a:fontRef idx="minor">
-            <a:schemeClr val="lt1"/>
-          </a:fontRef>
-        </p:style>
-        <p:txBody>
-          <a:bodyPr wrap="square" rtlCol="0" anchor="ctr">
-            <a:noAutofit/>
-          </a:bodyPr>
-          <a:lstStyle/>
-          <a:p>
-            <a:pPr marL="0" marR="0" lvl="0" indent="0" algn="ctr" defTabSz="914400" rtl="0" eaLnBrk="1" fontAlgn="auto" latinLnBrk="0" hangingPunct="1">
-              <a:lnSpc>
-                <a:spcPct val="100000"/>
-              </a:lnSpc>
-              <a:spcBef>
-                <a:spcPts val="0"/>
-              </a:spcBef>
-              <a:spcAft>
-                <a:spcPts val="0"/>
-              </a:spcAft>
-              <a:buClrTx/>
-              <a:buSzTx/>
-              <a:buFontTx/>
-              <a:buNone/>
-              <a:tabLst/>
-              <a:defRPr/>
-            </a:pPr>
-            <a:endParaRPr kumimoji="0" lang="en-US" sz="1800" b="0" i="0" u="none" strike="noStrike" kern="1200" cap="none" spc="0" normalizeH="0" baseline="0" noProof="0" dirty="0">
-              <a:ln>
-                <a:noFill/>
-              </a:ln>
-              <a:solidFill>
-                <a:prstClr val="white"/>
-              </a:solidFill>
-              <a:effectLst/>
-              <a:uLnTx/>
-              <a:uFillTx/>
-              <a:latin typeface="Calibri" panose="020F0502020204030204"/>
-              <a:ea typeface="+mn-ea"/>
-              <a:cs typeface="+mn-cs"/>
-            </a:endParaRPr>
-          </a:p>
-        </p:txBody>
-      </p:sp>
-      <p:sp>
-        <p:nvSpPr>
-          <p:cNvPr id="16" name="Rectangle 15">
-            <a:extLst>
-              <a:ext uri="{FF2B5EF4-FFF2-40B4-BE49-F238E27FC236}">
-                <a16:creationId xmlns:a16="http://schemas.microsoft.com/office/drawing/2014/main" id="{DE00DB52-3455-4E2F-867B-A6D0516E175B}"/>
-              </a:ext>
-              <a:ext uri="{C183D7F6-B498-43B3-948B-1728B52AA6E4}">
-                <adec:decorative xmlns:adec="http://schemas.microsoft.com/office/drawing/2017/decorative" val="1"/>
-              </a:ext>
-            </a:extLst>
-          </p:cNvPr>
-          <p:cNvSpPr>
-            <a:spLocks noGrp="1" noRot="1" noChangeAspect="1" noMove="1" noResize="1" noEditPoints="1" noAdjustHandles="1" noChangeArrowheads="1" noChangeShapeType="1" noTextEdit="1"/>
-          </p:cNvSpPr>
-          <p:nvPr>
-            <p:extLst>
-              <p:ext uri="{386F3935-93C4-4BCD-93E2-E3B085C9AB24}">
-                <p16:designElem xmlns:p16="http://schemas.microsoft.com/office/powerpoint/2015/main" val="1"/>
-              </p:ext>
-            </p:extLst>
-          </p:nvPr>
-        </p:nvSpPr>
-        <p:spPr>
-          <a:xfrm rot="2700000">
-            <a:off x="10653800" y="422146"/>
-            <a:ext cx="645368" cy="645368"/>
-          </a:xfrm>
-          <a:prstGeom prst="rect">
-            <a:avLst/>
-          </a:prstGeom>
-          <a:solidFill>
-            <a:schemeClr val="accent1">
-              <a:alpha val="30000"/>
-            </a:schemeClr>
-          </a:solidFill>
-          <a:ln>
-            <a:noFill/>
-          </a:ln>
-        </p:spPr>
-        <p:style>
-          <a:lnRef idx="2">
-            <a:schemeClr val="accent1">
-              <a:shade val="50000"/>
-            </a:schemeClr>
-          </a:lnRef>
-          <a:fillRef idx="1">
-            <a:schemeClr val="accent1"/>
-          </a:fillRef>
-          <a:effectRef idx="0">
-            <a:schemeClr val="accent1"/>
-          </a:effectRef>
-          <a:fontRef idx="minor">
-            <a:schemeClr val="lt1"/>
-          </a:fontRef>
-        </p:style>
-        <p:txBody>
-          <a:bodyPr wrap="square" rtlCol="0" anchor="ctr">
-            <a:noAutofit/>
-          </a:bodyPr>
-          <a:lstStyle/>
-          <a:p>
-            <a:pPr marL="0" marR="0" lvl="0" indent="0" algn="ctr" defTabSz="914400" rtl="0" eaLnBrk="1" fontAlgn="auto" latinLnBrk="0" hangingPunct="1">
-              <a:lnSpc>
-                <a:spcPct val="100000"/>
-              </a:lnSpc>
-              <a:spcBef>
-                <a:spcPts val="0"/>
-              </a:spcBef>
-              <a:spcAft>
-                <a:spcPts val="0"/>
-              </a:spcAft>
-              <a:buClrTx/>
-              <a:buSzTx/>
-              <a:buFontTx/>
-              <a:buNone/>
-              <a:tabLst/>
-              <a:defRPr/>
-            </a:pPr>
-            <a:endParaRPr kumimoji="0" lang="en-US" sz="1800" b="0" i="0" u="none" strike="noStrike" kern="1200" cap="none" spc="0" normalizeH="0" baseline="0" noProof="0" dirty="0">
-              <a:ln>
-                <a:noFill/>
-              </a:ln>
-              <a:solidFill>
-                <a:prstClr val="white"/>
-              </a:solidFill>
-              <a:effectLst/>
-              <a:uLnTx/>
-              <a:uFillTx/>
-              <a:latin typeface="Calibri" panose="020F0502020204030204"/>
-              <a:ea typeface="+mn-ea"/>
-              <a:cs typeface="+mn-cs"/>
-            </a:endParaRPr>
-          </a:p>
-        </p:txBody>
-      </p:sp>
-      <p:sp>
-        <p:nvSpPr>
-          <p:cNvPr id="18" name="Isosceles Triangle 17">
-            <a:extLst>
-              <a:ext uri="{FF2B5EF4-FFF2-40B4-BE49-F238E27FC236}">
-                <a16:creationId xmlns:a16="http://schemas.microsoft.com/office/drawing/2014/main" id="{9E914C83-E0D8-4953-92D5-169D28CB43AE}"/>
-              </a:ext>
-              <a:ext uri="{C183D7F6-B498-43B3-948B-1728B52AA6E4}">
-                <adec:decorative xmlns:adec="http://schemas.microsoft.com/office/drawing/2017/decorative" val="1"/>
-              </a:ext>
-            </a:extLst>
-          </p:cNvPr>
-          <p:cNvSpPr>
-            <a:spLocks noGrp="1" noRot="1" noChangeAspect="1" noMove="1" noResize="1" noEditPoints="1" noAdjustHandles="1" noChangeArrowheads="1" noChangeShapeType="1" noTextEdit="1"/>
-          </p:cNvSpPr>
-          <p:nvPr>
-            <p:extLst>
-              <p:ext uri="{386F3935-93C4-4BCD-93E2-E3B085C9AB24}">
-                <p16:designElem xmlns:p16="http://schemas.microsoft.com/office/powerpoint/2015/main" val="1"/>
-              </p:ext>
-            </p:extLst>
-          </p:nvPr>
-        </p:nvSpPr>
-        <p:spPr>
-          <a:xfrm>
-            <a:off x="8115423" y="6115501"/>
-            <a:ext cx="1494513" cy="742499"/>
-          </a:xfrm>
-          <a:prstGeom prst="triangle">
-            <a:avLst/>
-          </a:prstGeom>
-          <a:solidFill>
-            <a:schemeClr val="accent1">
-              <a:alpha val="30000"/>
-            </a:schemeClr>
-          </a:solidFill>
-          <a:ln>
-            <a:noFill/>
-          </a:ln>
-        </p:spPr>
-        <p:style>
-          <a:lnRef idx="2">
-            <a:schemeClr val="accent1">
-              <a:shade val="50000"/>
-            </a:schemeClr>
-          </a:lnRef>
-          <a:fillRef idx="1">
-            <a:schemeClr val="accent1"/>
-          </a:fillRef>
-          <a:effectRef idx="0">
-            <a:schemeClr val="accent1"/>
-          </a:effectRef>
-          <a:fontRef idx="minor">
-            <a:schemeClr val="lt1"/>
-          </a:fontRef>
-        </p:style>
-        <p:txBody>
-          <a:bodyPr wrap="square" rtlCol="0" anchor="ctr">
-            <a:noAutofit/>
-          </a:bodyPr>
-          <a:lstStyle/>
-          <a:p>
-            <a:pPr marL="0" marR="0" lvl="0" indent="0" algn="ctr" defTabSz="914400" rtl="0" eaLnBrk="1" fontAlgn="auto" latinLnBrk="0" hangingPunct="1">
-              <a:lnSpc>
-                <a:spcPct val="100000"/>
-              </a:lnSpc>
-              <a:spcBef>
-                <a:spcPts val="0"/>
-              </a:spcBef>
-              <a:spcAft>
-                <a:spcPts val="0"/>
-              </a:spcAft>
-              <a:buClrTx/>
-              <a:buSzTx/>
-              <a:buFontTx/>
-              <a:buNone/>
-              <a:tabLst/>
-              <a:defRPr/>
-            </a:pPr>
-            <a:endParaRPr kumimoji="0" lang="en-US" sz="1800" b="0" i="0" u="none" strike="noStrike" kern="1200" cap="none" spc="0" normalizeH="0" baseline="0" noProof="0" dirty="0">
-              <a:ln>
-                <a:noFill/>
-              </a:ln>
-              <a:solidFill>
-                <a:prstClr val="white"/>
-              </a:solidFill>
-              <a:effectLst/>
-              <a:uLnTx/>
-              <a:uFillTx/>
-              <a:latin typeface="Calibri" panose="020F0502020204030204"/>
-              <a:ea typeface="+mn-ea"/>
-              <a:cs typeface="+mn-cs"/>
-            </a:endParaRPr>
-          </a:p>
-        </p:txBody>
-      </p:sp>
-      <p:sp>
-        <p:nvSpPr>
-          <p:cNvPr id="20" name="Isosceles Triangle 19">
-            <a:extLst>
-              <a:ext uri="{FF2B5EF4-FFF2-40B4-BE49-F238E27FC236}">
-                <a16:creationId xmlns:a16="http://schemas.microsoft.com/office/drawing/2014/main" id="{3512E083-F550-46AF-8490-767ECFD00CB7}"/>
-              </a:ext>
-              <a:ext uri="{C183D7F6-B498-43B3-948B-1728B52AA6E4}">
-                <adec:decorative xmlns:adec="http://schemas.microsoft.com/office/drawing/2017/decorative" val="1"/>
-              </a:ext>
-            </a:extLst>
-          </p:cNvPr>
-          <p:cNvSpPr>
-            <a:spLocks noGrp="1" noRot="1" noChangeAspect="1" noMove="1" noResize="1" noEditPoints="1" noAdjustHandles="1" noChangeArrowheads="1" noChangeShapeType="1" noTextEdit="1"/>
-          </p:cNvSpPr>
-          <p:nvPr>
-            <p:extLst>
-              <p:ext uri="{386F3935-93C4-4BCD-93E2-E3B085C9AB24}">
-                <p16:designElem xmlns:p16="http://schemas.microsoft.com/office/powerpoint/2015/main" val="1"/>
-              </p:ext>
-            </p:extLst>
-          </p:nvPr>
-        </p:nvSpPr>
-        <p:spPr>
-          <a:xfrm>
-            <a:off x="9167297" y="6453143"/>
-            <a:ext cx="814903" cy="404857"/>
-          </a:xfrm>
-          <a:prstGeom prst="triangle">
-            <a:avLst/>
-          </a:prstGeom>
-          <a:solidFill>
-            <a:schemeClr val="accent1">
-              <a:alpha val="30000"/>
-            </a:schemeClr>
-          </a:solidFill>
-          <a:ln>
-            <a:noFill/>
-          </a:ln>
-        </p:spPr>
-        <p:style>
-          <a:lnRef idx="2">
-            <a:schemeClr val="accent1">
-              <a:shade val="50000"/>
-            </a:schemeClr>
-          </a:lnRef>
-          <a:fillRef idx="1">
-            <a:schemeClr val="accent1"/>
-          </a:fillRef>
-          <a:effectRef idx="0">
-            <a:schemeClr val="accent1"/>
-          </a:effectRef>
-          <a:fontRef idx="minor">
-            <a:schemeClr val="lt1"/>
-          </a:fontRef>
-        </p:style>
-        <p:txBody>
-          <a:bodyPr wrap="square" rtlCol="0" anchor="ctr">
-            <a:noAutofit/>
-          </a:bodyPr>
-          <a:lstStyle/>
-          <a:p>
-            <a:pPr marL="0" marR="0" lvl="0" indent="0" algn="ctr" defTabSz="914400" rtl="0" eaLnBrk="1" fontAlgn="auto" latinLnBrk="0" hangingPunct="1">
-              <a:lnSpc>
-                <a:spcPct val="100000"/>
-              </a:lnSpc>
-              <a:spcBef>
-                <a:spcPts val="0"/>
-              </a:spcBef>
-              <a:spcAft>
-                <a:spcPts val="0"/>
-              </a:spcAft>
-              <a:buClrTx/>
-              <a:buSzTx/>
-              <a:buFontTx/>
-              <a:buNone/>
-              <a:tabLst/>
-              <a:defRPr/>
-            </a:pPr>
-            <a:endParaRPr kumimoji="0" lang="en-US" sz="1800" b="0" i="0" u="none" strike="noStrike" kern="1200" cap="none" spc="0" normalizeH="0" baseline="0" noProof="0" dirty="0">
-              <a:ln>
-                <a:noFill/>
-              </a:ln>
-              <a:solidFill>
-                <a:prstClr val="white"/>
-              </a:solidFill>
-              <a:effectLst/>
-              <a:uLnTx/>
-              <a:uFillTx/>
-              <a:latin typeface="Calibri" panose="020F0502020204030204"/>
-              <a:ea typeface="+mn-ea"/>
-              <a:cs typeface="+mn-cs"/>
-            </a:endParaRPr>
-          </a:p>
-        </p:txBody>
-      </p:sp>
-      <p:sp>
-        <p:nvSpPr>
-          <p:cNvPr id="3" name="Inhaltsplatzhalter 2">
-            <a:extLst>
-              <a:ext uri="{FF2B5EF4-FFF2-40B4-BE49-F238E27FC236}">
-                <a16:creationId xmlns:a16="http://schemas.microsoft.com/office/drawing/2014/main" id="{65E6BCB1-1E14-450D-B35B-E946083BD413}"/>
-              </a:ext>
-            </a:extLst>
-          </p:cNvPr>
-          <p:cNvSpPr>
-            <a:spLocks noGrp="1"/>
-          </p:cNvSpPr>
-          <p:nvPr>
-            <p:ph idx="1"/>
-          </p:nvPr>
-        </p:nvSpPr>
-        <p:spPr/>
-        <p:txBody>
-          <a:bodyPr/>
-          <a:lstStyle/>
-          <a:p>
-            <a:endParaRPr lang="de-CH"/>
-          </a:p>
-        </p:txBody>
-      </p:sp>
-      <p:sp>
-        <p:nvSpPr>
-          <p:cNvPr id="5" name="Titel 4">
-            <a:extLst>
-              <a:ext uri="{FF2B5EF4-FFF2-40B4-BE49-F238E27FC236}">
-                <a16:creationId xmlns:a16="http://schemas.microsoft.com/office/drawing/2014/main" id="{A14BC192-7767-4E13-8162-B132068E090B}"/>
-              </a:ext>
-            </a:extLst>
-          </p:cNvPr>
-          <p:cNvSpPr>
-            <a:spLocks noGrp="1"/>
-          </p:cNvSpPr>
-          <p:nvPr>
-            <p:ph type="title"/>
-          </p:nvPr>
-        </p:nvSpPr>
-        <p:spPr/>
-        <p:txBody>
-          <a:bodyPr/>
-          <a:lstStyle/>
-          <a:p>
-            <a:endParaRPr lang="de-CH"/>
-          </a:p>
-        </p:txBody>
-      </p:sp>
-    </p:spTree>
-    <p:extLst>
-      <p:ext uri="{BB962C8B-B14F-4D97-AF65-F5344CB8AC3E}">
-        <p14:creationId xmlns:p14="http://schemas.microsoft.com/office/powerpoint/2010/main" val="1020514802"/>
-      </p:ext>
-    </p:extLst>
-  </p:cSld>
-  <p:clrMapOvr>
-    <a:masterClrMapping/>
-  </p:clrMapOvr>
-</p:sld>
-</file>
-
-<file path=ppt/slides/slide9.xml><?xml version="1.0" encoding="utf-8"?>
-<p:sld xmlns:a="http://schemas.openxmlformats.org/drawingml/2006/main" xmlns:r="http://schemas.openxmlformats.org/officeDocument/2006/relationships" xmlns:p="http://schemas.openxmlformats.org/presentationml/2006/main">
-  <p:cSld>
-    <p:spTree>
-      <p:nvGrpSpPr>
-        <p:cNvPr id="1" name=""/>
-        <p:cNvGrpSpPr/>
-        <p:nvPr/>
-      </p:nvGrpSpPr>
-      <p:grpSpPr>
-        <a:xfrm>
-          <a:off x="0" y="0"/>
-          <a:ext cx="0" cy="0"/>
-          <a:chOff x="0" y="0"/>
-          <a:chExt cx="0" cy="0"/>
-        </a:xfrm>
-      </p:grpSpPr>
-      <p:sp>
-        <p:nvSpPr>
-          <p:cNvPr id="8" name="Rectangle 7">
-            <a:extLst>
-              <a:ext uri="{FF2B5EF4-FFF2-40B4-BE49-F238E27FC236}">
-                <a16:creationId xmlns:a16="http://schemas.microsoft.com/office/drawing/2014/main" id="{46D6306C-ED4F-4AAE-B4A5-EEA6AFAD726E}"/>
-              </a:ext>
-              <a:ext uri="{C183D7F6-B498-43B3-948B-1728B52AA6E4}">
-                <adec:decorative xmlns:adec="http://schemas.microsoft.com/office/drawing/2017/decorative" val="1"/>
-              </a:ext>
-            </a:extLst>
-          </p:cNvPr>
-          <p:cNvSpPr>
-            <a:spLocks noGrp="1" noRot="1" noChangeAspect="1" noMove="1" noResize="1" noEditPoints="1" noAdjustHandles="1" noChangeArrowheads="1" noChangeShapeType="1" noTextEdit="1"/>
-          </p:cNvSpPr>
-          <p:nvPr>
-            <p:extLst>
-              <p:ext uri="{386F3935-93C4-4BCD-93E2-E3B085C9AB24}">
-                <p16:designElem xmlns:p16="http://schemas.microsoft.com/office/powerpoint/2015/main" val="1"/>
-              </p:ext>
-            </p:extLst>
-          </p:nvPr>
-        </p:nvSpPr>
-        <p:spPr>
-          <a:xfrm>
-            <a:off x="0" y="0"/>
-            <a:ext cx="12192000" cy="6858000"/>
-          </a:xfrm>
-          <a:prstGeom prst="rect">
-            <a:avLst/>
-          </a:prstGeom>
-          <a:solidFill>
-            <a:schemeClr val="bg1"/>
-          </a:solidFill>
-          <a:ln>
-            <a:noFill/>
-          </a:ln>
-        </p:spPr>
-        <p:style>
-          <a:lnRef idx="2">
-            <a:schemeClr val="accent1">
-              <a:shade val="50000"/>
-            </a:schemeClr>
-          </a:lnRef>
-          <a:fillRef idx="1">
-            <a:schemeClr val="accent1"/>
-          </a:fillRef>
-          <a:effectRef idx="0">
-            <a:schemeClr val="accent1"/>
-          </a:effectRef>
-          <a:fontRef idx="minor">
-            <a:schemeClr val="lt1"/>
-          </a:fontRef>
-        </p:style>
-        <p:txBody>
-          <a:bodyPr rtlCol="0" anchor="ctr"/>
-          <a:lstStyle/>
-          <a:p>
-            <a:pPr marL="0" marR="0" lvl="0" indent="0" algn="ctr" defTabSz="914400" rtl="0" eaLnBrk="1" fontAlgn="auto" latinLnBrk="0" hangingPunct="1">
-              <a:lnSpc>
-                <a:spcPct val="100000"/>
-              </a:lnSpc>
-              <a:spcBef>
-                <a:spcPts val="0"/>
-              </a:spcBef>
-              <a:spcAft>
-                <a:spcPts val="0"/>
-              </a:spcAft>
-              <a:buClrTx/>
-              <a:buSzTx/>
-              <a:buFontTx/>
-              <a:buNone/>
-              <a:tabLst/>
-              <a:defRPr/>
-            </a:pPr>
-            <a:endParaRPr kumimoji="0" lang="en-US" sz="1800" b="0" i="0" u="none" strike="noStrike" kern="1200" cap="none" spc="0" normalizeH="0" baseline="0" noProof="0" dirty="0">
-              <a:ln>
-                <a:noFill/>
-              </a:ln>
-              <a:solidFill>
-                <a:prstClr val="white"/>
-              </a:solidFill>
-              <a:effectLst/>
-              <a:uLnTx/>
-              <a:uFillTx/>
-              <a:latin typeface="Calibri" panose="020F0502020204030204"/>
-              <a:ea typeface="+mn-ea"/>
-              <a:cs typeface="+mn-cs"/>
-            </a:endParaRPr>
-          </a:p>
-        </p:txBody>
-      </p:sp>
-      <p:sp>
-        <p:nvSpPr>
-          <p:cNvPr id="10" name="Rectangle 9">
-            <a:extLst>
-              <a:ext uri="{FF2B5EF4-FFF2-40B4-BE49-F238E27FC236}">
-                <a16:creationId xmlns:a16="http://schemas.microsoft.com/office/drawing/2014/main" id="{0EC5361D-F897-4856-B945-0455A365EB24}"/>
-              </a:ext>
-              <a:ext uri="{C183D7F6-B498-43B3-948B-1728B52AA6E4}">
-                <adec:decorative xmlns:adec="http://schemas.microsoft.com/office/drawing/2017/decorative" val="1"/>
-              </a:ext>
-            </a:extLst>
-          </p:cNvPr>
-          <p:cNvSpPr>
-            <a:spLocks noGrp="1" noRot="1" noChangeAspect="1" noMove="1" noResize="1" noEditPoints="1" noAdjustHandles="1" noChangeArrowheads="1" noChangeShapeType="1" noTextEdit="1"/>
-          </p:cNvSpPr>
-          <p:nvPr>
-            <p:extLst>
-              <p:ext uri="{386F3935-93C4-4BCD-93E2-E3B085C9AB24}">
-                <p16:designElem xmlns:p16="http://schemas.microsoft.com/office/powerpoint/2015/main" val="1"/>
-              </p:ext>
-            </p:extLst>
-          </p:nvPr>
-        </p:nvSpPr>
-        <p:spPr>
-          <a:xfrm rot="2700000">
-            <a:off x="415435" y="655140"/>
-            <a:ext cx="687472" cy="687472"/>
-          </a:xfrm>
-          <a:prstGeom prst="rect">
-            <a:avLst/>
-          </a:prstGeom>
-          <a:solidFill>
-            <a:schemeClr val="accent4">
-              <a:alpha val="30000"/>
-            </a:schemeClr>
-          </a:solidFill>
-          <a:ln>
-            <a:noFill/>
-          </a:ln>
-        </p:spPr>
-        <p:style>
-          <a:lnRef idx="2">
-            <a:schemeClr val="accent1">
-              <a:shade val="50000"/>
-            </a:schemeClr>
-          </a:lnRef>
-          <a:fillRef idx="1">
-            <a:schemeClr val="accent1"/>
-          </a:fillRef>
-          <a:effectRef idx="0">
-            <a:schemeClr val="accent1"/>
-          </a:effectRef>
-          <a:fontRef idx="minor">
-            <a:schemeClr val="lt1"/>
-          </a:fontRef>
-        </p:style>
-        <p:txBody>
-          <a:bodyPr rtlCol="0" anchor="ctr"/>
-          <a:lstStyle/>
-          <a:p>
-            <a:pPr marL="0" marR="0" lvl="0" indent="0" algn="ctr" defTabSz="914400" rtl="0" eaLnBrk="1" fontAlgn="auto" latinLnBrk="0" hangingPunct="1">
-              <a:lnSpc>
-                <a:spcPct val="100000"/>
-              </a:lnSpc>
-              <a:spcBef>
-                <a:spcPts val="0"/>
-              </a:spcBef>
-              <a:spcAft>
-                <a:spcPts val="0"/>
-              </a:spcAft>
-              <a:buClrTx/>
-              <a:buSzTx/>
-              <a:buFontTx/>
-              <a:buNone/>
-              <a:tabLst/>
-              <a:defRPr/>
-            </a:pPr>
-            <a:endParaRPr kumimoji="0" lang="en-US" sz="1800" b="0" i="0" u="none" strike="noStrike" kern="1200" cap="none" spc="0" normalizeH="0" baseline="0" noProof="0" dirty="0">
-              <a:ln>
-                <a:noFill/>
-              </a:ln>
-              <a:solidFill>
-                <a:prstClr val="white"/>
-              </a:solidFill>
-              <a:effectLst/>
-              <a:uLnTx/>
-              <a:uFillTx/>
-              <a:latin typeface="Calibri" panose="020F0502020204030204"/>
-              <a:ea typeface="+mn-ea"/>
-              <a:cs typeface="+mn-cs"/>
-            </a:endParaRPr>
-          </a:p>
-        </p:txBody>
-      </p:sp>
-      <p:sp>
-        <p:nvSpPr>
-          <p:cNvPr id="12" name="Freeform: Shape 11">
-            <a:extLst>
-              <a:ext uri="{FF2B5EF4-FFF2-40B4-BE49-F238E27FC236}">
-                <a16:creationId xmlns:a16="http://schemas.microsoft.com/office/drawing/2014/main" id="{4508C0C5-2268-42B5-B3C8-4D0899E05F8C}"/>
-              </a:ext>
-              <a:ext uri="{C183D7F6-B498-43B3-948B-1728B52AA6E4}">
-                <adec:decorative xmlns:adec="http://schemas.microsoft.com/office/drawing/2017/decorative" val="1"/>
-              </a:ext>
-            </a:extLst>
-          </p:cNvPr>
-          <p:cNvSpPr>
-            <a:spLocks noGrp="1" noRot="1" noChangeAspect="1" noMove="1" noResize="1" noEditPoints="1" noAdjustHandles="1" noChangeArrowheads="1" noChangeShapeType="1" noTextEdit="1"/>
-          </p:cNvSpPr>
-          <p:nvPr>
-            <p:extLst>
-              <p:ext uri="{386F3935-93C4-4BCD-93E2-E3B085C9AB24}">
-                <p16:designElem xmlns:p16="http://schemas.microsoft.com/office/powerpoint/2015/main" val="1"/>
-              </p:ext>
-            </p:extLst>
-          </p:nvPr>
-        </p:nvSpPr>
-        <p:spPr>
-          <a:xfrm rot="10800000">
-            <a:off x="0" y="0"/>
-            <a:ext cx="2835357" cy="1480837"/>
-          </a:xfrm>
-          <a:custGeom>
-            <a:avLst/>
-            <a:gdLst>
-              <a:gd name="connsiteX0" fmla="*/ 2835357 w 2835357"/>
-              <a:gd name="connsiteY0" fmla="*/ 1480837 h 1480837"/>
-              <a:gd name="connsiteX1" fmla="*/ 0 w 2835357"/>
-              <a:gd name="connsiteY1" fmla="*/ 1480837 h 1480837"/>
-              <a:gd name="connsiteX2" fmla="*/ 1552727 w 2835357"/>
-              <a:gd name="connsiteY2" fmla="*/ 0 h 1480837"/>
-              <a:gd name="connsiteX3" fmla="*/ 2835357 w 2835357"/>
-              <a:gd name="connsiteY3" fmla="*/ 1223245 h 1480837"/>
-            </a:gdLst>
-            <a:ahLst/>
-            <a:cxnLst>
-              <a:cxn ang="0">
-                <a:pos x="connsiteX0" y="connsiteY0"/>
-              </a:cxn>
-              <a:cxn ang="0">
-                <a:pos x="connsiteX1" y="connsiteY1"/>
-              </a:cxn>
-              <a:cxn ang="0">
-                <a:pos x="connsiteX2" y="connsiteY2"/>
-              </a:cxn>
-              <a:cxn ang="0">
-                <a:pos x="connsiteX3" y="connsiteY3"/>
-              </a:cxn>
-            </a:cxnLst>
-            <a:rect l="l" t="t" r="r" b="b"/>
-            <a:pathLst>
-              <a:path w="2835357" h="1480837">
-                <a:moveTo>
-                  <a:pt x="2835357" y="1480837"/>
-                </a:moveTo>
-                <a:lnTo>
-                  <a:pt x="0" y="1480837"/>
-                </a:lnTo>
-                <a:lnTo>
-                  <a:pt x="1552727" y="0"/>
-                </a:lnTo>
-                <a:lnTo>
-                  <a:pt x="2835357" y="1223245"/>
-                </a:lnTo>
-                <a:close/>
-              </a:path>
-            </a:pathLst>
-          </a:custGeom>
-          <a:solidFill>
-            <a:schemeClr val="accent4">
-              <a:alpha val="30000"/>
-            </a:schemeClr>
-          </a:solidFill>
-          <a:ln>
-            <a:noFill/>
-          </a:ln>
-        </p:spPr>
-        <p:style>
-          <a:lnRef idx="2">
-            <a:schemeClr val="accent1">
-              <a:shade val="50000"/>
-            </a:schemeClr>
-          </a:lnRef>
-          <a:fillRef idx="1">
-            <a:schemeClr val="accent1"/>
-          </a:fillRef>
-          <a:effectRef idx="0">
-            <a:schemeClr val="accent1"/>
-          </a:effectRef>
-          <a:fontRef idx="minor">
-            <a:schemeClr val="lt1"/>
-          </a:fontRef>
-        </p:style>
-        <p:txBody>
-          <a:bodyPr wrap="square" rtlCol="0" anchor="ctr">
-            <a:noAutofit/>
-          </a:bodyPr>
-          <a:lstStyle/>
-          <a:p>
-            <a:pPr marL="0" marR="0" lvl="0" indent="0" algn="ctr" defTabSz="914400" rtl="0" eaLnBrk="1" fontAlgn="auto" latinLnBrk="0" hangingPunct="1">
-              <a:lnSpc>
-                <a:spcPct val="100000"/>
-              </a:lnSpc>
-              <a:spcBef>
-                <a:spcPts val="0"/>
-              </a:spcBef>
-              <a:spcAft>
-                <a:spcPts val="0"/>
-              </a:spcAft>
-              <a:buClrTx/>
-              <a:buSzTx/>
-              <a:buFontTx/>
-              <a:buNone/>
-              <a:tabLst/>
-              <a:defRPr/>
-            </a:pPr>
-            <a:endParaRPr kumimoji="0" lang="en-US" sz="1800" b="0" i="0" u="none" strike="noStrike" kern="1200" cap="none" spc="0" normalizeH="0" baseline="0" noProof="0" dirty="0">
-              <a:ln>
-                <a:noFill/>
-              </a:ln>
-              <a:solidFill>
-                <a:prstClr val="white"/>
-              </a:solidFill>
-              <a:effectLst/>
-              <a:uLnTx/>
-              <a:uFillTx/>
-              <a:latin typeface="Calibri" panose="020F0502020204030204"/>
-              <a:ea typeface="+mn-ea"/>
-              <a:cs typeface="+mn-cs"/>
-            </a:endParaRPr>
-          </a:p>
-        </p:txBody>
-      </p:sp>
-      <p:sp>
-        <p:nvSpPr>
-          <p:cNvPr id="14" name="Freeform: Shape 13">
-            <a:extLst>
-              <a:ext uri="{FF2B5EF4-FFF2-40B4-BE49-F238E27FC236}">
-                <a16:creationId xmlns:a16="http://schemas.microsoft.com/office/drawing/2014/main" id="{141ACBDB-38F8-4B34-8183-BD95B4E55A62}"/>
-              </a:ext>
-              <a:ext uri="{C183D7F6-B498-43B3-948B-1728B52AA6E4}">
-                <adec:decorative xmlns:adec="http://schemas.microsoft.com/office/drawing/2017/decorative" val="1"/>
-              </a:ext>
-            </a:extLst>
-          </p:cNvPr>
-          <p:cNvSpPr>
-            <a:spLocks noGrp="1" noRot="1" noChangeAspect="1" noMove="1" noResize="1" noEditPoints="1" noAdjustHandles="1" noChangeArrowheads="1" noChangeShapeType="1" noTextEdit="1"/>
-          </p:cNvSpPr>
-          <p:nvPr>
-            <p:extLst>
-              <p:ext uri="{386F3935-93C4-4BCD-93E2-E3B085C9AB24}">
-                <p16:designElem xmlns:p16="http://schemas.microsoft.com/office/powerpoint/2015/main" val="1"/>
-              </p:ext>
-            </p:extLst>
-          </p:nvPr>
-        </p:nvSpPr>
-        <p:spPr>
-          <a:xfrm rot="2700000">
-            <a:off x="10739327" y="-253670"/>
-            <a:ext cx="1827638" cy="1376989"/>
-          </a:xfrm>
-          <a:custGeom>
-            <a:avLst/>
-            <a:gdLst>
-              <a:gd name="connsiteX0" fmla="*/ 0 w 1827638"/>
-              <a:gd name="connsiteY0" fmla="*/ 987379 h 1376989"/>
-              <a:gd name="connsiteX1" fmla="*/ 987379 w 1827638"/>
-              <a:gd name="connsiteY1" fmla="*/ 0 h 1376989"/>
-              <a:gd name="connsiteX2" fmla="*/ 1827638 w 1827638"/>
-              <a:gd name="connsiteY2" fmla="*/ 840260 h 1376989"/>
-              <a:gd name="connsiteX3" fmla="*/ 1827638 w 1827638"/>
-              <a:gd name="connsiteY3" fmla="*/ 1376989 h 1376989"/>
-              <a:gd name="connsiteX4" fmla="*/ 0 w 1827638"/>
-              <a:gd name="connsiteY4" fmla="*/ 1376989 h 1376989"/>
-            </a:gdLst>
-            <a:ahLst/>
-            <a:cxnLst>
-              <a:cxn ang="0">
-                <a:pos x="connsiteX0" y="connsiteY0"/>
-              </a:cxn>
-              <a:cxn ang="0">
-                <a:pos x="connsiteX1" y="connsiteY1"/>
-              </a:cxn>
-              <a:cxn ang="0">
-                <a:pos x="connsiteX2" y="connsiteY2"/>
-              </a:cxn>
-              <a:cxn ang="0">
-                <a:pos x="connsiteX3" y="connsiteY3"/>
-              </a:cxn>
-              <a:cxn ang="0">
-                <a:pos x="connsiteX4" y="connsiteY4"/>
-              </a:cxn>
-            </a:cxnLst>
-            <a:rect l="l" t="t" r="r" b="b"/>
-            <a:pathLst>
-              <a:path w="1827638" h="1376989">
-                <a:moveTo>
-                  <a:pt x="0" y="987379"/>
-                </a:moveTo>
-                <a:lnTo>
-                  <a:pt x="987379" y="0"/>
-                </a:lnTo>
-                <a:lnTo>
-                  <a:pt x="1827638" y="840260"/>
-                </a:lnTo>
-                <a:lnTo>
-                  <a:pt x="1827638" y="1376989"/>
-                </a:lnTo>
-                <a:lnTo>
-                  <a:pt x="0" y="1376989"/>
-                </a:lnTo>
-                <a:close/>
-              </a:path>
-            </a:pathLst>
-          </a:custGeom>
-          <a:solidFill>
-            <a:schemeClr val="accent1">
-              <a:alpha val="30000"/>
-            </a:schemeClr>
-          </a:solidFill>
-          <a:ln>
-            <a:noFill/>
-          </a:ln>
-        </p:spPr>
-        <p:style>
-          <a:lnRef idx="2">
-            <a:schemeClr val="accent1">
-              <a:shade val="50000"/>
-            </a:schemeClr>
-          </a:lnRef>
-          <a:fillRef idx="1">
-            <a:schemeClr val="accent1"/>
-          </a:fillRef>
-          <a:effectRef idx="0">
-            <a:schemeClr val="accent1"/>
-          </a:effectRef>
-          <a:fontRef idx="minor">
-            <a:schemeClr val="lt1"/>
-          </a:fontRef>
-        </p:style>
-        <p:txBody>
-          <a:bodyPr wrap="square" rtlCol="0" anchor="ctr">
-            <a:noAutofit/>
-          </a:bodyPr>
-          <a:lstStyle/>
-          <a:p>
-            <a:pPr marL="0" marR="0" lvl="0" indent="0" algn="ctr" defTabSz="914400" rtl="0" eaLnBrk="1" fontAlgn="auto" latinLnBrk="0" hangingPunct="1">
-              <a:lnSpc>
-                <a:spcPct val="100000"/>
-              </a:lnSpc>
-              <a:spcBef>
-                <a:spcPts val="0"/>
-              </a:spcBef>
-              <a:spcAft>
-                <a:spcPts val="0"/>
-              </a:spcAft>
-              <a:buClrTx/>
-              <a:buSzTx/>
-              <a:buFontTx/>
-              <a:buNone/>
-              <a:tabLst/>
-              <a:defRPr/>
-            </a:pPr>
-            <a:endParaRPr kumimoji="0" lang="en-US" sz="1800" b="0" i="0" u="none" strike="noStrike" kern="1200" cap="none" spc="0" normalizeH="0" baseline="0" noProof="0" dirty="0">
-              <a:ln>
-                <a:noFill/>
-              </a:ln>
-              <a:solidFill>
-                <a:prstClr val="white"/>
-              </a:solidFill>
-              <a:effectLst/>
-              <a:uLnTx/>
-              <a:uFillTx/>
-              <a:latin typeface="Calibri" panose="020F0502020204030204"/>
-              <a:ea typeface="+mn-ea"/>
-              <a:cs typeface="+mn-cs"/>
-            </a:endParaRPr>
-          </a:p>
-        </p:txBody>
-      </p:sp>
-      <p:sp>
-        <p:nvSpPr>
-          <p:cNvPr id="16" name="Rectangle 15">
-            <a:extLst>
-              <a:ext uri="{FF2B5EF4-FFF2-40B4-BE49-F238E27FC236}">
-                <a16:creationId xmlns:a16="http://schemas.microsoft.com/office/drawing/2014/main" id="{DE00DB52-3455-4E2F-867B-A6D0516E175B}"/>
-              </a:ext>
-              <a:ext uri="{C183D7F6-B498-43B3-948B-1728B52AA6E4}">
-                <adec:decorative xmlns:adec="http://schemas.microsoft.com/office/drawing/2017/decorative" val="1"/>
-              </a:ext>
-            </a:extLst>
-          </p:cNvPr>
-          <p:cNvSpPr>
-            <a:spLocks noGrp="1" noRot="1" noChangeAspect="1" noMove="1" noResize="1" noEditPoints="1" noAdjustHandles="1" noChangeArrowheads="1" noChangeShapeType="1" noTextEdit="1"/>
-          </p:cNvSpPr>
-          <p:nvPr>
-            <p:extLst>
-              <p:ext uri="{386F3935-93C4-4BCD-93E2-E3B085C9AB24}">
-                <p16:designElem xmlns:p16="http://schemas.microsoft.com/office/powerpoint/2015/main" val="1"/>
-              </p:ext>
-            </p:extLst>
-          </p:nvPr>
-        </p:nvSpPr>
-        <p:spPr>
-          <a:xfrm rot="2700000">
-            <a:off x="10653800" y="422146"/>
-            <a:ext cx="645368" cy="645368"/>
-          </a:xfrm>
-          <a:prstGeom prst="rect">
-            <a:avLst/>
-          </a:prstGeom>
-          <a:solidFill>
-            <a:schemeClr val="accent1">
-              <a:alpha val="30000"/>
-            </a:schemeClr>
-          </a:solidFill>
-          <a:ln>
-            <a:noFill/>
-          </a:ln>
-        </p:spPr>
-        <p:style>
-          <a:lnRef idx="2">
-            <a:schemeClr val="accent1">
-              <a:shade val="50000"/>
-            </a:schemeClr>
-          </a:lnRef>
-          <a:fillRef idx="1">
-            <a:schemeClr val="accent1"/>
-          </a:fillRef>
-          <a:effectRef idx="0">
-            <a:schemeClr val="accent1"/>
-          </a:effectRef>
-          <a:fontRef idx="minor">
-            <a:schemeClr val="lt1"/>
-          </a:fontRef>
-        </p:style>
-        <p:txBody>
-          <a:bodyPr wrap="square" rtlCol="0" anchor="ctr">
-            <a:noAutofit/>
-          </a:bodyPr>
-          <a:lstStyle/>
-          <a:p>
-            <a:pPr marL="0" marR="0" lvl="0" indent="0" algn="ctr" defTabSz="914400" rtl="0" eaLnBrk="1" fontAlgn="auto" latinLnBrk="0" hangingPunct="1">
-              <a:lnSpc>
-                <a:spcPct val="100000"/>
-              </a:lnSpc>
-              <a:spcBef>
-                <a:spcPts val="0"/>
-              </a:spcBef>
-              <a:spcAft>
-                <a:spcPts val="0"/>
-              </a:spcAft>
-              <a:buClrTx/>
-              <a:buSzTx/>
-              <a:buFontTx/>
-              <a:buNone/>
-              <a:tabLst/>
-              <a:defRPr/>
-            </a:pPr>
-            <a:endParaRPr kumimoji="0" lang="en-US" sz="1800" b="0" i="0" u="none" strike="noStrike" kern="1200" cap="none" spc="0" normalizeH="0" baseline="0" noProof="0" dirty="0">
-              <a:ln>
-                <a:noFill/>
-              </a:ln>
-              <a:solidFill>
-                <a:prstClr val="white"/>
-              </a:solidFill>
-              <a:effectLst/>
-              <a:uLnTx/>
-              <a:uFillTx/>
-              <a:latin typeface="Calibri" panose="020F0502020204030204"/>
-              <a:ea typeface="+mn-ea"/>
-              <a:cs typeface="+mn-cs"/>
-            </a:endParaRPr>
-          </a:p>
-        </p:txBody>
-      </p:sp>
-      <p:sp>
-        <p:nvSpPr>
-          <p:cNvPr id="18" name="Isosceles Triangle 17">
-            <a:extLst>
-              <a:ext uri="{FF2B5EF4-FFF2-40B4-BE49-F238E27FC236}">
-                <a16:creationId xmlns:a16="http://schemas.microsoft.com/office/drawing/2014/main" id="{9E914C83-E0D8-4953-92D5-169D28CB43AE}"/>
-              </a:ext>
-              <a:ext uri="{C183D7F6-B498-43B3-948B-1728B52AA6E4}">
-                <adec:decorative xmlns:adec="http://schemas.microsoft.com/office/drawing/2017/decorative" val="1"/>
-              </a:ext>
-            </a:extLst>
-          </p:cNvPr>
-          <p:cNvSpPr>
-            <a:spLocks noGrp="1" noRot="1" noChangeAspect="1" noMove="1" noResize="1" noEditPoints="1" noAdjustHandles="1" noChangeArrowheads="1" noChangeShapeType="1" noTextEdit="1"/>
-          </p:cNvSpPr>
-          <p:nvPr>
-            <p:extLst>
-              <p:ext uri="{386F3935-93C4-4BCD-93E2-E3B085C9AB24}">
-                <p16:designElem xmlns:p16="http://schemas.microsoft.com/office/powerpoint/2015/main" val="1"/>
-              </p:ext>
-            </p:extLst>
-          </p:nvPr>
-        </p:nvSpPr>
-        <p:spPr>
-          <a:xfrm>
-            <a:off x="8115423" y="6115501"/>
-            <a:ext cx="1494513" cy="742499"/>
-          </a:xfrm>
-          <a:prstGeom prst="triangle">
-            <a:avLst/>
-          </a:prstGeom>
-          <a:solidFill>
-            <a:schemeClr val="accent1">
-              <a:alpha val="30000"/>
-            </a:schemeClr>
-          </a:solidFill>
-          <a:ln>
-            <a:noFill/>
-          </a:ln>
-        </p:spPr>
-        <p:style>
-          <a:lnRef idx="2">
-            <a:schemeClr val="accent1">
-              <a:shade val="50000"/>
-            </a:schemeClr>
-          </a:lnRef>
-          <a:fillRef idx="1">
-            <a:schemeClr val="accent1"/>
-          </a:fillRef>
-          <a:effectRef idx="0">
-            <a:schemeClr val="accent1"/>
-          </a:effectRef>
-          <a:fontRef idx="minor">
-            <a:schemeClr val="lt1"/>
-          </a:fontRef>
-        </p:style>
-        <p:txBody>
-          <a:bodyPr wrap="square" rtlCol="0" anchor="ctr">
-            <a:noAutofit/>
-          </a:bodyPr>
-          <a:lstStyle/>
-          <a:p>
-            <a:pPr marL="0" marR="0" lvl="0" indent="0" algn="ctr" defTabSz="914400" rtl="0" eaLnBrk="1" fontAlgn="auto" latinLnBrk="0" hangingPunct="1">
-              <a:lnSpc>
-                <a:spcPct val="100000"/>
-              </a:lnSpc>
-              <a:spcBef>
-                <a:spcPts val="0"/>
-              </a:spcBef>
-              <a:spcAft>
-                <a:spcPts val="0"/>
-              </a:spcAft>
-              <a:buClrTx/>
-              <a:buSzTx/>
-              <a:buFontTx/>
-              <a:buNone/>
-              <a:tabLst/>
-              <a:defRPr/>
-            </a:pPr>
-            <a:endParaRPr kumimoji="0" lang="en-US" sz="1800" b="0" i="0" u="none" strike="noStrike" kern="1200" cap="none" spc="0" normalizeH="0" baseline="0" noProof="0" dirty="0">
-              <a:ln>
-                <a:noFill/>
-              </a:ln>
-              <a:solidFill>
-                <a:prstClr val="white"/>
-              </a:solidFill>
-              <a:effectLst/>
-              <a:uLnTx/>
-              <a:uFillTx/>
-              <a:latin typeface="Calibri" panose="020F0502020204030204"/>
-              <a:ea typeface="+mn-ea"/>
-              <a:cs typeface="+mn-cs"/>
-            </a:endParaRPr>
-          </a:p>
-        </p:txBody>
-      </p:sp>
-      <p:sp>
-        <p:nvSpPr>
-          <p:cNvPr id="20" name="Isosceles Triangle 19">
-            <a:extLst>
-              <a:ext uri="{FF2B5EF4-FFF2-40B4-BE49-F238E27FC236}">
-                <a16:creationId xmlns:a16="http://schemas.microsoft.com/office/drawing/2014/main" id="{3512E083-F550-46AF-8490-767ECFD00CB7}"/>
-              </a:ext>
-              <a:ext uri="{C183D7F6-B498-43B3-948B-1728B52AA6E4}">
-                <adec:decorative xmlns:adec="http://schemas.microsoft.com/office/drawing/2017/decorative" val="1"/>
-              </a:ext>
-            </a:extLst>
-          </p:cNvPr>
-          <p:cNvSpPr>
-            <a:spLocks noGrp="1" noRot="1" noChangeAspect="1" noMove="1" noResize="1" noEditPoints="1" noAdjustHandles="1" noChangeArrowheads="1" noChangeShapeType="1" noTextEdit="1"/>
-          </p:cNvSpPr>
-          <p:nvPr>
-            <p:extLst>
-              <p:ext uri="{386F3935-93C4-4BCD-93E2-E3B085C9AB24}">
-                <p16:designElem xmlns:p16="http://schemas.microsoft.com/office/powerpoint/2015/main" val="1"/>
-              </p:ext>
-            </p:extLst>
-          </p:nvPr>
-        </p:nvSpPr>
-        <p:spPr>
-          <a:xfrm>
-            <a:off x="9167297" y="6453143"/>
-            <a:ext cx="814903" cy="404857"/>
-          </a:xfrm>
-          <a:prstGeom prst="triangle">
-            <a:avLst/>
-          </a:prstGeom>
-          <a:solidFill>
-            <a:schemeClr val="accent1">
-              <a:alpha val="30000"/>
-            </a:schemeClr>
-          </a:solidFill>
-          <a:ln>
-            <a:noFill/>
-          </a:ln>
-        </p:spPr>
-        <p:style>
-          <a:lnRef idx="2">
-            <a:schemeClr val="accent1">
-              <a:shade val="50000"/>
-            </a:schemeClr>
-          </a:lnRef>
-          <a:fillRef idx="1">
-            <a:schemeClr val="accent1"/>
-          </a:fillRef>
-          <a:effectRef idx="0">
-            <a:schemeClr val="accent1"/>
-          </a:effectRef>
-          <a:fontRef idx="minor">
-            <a:schemeClr val="lt1"/>
-          </a:fontRef>
-        </p:style>
-        <p:txBody>
-          <a:bodyPr wrap="square" rtlCol="0" anchor="ctr">
-            <a:noAutofit/>
-          </a:bodyPr>
-          <a:lstStyle/>
-          <a:p>
-            <a:pPr marL="0" marR="0" lvl="0" indent="0" algn="ctr" defTabSz="914400" rtl="0" eaLnBrk="1" fontAlgn="auto" latinLnBrk="0" hangingPunct="1">
-              <a:lnSpc>
-                <a:spcPct val="100000"/>
-              </a:lnSpc>
-              <a:spcBef>
-                <a:spcPts val="0"/>
-              </a:spcBef>
-              <a:spcAft>
-                <a:spcPts val="0"/>
-              </a:spcAft>
-              <a:buClrTx/>
-              <a:buSzTx/>
-              <a:buFontTx/>
-              <a:buNone/>
-              <a:tabLst/>
-              <a:defRPr/>
-            </a:pPr>
-            <a:endParaRPr kumimoji="0" lang="en-US" sz="1800" b="0" i="0" u="none" strike="noStrike" kern="1200" cap="none" spc="0" normalizeH="0" baseline="0" noProof="0" dirty="0">
-              <a:ln>
-                <a:noFill/>
-              </a:ln>
-              <a:solidFill>
-                <a:prstClr val="white"/>
-              </a:solidFill>
-              <a:effectLst/>
-              <a:uLnTx/>
-              <a:uFillTx/>
-              <a:latin typeface="Calibri" panose="020F0502020204030204"/>
-              <a:ea typeface="+mn-ea"/>
-              <a:cs typeface="+mn-cs"/>
-            </a:endParaRPr>
-          </a:p>
-        </p:txBody>
-      </p:sp>
-      <p:sp>
-        <p:nvSpPr>
-          <p:cNvPr id="5" name="Titel 4">
-            <a:extLst>
-              <a:ext uri="{FF2B5EF4-FFF2-40B4-BE49-F238E27FC236}">
-                <a16:creationId xmlns:a16="http://schemas.microsoft.com/office/drawing/2014/main" id="{A14BC192-7767-4E13-8162-B132068E090B}"/>
-              </a:ext>
-            </a:extLst>
-          </p:cNvPr>
-          <p:cNvSpPr>
-            <a:spLocks noGrp="1"/>
-          </p:cNvSpPr>
-          <p:nvPr>
-            <p:ph type="title"/>
-          </p:nvPr>
-        </p:nvSpPr>
-        <p:spPr/>
-        <p:txBody>
-          <a:bodyPr/>
-          <a:lstStyle/>
-          <a:p>
-            <a:endParaRPr lang="de-CH"/>
-          </a:p>
-        </p:txBody>
-      </p:sp>
-      <p:sp>
-        <p:nvSpPr>
-          <p:cNvPr id="2" name="Inhaltsplatzhalter 1">
-            <a:extLst>
-              <a:ext uri="{FF2B5EF4-FFF2-40B4-BE49-F238E27FC236}">
-                <a16:creationId xmlns:a16="http://schemas.microsoft.com/office/drawing/2014/main" id="{57D3C283-DF4B-4471-8263-49668F8D4D47}"/>
-              </a:ext>
-            </a:extLst>
-          </p:cNvPr>
-          <p:cNvSpPr>
-            <a:spLocks noGrp="1"/>
-          </p:cNvSpPr>
-          <p:nvPr>
-            <p:ph idx="1"/>
-          </p:nvPr>
-        </p:nvSpPr>
-        <p:spPr/>
-        <p:txBody>
-          <a:bodyPr/>
-          <a:lstStyle/>
-          <a:p>
-            <a:endParaRPr lang="de-CH"/>
-          </a:p>
-        </p:txBody>
-      </p:sp>
-    </p:spTree>
-    <p:extLst>
-      <p:ext uri="{BB962C8B-B14F-4D97-AF65-F5344CB8AC3E}">
-        <p14:creationId xmlns:p14="http://schemas.microsoft.com/office/powerpoint/2010/main" val="4222415493"/>
       </p:ext>
     </p:extLst>
   </p:cSld>
